--- a/main.pptx
+++ b/main.pptx
@@ -1,56 +1,58 @@
 
 <file path=ppt/presentation.xml><?xml version="1.0" encoding="utf-8"?>
-<p:presentation xmlns:a="http://schemas.openxmlformats.org/drawingml/2006/main" xmlns:r="http://schemas.openxmlformats.org/officeDocument/2006/relationships" xmlns:mc="http://schemas.openxmlformats.org/markup-compatibility/2006" xmlns:mv="urn:schemas-microsoft-com:mac:vml" xmlns:p="http://schemas.openxmlformats.org/presentationml/2006/main" xmlns:c="http://schemas.openxmlformats.org/drawingml/2006/chart" xmlns:dgm="http://schemas.openxmlformats.org/drawingml/2006/diagram" xmlns:o="urn:schemas-microsoft-com:office:office" xmlns:v="urn:schemas-microsoft-com:vml" xmlns:pvml="urn:schemas-microsoft-com:office:powerpoint" xmlns:com="http://schemas.openxmlformats.org/drawingml/2006/compatibility" xmlns:p14="http://schemas.microsoft.com/office/powerpoint/2010/main" xmlns:p15="http://schemas.microsoft.com/office/powerpoint/2012/main" xmlns:ahyp="http://schemas.microsoft.com/office/drawing/2018/hyperlinkcolor" autoCompressPictures="0" embedTrueTypeFonts="1" strictFirstAndLastChars="0" saveSubsetFonts="1">
+<p:presentation xmlns:a="http://schemas.openxmlformats.org/drawingml/2006/main" xmlns:r="http://schemas.openxmlformats.org/officeDocument/2006/relationships" xmlns:p="http://schemas.openxmlformats.org/presentationml/2006/main" strictFirstAndLastChars="0" embedTrueTypeFonts="1" saveSubsetFonts="1" autoCompressPictures="0">
   <p:sldMasterIdLst>
-    <p:sldMasterId id="2147483659" r:id="rId4"/>
+    <p:sldMasterId id="2147483659" r:id="rId1"/>
   </p:sldMasterIdLst>
   <p:notesMasterIdLst>
-    <p:notesMasterId r:id="rId5"/>
+    <p:notesMasterId r:id="rId19"/>
   </p:notesMasterIdLst>
   <p:sldIdLst>
-    <p:sldId id="256" r:id="rId6"/>
-    <p:sldId id="257" r:id="rId7"/>
-    <p:sldId id="258" r:id="rId8"/>
-    <p:sldId id="259" r:id="rId9"/>
-    <p:sldId id="260" r:id="rId10"/>
-    <p:sldId id="261" r:id="rId11"/>
-    <p:sldId id="262" r:id="rId12"/>
-    <p:sldId id="263" r:id="rId13"/>
-    <p:sldId id="264" r:id="rId14"/>
-    <p:sldId id="265" r:id="rId15"/>
-    <p:sldId id="266" r:id="rId16"/>
-    <p:sldId id="267" r:id="rId17"/>
-    <p:sldId id="268" r:id="rId18"/>
-    <p:sldId id="269" r:id="rId19"/>
-    <p:sldId id="270" r:id="rId20"/>
+    <p:sldId id="256" r:id="rId2"/>
+    <p:sldId id="257" r:id="rId3"/>
+    <p:sldId id="258" r:id="rId4"/>
+    <p:sldId id="259" r:id="rId5"/>
+    <p:sldId id="260" r:id="rId6"/>
+    <p:sldId id="261" r:id="rId7"/>
+    <p:sldId id="262" r:id="rId8"/>
+    <p:sldId id="272" r:id="rId9"/>
+    <p:sldId id="273" r:id="rId10"/>
+    <p:sldId id="263" r:id="rId11"/>
+    <p:sldId id="264" r:id="rId12"/>
+    <p:sldId id="265" r:id="rId13"/>
+    <p:sldId id="266" r:id="rId14"/>
+    <p:sldId id="267" r:id="rId15"/>
+    <p:sldId id="268" r:id="rId16"/>
+    <p:sldId id="269" r:id="rId17"/>
+    <p:sldId id="270" r:id="rId18"/>
   </p:sldIdLst>
-  <p:sldSz cy="5143500" cx="9144000"/>
+  <p:sldSz cx="9144000" cy="5143500" type="screen16x9"/>
   <p:notesSz cx="6858000" cy="9144000"/>
   <p:embeddedFontLst>
     <p:embeddedFont>
-      <p:font typeface="Proxima Nova"/>
-      <p:regular r:id="rId21"/>
-      <p:bold r:id="rId22"/>
-      <p:italic r:id="rId23"/>
-      <p:boldItalic r:id="rId24"/>
+      <p:font typeface="Montserrat" panose="00000500000000000000" pitchFamily="2" charset="0"/>
+      <p:regular r:id="rId20"/>
+      <p:bold r:id="rId21"/>
+      <p:italic r:id="rId22"/>
+      <p:boldItalic r:id="rId23"/>
     </p:embeddedFont>
     <p:embeddedFont>
-      <p:font typeface="Montserrat"/>
-      <p:regular r:id="rId25"/>
-      <p:bold r:id="rId26"/>
-      <p:italic r:id="rId27"/>
-      <p:boldItalic r:id="rId28"/>
+      <p:font typeface="Montserrat Medium" panose="00000600000000000000" pitchFamily="2" charset="0"/>
+      <p:regular r:id="rId24"/>
+      <p:bold r:id="rId25"/>
+      <p:italic r:id="rId26"/>
+      <p:boldItalic r:id="rId27"/>
     </p:embeddedFont>
     <p:embeddedFont>
-      <p:font typeface="Montserrat Medium"/>
-      <p:regular r:id="rId29"/>
-      <p:bold r:id="rId30"/>
-      <p:italic r:id="rId31"/>
-      <p:boldItalic r:id="rId32"/>
+      <p:font typeface="Proxima Nova" panose="020B0604020202020204" charset="0"/>
+      <p:regular r:id="rId28"/>
+      <p:bold r:id="rId29"/>
+      <p:italic r:id="rId30"/>
+      <p:boldItalic r:id="rId31"/>
     </p:embeddedFont>
   </p:embeddedFontLst>
   <p:defaultTextStyle>
-    <a:defPPr lvl="0" marR="0" rtl="0" algn="l">
+    <a:defPPr marR="0" lvl="0" algn="l" rtl="0">
       <a:lnSpc>
         <a:spcPct val="100000"/>
       </a:lnSpc>
@@ -61,7 +63,7 @@
         <a:spcPts val="0"/>
       </a:spcAft>
     </a:defPPr>
-    <a:lvl1pPr lvl="0" marR="0" rtl="0" algn="l">
+    <a:lvl1pPr marR="0" lvl="0" algn="l" rtl="0">
       <a:lnSpc>
         <a:spcPct val="100000"/>
       </a:lnSpc>
@@ -75,7 +77,7 @@
         <a:srgbClr val="000000"/>
       </a:buClr>
       <a:buFont typeface="Arial"/>
-      <a:defRPr b="0" i="0" sz="1400" u="none" cap="none" strike="noStrike">
+      <a:defRPr sz="1400" b="0" i="0" u="none" strike="noStrike" cap="none">
         <a:solidFill>
           <a:srgbClr val="000000"/>
         </a:solidFill>
@@ -85,7 +87,7 @@
         <a:sym typeface="Arial"/>
       </a:defRPr>
     </a:lvl1pPr>
-    <a:lvl2pPr lvl="1" marR="0" rtl="0" algn="l">
+    <a:lvl2pPr marR="0" lvl="1" algn="l" rtl="0">
       <a:lnSpc>
         <a:spcPct val="100000"/>
       </a:lnSpc>
@@ -99,7 +101,7 @@
         <a:srgbClr val="000000"/>
       </a:buClr>
       <a:buFont typeface="Arial"/>
-      <a:defRPr b="0" i="0" sz="1400" u="none" cap="none" strike="noStrike">
+      <a:defRPr sz="1400" b="0" i="0" u="none" strike="noStrike" cap="none">
         <a:solidFill>
           <a:srgbClr val="000000"/>
         </a:solidFill>
@@ -109,7 +111,7 @@
         <a:sym typeface="Arial"/>
       </a:defRPr>
     </a:lvl2pPr>
-    <a:lvl3pPr lvl="2" marR="0" rtl="0" algn="l">
+    <a:lvl3pPr marR="0" lvl="2" algn="l" rtl="0">
       <a:lnSpc>
         <a:spcPct val="100000"/>
       </a:lnSpc>
@@ -123,7 +125,7 @@
         <a:srgbClr val="000000"/>
       </a:buClr>
       <a:buFont typeface="Arial"/>
-      <a:defRPr b="0" i="0" sz="1400" u="none" cap="none" strike="noStrike">
+      <a:defRPr sz="1400" b="0" i="0" u="none" strike="noStrike" cap="none">
         <a:solidFill>
           <a:srgbClr val="000000"/>
         </a:solidFill>
@@ -133,7 +135,7 @@
         <a:sym typeface="Arial"/>
       </a:defRPr>
     </a:lvl3pPr>
-    <a:lvl4pPr lvl="3" marR="0" rtl="0" algn="l">
+    <a:lvl4pPr marR="0" lvl="3" algn="l" rtl="0">
       <a:lnSpc>
         <a:spcPct val="100000"/>
       </a:lnSpc>
@@ -147,7 +149,7 @@
         <a:srgbClr val="000000"/>
       </a:buClr>
       <a:buFont typeface="Arial"/>
-      <a:defRPr b="0" i="0" sz="1400" u="none" cap="none" strike="noStrike">
+      <a:defRPr sz="1400" b="0" i="0" u="none" strike="noStrike" cap="none">
         <a:solidFill>
           <a:srgbClr val="000000"/>
         </a:solidFill>
@@ -157,7 +159,7 @@
         <a:sym typeface="Arial"/>
       </a:defRPr>
     </a:lvl4pPr>
-    <a:lvl5pPr lvl="4" marR="0" rtl="0" algn="l">
+    <a:lvl5pPr marR="0" lvl="4" algn="l" rtl="0">
       <a:lnSpc>
         <a:spcPct val="100000"/>
       </a:lnSpc>
@@ -171,7 +173,7 @@
         <a:srgbClr val="000000"/>
       </a:buClr>
       <a:buFont typeface="Arial"/>
-      <a:defRPr b="0" i="0" sz="1400" u="none" cap="none" strike="noStrike">
+      <a:defRPr sz="1400" b="0" i="0" u="none" strike="noStrike" cap="none">
         <a:solidFill>
           <a:srgbClr val="000000"/>
         </a:solidFill>
@@ -181,7 +183,7 @@
         <a:sym typeface="Arial"/>
       </a:defRPr>
     </a:lvl5pPr>
-    <a:lvl6pPr lvl="5" marR="0" rtl="0" algn="l">
+    <a:lvl6pPr marR="0" lvl="5" algn="l" rtl="0">
       <a:lnSpc>
         <a:spcPct val="100000"/>
       </a:lnSpc>
@@ -195,7 +197,7 @@
         <a:srgbClr val="000000"/>
       </a:buClr>
       <a:buFont typeface="Arial"/>
-      <a:defRPr b="0" i="0" sz="1400" u="none" cap="none" strike="noStrike">
+      <a:defRPr sz="1400" b="0" i="0" u="none" strike="noStrike" cap="none">
         <a:solidFill>
           <a:srgbClr val="000000"/>
         </a:solidFill>
@@ -205,7 +207,7 @@
         <a:sym typeface="Arial"/>
       </a:defRPr>
     </a:lvl6pPr>
-    <a:lvl7pPr lvl="6" marR="0" rtl="0" algn="l">
+    <a:lvl7pPr marR="0" lvl="6" algn="l" rtl="0">
       <a:lnSpc>
         <a:spcPct val="100000"/>
       </a:lnSpc>
@@ -219,7 +221,7 @@
         <a:srgbClr val="000000"/>
       </a:buClr>
       <a:buFont typeface="Arial"/>
-      <a:defRPr b="0" i="0" sz="1400" u="none" cap="none" strike="noStrike">
+      <a:defRPr sz="1400" b="0" i="0" u="none" strike="noStrike" cap="none">
         <a:solidFill>
           <a:srgbClr val="000000"/>
         </a:solidFill>
@@ -229,7 +231,7 @@
         <a:sym typeface="Arial"/>
       </a:defRPr>
     </a:lvl7pPr>
-    <a:lvl8pPr lvl="7" marR="0" rtl="0" algn="l">
+    <a:lvl8pPr marR="0" lvl="7" algn="l" rtl="0">
       <a:lnSpc>
         <a:spcPct val="100000"/>
       </a:lnSpc>
@@ -243,7 +245,7 @@
         <a:srgbClr val="000000"/>
       </a:buClr>
       <a:buFont typeface="Arial"/>
-      <a:defRPr b="0" i="0" sz="1400" u="none" cap="none" strike="noStrike">
+      <a:defRPr sz="1400" b="0" i="0" u="none" strike="noStrike" cap="none">
         <a:solidFill>
           <a:srgbClr val="000000"/>
         </a:solidFill>
@@ -253,7 +255,7 @@
         <a:sym typeface="Arial"/>
       </a:defRPr>
     </a:lvl8pPr>
-    <a:lvl9pPr lvl="8" marR="0" rtl="0" algn="l">
+    <a:lvl9pPr marR="0" lvl="8" algn="l" rtl="0">
       <a:lnSpc>
         <a:spcPct val="100000"/>
       </a:lnSpc>
@@ -267,7 +269,7 @@
         <a:srgbClr val="000000"/>
       </a:buClr>
       <a:buFont typeface="Arial"/>
-      <a:defRPr b="0" i="0" sz="1400" u="none" cap="none" strike="noStrike">
+      <a:defRPr sz="1400" b="0" i="0" u="none" strike="noStrike" cap="none">
         <a:solidFill>
           <a:srgbClr val="000000"/>
         </a:solidFill>
@@ -280,7 +282,7 @@
   </p:defaultTextStyle>
   <p:extLst>
     <p:ext uri="{EFAFB233-063F-42B5-8137-9DF3F51BA10A}">
-      <p15:sldGuideLst>
+      <p15:sldGuideLst xmlns:p15="http://schemas.microsoft.com/office/powerpoint/2012/main">
         <p15:guide id="1" orient="horz" pos="1620">
           <p15:clr>
             <a:srgbClr val="747775"/>
@@ -297,12 +299,106 @@
 </p:presentation>
 </file>
 
+<file path=ppt/changesInfos/changesInfo1.xml><?xml version="1.0" encoding="utf-8"?>
+<pc:chgInfo xmlns:a="http://schemas.openxmlformats.org/drawingml/2006/main" xmlns:r="http://schemas.openxmlformats.org/officeDocument/2006/relationships" xmlns:ac="http://schemas.microsoft.com/office/drawing/2013/main/command" xmlns:pc="http://schemas.microsoft.com/office/powerpoint/2013/main/command">
+  <pc:docChgLst>
+    <pc:chgData name="rakshith m" userId="e31ca784a19cf6f9" providerId="LiveId" clId="{D8054384-ED6A-41B9-A529-9136941393DF}"/>
+    <pc:docChg chg="undo custSel addSld delSld modSld">
+      <pc:chgData name="rakshith m" userId="e31ca784a19cf6f9" providerId="LiveId" clId="{D8054384-ED6A-41B9-A529-9136941393DF}" dt="2023-08-26T14:07:12.745" v="2066" actId="20577"/>
+      <pc:docMkLst>
+        <pc:docMk/>
+      </pc:docMkLst>
+      <pc:sldChg chg="add del">
+        <pc:chgData name="rakshith m" userId="e31ca784a19cf6f9" providerId="LiveId" clId="{D8054384-ED6A-41B9-A529-9136941393DF}" dt="2023-08-26T13:50:50.550" v="1272" actId="47"/>
+        <pc:sldMkLst>
+          <pc:docMk/>
+          <pc:sldMk cId="0" sldId="256"/>
+        </pc:sldMkLst>
+      </pc:sldChg>
+      <pc:sldChg chg="modSp mod">
+        <pc:chgData name="rakshith m" userId="e31ca784a19cf6f9" providerId="LiveId" clId="{D8054384-ED6A-41B9-A529-9136941393DF}" dt="2023-08-26T13:37:41.003" v="7" actId="255"/>
+        <pc:sldMkLst>
+          <pc:docMk/>
+          <pc:sldMk cId="0" sldId="257"/>
+        </pc:sldMkLst>
+        <pc:spChg chg="mod">
+          <ac:chgData name="rakshith m" userId="e31ca784a19cf6f9" providerId="LiveId" clId="{D8054384-ED6A-41B9-A529-9136941393DF}" dt="2023-08-26T13:37:28.068" v="6" actId="27636"/>
+          <ac:spMkLst>
+            <pc:docMk/>
+            <pc:sldMk cId="0" sldId="257"/>
+            <ac:spMk id="62" creationId="{00000000-0000-0000-0000-000000000000}"/>
+          </ac:spMkLst>
+        </pc:spChg>
+        <pc:spChg chg="mod">
+          <ac:chgData name="rakshith m" userId="e31ca784a19cf6f9" providerId="LiveId" clId="{D8054384-ED6A-41B9-A529-9136941393DF}" dt="2023-08-26T13:37:41.003" v="7" actId="255"/>
+          <ac:spMkLst>
+            <pc:docMk/>
+            <pc:sldMk cId="0" sldId="257"/>
+            <ac:spMk id="63" creationId="{00000000-0000-0000-0000-000000000000}"/>
+          </ac:spMkLst>
+        </pc:spChg>
+      </pc:sldChg>
+      <pc:sldChg chg="modSp mod">
+        <pc:chgData name="rakshith m" userId="e31ca784a19cf6f9" providerId="LiveId" clId="{D8054384-ED6A-41B9-A529-9136941393DF}" dt="2023-08-26T13:48:58.388" v="1270" actId="20577"/>
+        <pc:sldMkLst>
+          <pc:docMk/>
+          <pc:sldMk cId="0" sldId="258"/>
+        </pc:sldMkLst>
+        <pc:spChg chg="mod">
+          <ac:chgData name="rakshith m" userId="e31ca784a19cf6f9" providerId="LiveId" clId="{D8054384-ED6A-41B9-A529-9136941393DF}" dt="2023-08-26T13:48:58.388" v="1270" actId="20577"/>
+          <ac:spMkLst>
+            <pc:docMk/>
+            <pc:sldMk cId="0" sldId="258"/>
+            <ac:spMk id="68" creationId="{00000000-0000-0000-0000-000000000000}"/>
+          </ac:spMkLst>
+        </pc:spChg>
+      </pc:sldChg>
+      <pc:sldChg chg="modSp mod">
+        <pc:chgData name="rakshith m" userId="e31ca784a19cf6f9" providerId="LiveId" clId="{D8054384-ED6A-41B9-A529-9136941393DF}" dt="2023-08-26T14:04:04.159" v="1986" actId="20577"/>
+        <pc:sldMkLst>
+          <pc:docMk/>
+          <pc:sldMk cId="0" sldId="259"/>
+        </pc:sldMkLst>
+        <pc:spChg chg="mod">
+          <ac:chgData name="rakshith m" userId="e31ca784a19cf6f9" providerId="LiveId" clId="{D8054384-ED6A-41B9-A529-9136941393DF}" dt="2023-08-26T14:04:04.159" v="1986" actId="20577"/>
+          <ac:spMkLst>
+            <pc:docMk/>
+            <pc:sldMk cId="0" sldId="259"/>
+            <ac:spMk id="75" creationId="{00000000-0000-0000-0000-000000000000}"/>
+          </ac:spMkLst>
+        </pc:spChg>
+      </pc:sldChg>
+      <pc:sldChg chg="modSp mod">
+        <pc:chgData name="rakshith m" userId="e31ca784a19cf6f9" providerId="LiveId" clId="{D8054384-ED6A-41B9-A529-9136941393DF}" dt="2023-08-26T14:07:12.745" v="2066" actId="20577"/>
+        <pc:sldMkLst>
+          <pc:docMk/>
+          <pc:sldMk cId="0" sldId="260"/>
+        </pc:sldMkLst>
+        <pc:spChg chg="mod">
+          <ac:chgData name="rakshith m" userId="e31ca784a19cf6f9" providerId="LiveId" clId="{D8054384-ED6A-41B9-A529-9136941393DF}" dt="2023-08-26T14:07:12.745" v="2066" actId="20577"/>
+          <ac:spMkLst>
+            <pc:docMk/>
+            <pc:sldMk cId="0" sldId="260"/>
+            <ac:spMk id="82" creationId="{00000000-0000-0000-0000-000000000000}"/>
+          </ac:spMkLst>
+        </pc:spChg>
+      </pc:sldChg>
+    </pc:docChg>
+  </pc:docChgLst>
+</pc:chgInfo>
+</file>
+
 <file path=ppt/notesMasters/notesMaster1.xml><?xml version="1.0" encoding="utf-8"?>
-<p:notesMaster xmlns:a="http://schemas.openxmlformats.org/drawingml/2006/main" xmlns:r="http://schemas.openxmlformats.org/officeDocument/2006/relationships" xmlns:mc="http://schemas.openxmlformats.org/markup-compatibility/2006" xmlns:mv="urn:schemas-microsoft-com:mac:vml" xmlns:p="http://schemas.openxmlformats.org/presentationml/2006/main" xmlns:c="http://schemas.openxmlformats.org/drawingml/2006/chart" xmlns:dgm="http://schemas.openxmlformats.org/drawingml/2006/diagram" xmlns:o="urn:schemas-microsoft-com:office:office" xmlns:v="urn:schemas-microsoft-com:vml" xmlns:pvml="urn:schemas-microsoft-com:office:powerpoint" xmlns:com="http://schemas.openxmlformats.org/drawingml/2006/compatibility" xmlns:p14="http://schemas.microsoft.com/office/powerpoint/2010/main" xmlns:p15="http://schemas.microsoft.com/office/powerpoint/2012/main" xmlns:ahyp="http://schemas.microsoft.com/office/drawing/2018/hyperlinkcolor">
+<p:notesMaster xmlns:a="http://schemas.openxmlformats.org/drawingml/2006/main" xmlns:r="http://schemas.openxmlformats.org/officeDocument/2006/relationships" xmlns:p="http://schemas.openxmlformats.org/presentationml/2006/main">
   <p:cSld>
+    <p:bg>
+      <p:bgRef idx="1001">
+        <a:schemeClr val="bg1"/>
+      </p:bgRef>
+    </p:bg>
     <p:spTree>
       <p:nvGrpSpPr>
-        <p:cNvPr id="2" name="Shape 2"/>
+        <p:cNvPr id="1" name="Shape 2"/>
         <p:cNvGrpSpPr/>
         <p:nvPr/>
       </p:nvGrpSpPr>
@@ -317,9 +413,11 @@
       <p:sp>
         <p:nvSpPr>
           <p:cNvPr id="3" name="Google Shape;3;n"/>
-          <p:cNvSpPr/>
+          <p:cNvSpPr>
+            <a:spLocks noGrp="1" noRot="1" noChangeAspect="1"/>
+          </p:cNvSpPr>
           <p:nvPr>
-            <p:ph idx="2" type="sldImg"/>
+            <p:ph type="sldImg" idx="2"/>
           </p:nvPr>
         </p:nvSpPr>
         <p:spPr>
@@ -328,9 +426,13 @@
             <a:ext cx="6096075" cy="3429000"/>
           </a:xfrm>
           <a:custGeom>
-            <a:rect b="b" l="l" r="r" t="t"/>
+            <a:avLst/>
+            <a:gdLst/>
+            <a:ahLst/>
+            <a:cxnLst/>
+            <a:rect l="l" t="t" r="r" b="b"/>
             <a:pathLst>
-              <a:path extrusionOk="0" h="120000" w="120000">
+              <a:path w="120000" h="120000" extrusionOk="0">
                 <a:moveTo>
                   <a:pt x="0" y="0"/>
                 </a:moveTo>
@@ -348,23 +450,25 @@
             </a:pathLst>
           </a:custGeom>
           <a:noFill/>
-          <a:ln cap="flat" cmpd="sng" w="9525">
+          <a:ln w="9525" cap="flat" cmpd="sng">
             <a:solidFill>
               <a:srgbClr val="000000"/>
             </a:solidFill>
             <a:prstDash val="solid"/>
             <a:round/>
-            <a:headEnd len="sm" w="sm" type="none"/>
-            <a:tailEnd len="sm" w="sm" type="none"/>
+            <a:headEnd type="none" w="sm" len="sm"/>
+            <a:tailEnd type="none" w="sm" len="sm"/>
           </a:ln>
         </p:spPr>
       </p:sp>
       <p:sp>
         <p:nvSpPr>
           <p:cNvPr id="4" name="Google Shape;4;n"/>
-          <p:cNvSpPr txBox="1"/>
+          <p:cNvSpPr txBox="1">
+            <a:spLocks noGrp="1"/>
+          </p:cNvSpPr>
           <p:nvPr>
-            <p:ph idx="1" type="body"/>
+            <p:ph type="body" idx="1"/>
           </p:nvPr>
         </p:nvSpPr>
         <p:spPr>
@@ -381,11 +485,11 @@
           </a:ln>
         </p:spPr>
         <p:txBody>
-          <a:bodyPr anchorCtr="0" anchor="t" bIns="91425" lIns="91425" spcFirstLastPara="1" rIns="91425" wrap="square" tIns="91425">
+          <a:bodyPr spcFirstLastPara="1" wrap="square" lIns="91425" tIns="91425" rIns="91425" bIns="91425" anchor="t" anchorCtr="0">
             <a:noAutofit/>
           </a:bodyPr>
           <a:lstStyle>
-            <a:lvl1pPr indent="-298450" lvl="0" marL="457200">
+            <a:lvl1pPr marL="457200" lvl="0" indent="-298450">
               <a:spcBef>
                 <a:spcPts val="0"/>
               </a:spcBef>
@@ -396,7 +500,7 @@
               <a:buChar char="●"/>
               <a:defRPr sz="1100"/>
             </a:lvl1pPr>
-            <a:lvl2pPr indent="-298450" lvl="1" marL="914400">
+            <a:lvl2pPr marL="914400" lvl="1" indent="-298450">
               <a:spcBef>
                 <a:spcPts val="0"/>
               </a:spcBef>
@@ -407,7 +511,7 @@
               <a:buChar char="○"/>
               <a:defRPr sz="1100"/>
             </a:lvl2pPr>
-            <a:lvl3pPr indent="-298450" lvl="2" marL="1371600">
+            <a:lvl3pPr marL="1371600" lvl="2" indent="-298450">
               <a:spcBef>
                 <a:spcPts val="0"/>
               </a:spcBef>
@@ -418,7 +522,7 @@
               <a:buChar char="■"/>
               <a:defRPr sz="1100"/>
             </a:lvl3pPr>
-            <a:lvl4pPr indent="-298450" lvl="3" marL="1828800">
+            <a:lvl4pPr marL="1828800" lvl="3" indent="-298450">
               <a:spcBef>
                 <a:spcPts val="0"/>
               </a:spcBef>
@@ -429,7 +533,7 @@
               <a:buChar char="●"/>
               <a:defRPr sz="1100"/>
             </a:lvl4pPr>
-            <a:lvl5pPr indent="-298450" lvl="4" marL="2286000">
+            <a:lvl5pPr marL="2286000" lvl="4" indent="-298450">
               <a:spcBef>
                 <a:spcPts val="0"/>
               </a:spcBef>
@@ -440,7 +544,7 @@
               <a:buChar char="○"/>
               <a:defRPr sz="1100"/>
             </a:lvl5pPr>
-            <a:lvl6pPr indent="-298450" lvl="5" marL="2743200">
+            <a:lvl6pPr marL="2743200" lvl="5" indent="-298450">
               <a:spcBef>
                 <a:spcPts val="0"/>
               </a:spcBef>
@@ -451,7 +555,7 @@
               <a:buChar char="■"/>
               <a:defRPr sz="1100"/>
             </a:lvl6pPr>
-            <a:lvl7pPr indent="-298450" lvl="6" marL="3200400">
+            <a:lvl7pPr marL="3200400" lvl="6" indent="-298450">
               <a:spcBef>
                 <a:spcPts val="0"/>
               </a:spcBef>
@@ -462,7 +566,7 @@
               <a:buChar char="●"/>
               <a:defRPr sz="1100"/>
             </a:lvl7pPr>
-            <a:lvl8pPr indent="-298450" lvl="7" marL="3657600">
+            <a:lvl8pPr marL="3657600" lvl="7" indent="-298450">
               <a:spcBef>
                 <a:spcPts val="0"/>
               </a:spcBef>
@@ -473,7 +577,7 @@
               <a:buChar char="○"/>
               <a:defRPr sz="1100"/>
             </a:lvl8pPr>
-            <a:lvl9pPr indent="-298450" lvl="8" marL="4114800">
+            <a:lvl9pPr marL="4114800" lvl="8" indent="-298450">
               <a:spcBef>
                 <a:spcPts val="0"/>
               </a:spcBef>
@@ -485,14 +589,16 @@
               <a:defRPr sz="1100"/>
             </a:lvl9pPr>
           </a:lstStyle>
-          <a:p/>
+          <a:p>
+            <a:endParaRPr/>
+          </a:p>
         </p:txBody>
       </p:sp>
     </p:spTree>
   </p:cSld>
-  <p:clrMap accent1="accent1" accent2="accent2" accent3="accent3" accent4="accent4" accent5="accent5" accent6="accent6" bg1="lt1" bg2="dk2" tx1="dk1" tx2="lt2" folHlink="folHlink" hlink="hlink"/>
+  <p:clrMap bg1="lt1" tx1="dk1" bg2="dk2" tx2="lt2" accent1="accent1" accent2="accent2" accent3="accent3" accent4="accent4" accent5="accent5" accent6="accent6" hlink="hlink" folHlink="folHlink"/>
   <p:notesStyle>
-    <a:defPPr lvl="0" marR="0" rtl="0" algn="l">
+    <a:defPPr marR="0" lvl="0" algn="l" rtl="0">
       <a:lnSpc>
         <a:spcPct val="100000"/>
       </a:lnSpc>
@@ -503,7 +609,7 @@
         <a:spcPts val="0"/>
       </a:spcAft>
     </a:defPPr>
-    <a:lvl1pPr lvl="0" marR="0" rtl="0" algn="l">
+    <a:lvl1pPr marR="0" lvl="0" algn="l" rtl="0">
       <a:lnSpc>
         <a:spcPct val="100000"/>
       </a:lnSpc>
@@ -517,7 +623,7 @@
         <a:srgbClr val="000000"/>
       </a:buClr>
       <a:buFont typeface="Arial"/>
-      <a:defRPr b="0" i="0" sz="1400" u="none" cap="none" strike="noStrike">
+      <a:defRPr sz="1400" b="0" i="0" u="none" strike="noStrike" cap="none">
         <a:solidFill>
           <a:srgbClr val="000000"/>
         </a:solidFill>
@@ -527,7 +633,7 @@
         <a:sym typeface="Arial"/>
       </a:defRPr>
     </a:lvl1pPr>
-    <a:lvl2pPr lvl="1" marR="0" rtl="0" algn="l">
+    <a:lvl2pPr marR="0" lvl="1" algn="l" rtl="0">
       <a:lnSpc>
         <a:spcPct val="100000"/>
       </a:lnSpc>
@@ -541,7 +647,7 @@
         <a:srgbClr val="000000"/>
       </a:buClr>
       <a:buFont typeface="Arial"/>
-      <a:defRPr b="0" i="0" sz="1400" u="none" cap="none" strike="noStrike">
+      <a:defRPr sz="1400" b="0" i="0" u="none" strike="noStrike" cap="none">
         <a:solidFill>
           <a:srgbClr val="000000"/>
         </a:solidFill>
@@ -551,7 +657,7 @@
         <a:sym typeface="Arial"/>
       </a:defRPr>
     </a:lvl2pPr>
-    <a:lvl3pPr lvl="2" marR="0" rtl="0" algn="l">
+    <a:lvl3pPr marR="0" lvl="2" algn="l" rtl="0">
       <a:lnSpc>
         <a:spcPct val="100000"/>
       </a:lnSpc>
@@ -565,7 +671,7 @@
         <a:srgbClr val="000000"/>
       </a:buClr>
       <a:buFont typeface="Arial"/>
-      <a:defRPr b="0" i="0" sz="1400" u="none" cap="none" strike="noStrike">
+      <a:defRPr sz="1400" b="0" i="0" u="none" strike="noStrike" cap="none">
         <a:solidFill>
           <a:srgbClr val="000000"/>
         </a:solidFill>
@@ -575,7 +681,7 @@
         <a:sym typeface="Arial"/>
       </a:defRPr>
     </a:lvl3pPr>
-    <a:lvl4pPr lvl="3" marR="0" rtl="0" algn="l">
+    <a:lvl4pPr marR="0" lvl="3" algn="l" rtl="0">
       <a:lnSpc>
         <a:spcPct val="100000"/>
       </a:lnSpc>
@@ -589,7 +695,7 @@
         <a:srgbClr val="000000"/>
       </a:buClr>
       <a:buFont typeface="Arial"/>
-      <a:defRPr b="0" i="0" sz="1400" u="none" cap="none" strike="noStrike">
+      <a:defRPr sz="1400" b="0" i="0" u="none" strike="noStrike" cap="none">
         <a:solidFill>
           <a:srgbClr val="000000"/>
         </a:solidFill>
@@ -599,7 +705,7 @@
         <a:sym typeface="Arial"/>
       </a:defRPr>
     </a:lvl4pPr>
-    <a:lvl5pPr lvl="4" marR="0" rtl="0" algn="l">
+    <a:lvl5pPr marR="0" lvl="4" algn="l" rtl="0">
       <a:lnSpc>
         <a:spcPct val="100000"/>
       </a:lnSpc>
@@ -613,7 +719,7 @@
         <a:srgbClr val="000000"/>
       </a:buClr>
       <a:buFont typeface="Arial"/>
-      <a:defRPr b="0" i="0" sz="1400" u="none" cap="none" strike="noStrike">
+      <a:defRPr sz="1400" b="0" i="0" u="none" strike="noStrike" cap="none">
         <a:solidFill>
           <a:srgbClr val="000000"/>
         </a:solidFill>
@@ -623,7 +729,7 @@
         <a:sym typeface="Arial"/>
       </a:defRPr>
     </a:lvl5pPr>
-    <a:lvl6pPr lvl="5" marR="0" rtl="0" algn="l">
+    <a:lvl6pPr marR="0" lvl="5" algn="l" rtl="0">
       <a:lnSpc>
         <a:spcPct val="100000"/>
       </a:lnSpc>
@@ -637,7 +743,7 @@
         <a:srgbClr val="000000"/>
       </a:buClr>
       <a:buFont typeface="Arial"/>
-      <a:defRPr b="0" i="0" sz="1400" u="none" cap="none" strike="noStrike">
+      <a:defRPr sz="1400" b="0" i="0" u="none" strike="noStrike" cap="none">
         <a:solidFill>
           <a:srgbClr val="000000"/>
         </a:solidFill>
@@ -647,7 +753,7 @@
         <a:sym typeface="Arial"/>
       </a:defRPr>
     </a:lvl6pPr>
-    <a:lvl7pPr lvl="6" marR="0" rtl="0" algn="l">
+    <a:lvl7pPr marR="0" lvl="6" algn="l" rtl="0">
       <a:lnSpc>
         <a:spcPct val="100000"/>
       </a:lnSpc>
@@ -661,7 +767,7 @@
         <a:srgbClr val="000000"/>
       </a:buClr>
       <a:buFont typeface="Arial"/>
-      <a:defRPr b="0" i="0" sz="1400" u="none" cap="none" strike="noStrike">
+      <a:defRPr sz="1400" b="0" i="0" u="none" strike="noStrike" cap="none">
         <a:solidFill>
           <a:srgbClr val="000000"/>
         </a:solidFill>
@@ -671,7 +777,7 @@
         <a:sym typeface="Arial"/>
       </a:defRPr>
     </a:lvl7pPr>
-    <a:lvl8pPr lvl="7" marR="0" rtl="0" algn="l">
+    <a:lvl8pPr marR="0" lvl="7" algn="l" rtl="0">
       <a:lnSpc>
         <a:spcPct val="100000"/>
       </a:lnSpc>
@@ -685,7 +791,7 @@
         <a:srgbClr val="000000"/>
       </a:buClr>
       <a:buFont typeface="Arial"/>
-      <a:defRPr b="0" i="0" sz="1400" u="none" cap="none" strike="noStrike">
+      <a:defRPr sz="1400" b="0" i="0" u="none" strike="noStrike" cap="none">
         <a:solidFill>
           <a:srgbClr val="000000"/>
         </a:solidFill>
@@ -695,7 +801,7 @@
         <a:sym typeface="Arial"/>
       </a:defRPr>
     </a:lvl8pPr>
-    <a:lvl9pPr lvl="8" marR="0" rtl="0" algn="l">
+    <a:lvl9pPr marR="0" lvl="8" algn="l" rtl="0">
       <a:lnSpc>
         <a:spcPct val="100000"/>
       </a:lnSpc>
@@ -709,7 +815,7 @@
         <a:srgbClr val="000000"/>
       </a:buClr>
       <a:buFont typeface="Arial"/>
-      <a:defRPr b="0" i="0" sz="1400" u="none" cap="none" strike="noStrike">
+      <a:defRPr sz="1400" b="0" i="0" u="none" strike="noStrike" cap="none">
         <a:solidFill>
           <a:srgbClr val="000000"/>
         </a:solidFill>
@@ -724,11 +830,11 @@
 </file>
 
 <file path=ppt/notesSlides/notesSlide1.xml><?xml version="1.0" encoding="utf-8"?>
-<p:notes xmlns:a="http://schemas.openxmlformats.org/drawingml/2006/main" xmlns:r="http://schemas.openxmlformats.org/officeDocument/2006/relationships" xmlns:mc="http://schemas.openxmlformats.org/markup-compatibility/2006" xmlns:mv="urn:schemas-microsoft-com:mac:vml" xmlns:p="http://schemas.openxmlformats.org/presentationml/2006/main" xmlns:c="http://schemas.openxmlformats.org/drawingml/2006/chart" xmlns:dgm="http://schemas.openxmlformats.org/drawingml/2006/diagram" xmlns:o="urn:schemas-microsoft-com:office:office" xmlns:v="urn:schemas-microsoft-com:vml" xmlns:pvml="urn:schemas-microsoft-com:office:powerpoint" xmlns:com="http://schemas.openxmlformats.org/drawingml/2006/compatibility" xmlns:p14="http://schemas.microsoft.com/office/powerpoint/2010/main" xmlns:p15="http://schemas.microsoft.com/office/powerpoint/2012/main" xmlns:ahyp="http://schemas.microsoft.com/office/drawing/2018/hyperlinkcolor" showMasterPhAnim="0" showMasterSp="0">
+<p:notes xmlns:a="http://schemas.openxmlformats.org/drawingml/2006/main" xmlns:r="http://schemas.openxmlformats.org/officeDocument/2006/relationships" xmlns:p="http://schemas.openxmlformats.org/presentationml/2006/main" showMasterSp="0" showMasterPhAnim="0">
   <p:cSld>
     <p:spTree>
       <p:nvGrpSpPr>
-        <p:cNvPr id="50" name="Shape 50"/>
+        <p:cNvPr id="1" name="Shape 50"/>
         <p:cNvGrpSpPr/>
         <p:nvPr/>
       </p:nvGrpSpPr>
@@ -743,20 +849,26 @@
       <p:sp>
         <p:nvSpPr>
           <p:cNvPr id="51" name="Google Shape;51;g23d3092ccdc_2_1:notes"/>
-          <p:cNvSpPr/>
+          <p:cNvSpPr>
+            <a:spLocks noGrp="1" noRot="1" noChangeAspect="1"/>
+          </p:cNvSpPr>
           <p:nvPr>
-            <p:ph idx="2" type="sldImg"/>
+            <p:ph type="sldImg" idx="2"/>
           </p:nvPr>
         </p:nvSpPr>
         <p:spPr>
           <a:xfrm>
-            <a:off x="381300" y="685800"/>
+            <a:off x="381000" y="685800"/>
             <a:ext cx="6096000" cy="3429000"/>
           </a:xfrm>
           <a:custGeom>
-            <a:rect b="b" l="l" r="r" t="t"/>
+            <a:avLst/>
+            <a:gdLst/>
+            <a:ahLst/>
+            <a:cxnLst/>
+            <a:rect l="l" t="t" r="r" b="b"/>
             <a:pathLst>
-              <a:path extrusionOk="0" h="120000" w="120000">
+              <a:path w="120000" h="120000" extrusionOk="0">
                 <a:moveTo>
                   <a:pt x="0" y="0"/>
                 </a:moveTo>
@@ -778,9 +890,11 @@
       <p:sp>
         <p:nvSpPr>
           <p:cNvPr id="52" name="Google Shape;52;g23d3092ccdc_2_1:notes"/>
-          <p:cNvSpPr txBox="1"/>
+          <p:cNvSpPr txBox="1">
+            <a:spLocks noGrp="1"/>
+          </p:cNvSpPr>
           <p:nvPr>
-            <p:ph idx="1" type="body"/>
+            <p:ph type="body" idx="1"/>
           </p:nvPr>
         </p:nvSpPr>
         <p:spPr>
@@ -793,12 +907,12 @@
           </a:prstGeom>
         </p:spPr>
         <p:txBody>
-          <a:bodyPr anchorCtr="0" anchor="t" bIns="91425" lIns="91425" spcFirstLastPara="1" rIns="91425" wrap="square" tIns="91425">
+          <a:bodyPr spcFirstLastPara="1" wrap="square" lIns="91425" tIns="91425" rIns="91425" bIns="91425" anchor="t" anchorCtr="0">
             <a:noAutofit/>
           </a:bodyPr>
           <a:lstStyle/>
           <a:p>
-            <a:pPr indent="0" lvl="0" marL="0" rtl="0" algn="l">
+            <a:pPr marL="0" lvl="0" indent="0" algn="l" rtl="0">
               <a:spcBef>
                 <a:spcPts val="0"/>
               </a:spcBef>
@@ -807,9 +921,6 @@
               </a:spcAft>
               <a:buNone/>
             </a:pPr>
-            <a:r>
-              <a:t/>
-            </a:r>
             <a:endParaRPr/>
           </a:p>
         </p:txBody>
@@ -823,11 +934,11 @@
 </file>
 
 <file path=ppt/notesSlides/notesSlide10.xml><?xml version="1.0" encoding="utf-8"?>
-<p:notes xmlns:a="http://schemas.openxmlformats.org/drawingml/2006/main" xmlns:r="http://schemas.openxmlformats.org/officeDocument/2006/relationships" xmlns:mc="http://schemas.openxmlformats.org/markup-compatibility/2006" xmlns:mv="urn:schemas-microsoft-com:mac:vml" xmlns:p="http://schemas.openxmlformats.org/presentationml/2006/main" xmlns:c="http://schemas.openxmlformats.org/drawingml/2006/chart" xmlns:dgm="http://schemas.openxmlformats.org/drawingml/2006/diagram" xmlns:o="urn:schemas-microsoft-com:office:office" xmlns:v="urn:schemas-microsoft-com:vml" xmlns:pvml="urn:schemas-microsoft-com:office:powerpoint" xmlns:com="http://schemas.openxmlformats.org/drawingml/2006/compatibility" xmlns:p14="http://schemas.microsoft.com/office/powerpoint/2010/main" xmlns:p15="http://schemas.microsoft.com/office/powerpoint/2012/main" xmlns:ahyp="http://schemas.microsoft.com/office/drawing/2018/hyperlinkcolor" showMasterPhAnim="0" showMasterSp="0">
+<p:notes xmlns:a="http://schemas.openxmlformats.org/drawingml/2006/main" xmlns:r="http://schemas.openxmlformats.org/officeDocument/2006/relationships" xmlns:p="http://schemas.openxmlformats.org/presentationml/2006/main" showMasterSp="0" showMasterPhAnim="0">
   <p:cSld>
     <p:spTree>
       <p:nvGrpSpPr>
-        <p:cNvPr id="116" name="Shape 116"/>
+        <p:cNvPr id="1" name="Shape 100"/>
         <p:cNvGrpSpPr/>
         <p:nvPr/>
       </p:nvGrpSpPr>
@@ -841,10 +952,12 @@
       </p:grpSpPr>
       <p:sp>
         <p:nvSpPr>
-          <p:cNvPr id="117" name="Google Shape;117;g2758980dd24_0_32:notes"/>
-          <p:cNvSpPr/>
+          <p:cNvPr id="101" name="Google Shape;101;g2758980dd24_0_17:notes"/>
+          <p:cNvSpPr>
+            <a:spLocks noGrp="1" noRot="1" noChangeAspect="1"/>
+          </p:cNvSpPr>
           <p:nvPr>
-            <p:ph idx="2" type="sldImg"/>
+            <p:ph type="sldImg" idx="2"/>
           </p:nvPr>
         </p:nvSpPr>
         <p:spPr>
@@ -853,9 +966,13 @@
             <a:ext cx="6096000" cy="3429000"/>
           </a:xfrm>
           <a:custGeom>
-            <a:rect b="b" l="l" r="r" t="t"/>
+            <a:avLst/>
+            <a:gdLst/>
+            <a:ahLst/>
+            <a:cxnLst/>
+            <a:rect l="l" t="t" r="r" b="b"/>
             <a:pathLst>
-              <a:path extrusionOk="0" h="120000" w="120000">
+              <a:path w="120000" h="120000" extrusionOk="0">
                 <a:moveTo>
                   <a:pt x="0" y="0"/>
                 </a:moveTo>
@@ -876,10 +993,12 @@
       </p:sp>
       <p:sp>
         <p:nvSpPr>
-          <p:cNvPr id="118" name="Google Shape;118;g2758980dd24_0_32:notes"/>
-          <p:cNvSpPr txBox="1"/>
+          <p:cNvPr id="102" name="Google Shape;102;g2758980dd24_0_17:notes"/>
+          <p:cNvSpPr txBox="1">
+            <a:spLocks noGrp="1"/>
+          </p:cNvSpPr>
           <p:nvPr>
-            <p:ph idx="1" type="body"/>
+            <p:ph type="body" idx="1"/>
           </p:nvPr>
         </p:nvSpPr>
         <p:spPr>
@@ -892,12 +1011,12 @@
           </a:prstGeom>
         </p:spPr>
         <p:txBody>
-          <a:bodyPr anchorCtr="0" anchor="t" bIns="91425" lIns="91425" spcFirstLastPara="1" rIns="91425" wrap="square" tIns="91425">
+          <a:bodyPr spcFirstLastPara="1" wrap="square" lIns="91425" tIns="91425" rIns="91425" bIns="91425" anchor="t" anchorCtr="0">
             <a:noAutofit/>
           </a:bodyPr>
           <a:lstStyle/>
           <a:p>
-            <a:pPr indent="0" lvl="0" marL="0" rtl="0" algn="l">
+            <a:pPr marL="0" lvl="0" indent="0" algn="l" rtl="0">
               <a:spcBef>
                 <a:spcPts val="0"/>
               </a:spcBef>
@@ -906,9 +1025,6 @@
               </a:spcAft>
               <a:buNone/>
             </a:pPr>
-            <a:r>
-              <a:t/>
-            </a:r>
             <a:endParaRPr/>
           </a:p>
         </p:txBody>
@@ -922,11 +1038,11 @@
 </file>
 
 <file path=ppt/notesSlides/notesSlide11.xml><?xml version="1.0" encoding="utf-8"?>
-<p:notes xmlns:a="http://schemas.openxmlformats.org/drawingml/2006/main" xmlns:r="http://schemas.openxmlformats.org/officeDocument/2006/relationships" xmlns:mc="http://schemas.openxmlformats.org/markup-compatibility/2006" xmlns:mv="urn:schemas-microsoft-com:mac:vml" xmlns:p="http://schemas.openxmlformats.org/presentationml/2006/main" xmlns:c="http://schemas.openxmlformats.org/drawingml/2006/chart" xmlns:dgm="http://schemas.openxmlformats.org/drawingml/2006/diagram" xmlns:o="urn:schemas-microsoft-com:office:office" xmlns:v="urn:schemas-microsoft-com:vml" xmlns:pvml="urn:schemas-microsoft-com:office:powerpoint" xmlns:com="http://schemas.openxmlformats.org/drawingml/2006/compatibility" xmlns:p14="http://schemas.microsoft.com/office/powerpoint/2010/main" xmlns:p15="http://schemas.microsoft.com/office/powerpoint/2012/main" xmlns:ahyp="http://schemas.microsoft.com/office/drawing/2018/hyperlinkcolor" showMasterPhAnim="0" showMasterSp="0">
+<p:notes xmlns:a="http://schemas.openxmlformats.org/drawingml/2006/main" xmlns:r="http://schemas.openxmlformats.org/officeDocument/2006/relationships" xmlns:p="http://schemas.openxmlformats.org/presentationml/2006/main" showMasterSp="0" showMasterPhAnim="0">
   <p:cSld>
     <p:spTree>
       <p:nvGrpSpPr>
-        <p:cNvPr id="124" name="Shape 124"/>
+        <p:cNvPr id="1" name="Shape 108"/>
         <p:cNvGrpSpPr/>
         <p:nvPr/>
       </p:nvGrpSpPr>
@@ -940,10 +1056,12 @@
       </p:grpSpPr>
       <p:sp>
         <p:nvSpPr>
-          <p:cNvPr id="125" name="Google Shape;125;g2758980dd24_0_41:notes"/>
-          <p:cNvSpPr/>
+          <p:cNvPr id="109" name="Google Shape;109;g2758980dd24_0_24:notes"/>
+          <p:cNvSpPr>
+            <a:spLocks noGrp="1" noRot="1" noChangeAspect="1"/>
+          </p:cNvSpPr>
           <p:nvPr>
-            <p:ph idx="2" type="sldImg"/>
+            <p:ph type="sldImg" idx="2"/>
           </p:nvPr>
         </p:nvSpPr>
         <p:spPr>
@@ -952,9 +1070,13 @@
             <a:ext cx="6096000" cy="3429000"/>
           </a:xfrm>
           <a:custGeom>
-            <a:rect b="b" l="l" r="r" t="t"/>
+            <a:avLst/>
+            <a:gdLst/>
+            <a:ahLst/>
+            <a:cxnLst/>
+            <a:rect l="l" t="t" r="r" b="b"/>
             <a:pathLst>
-              <a:path extrusionOk="0" h="120000" w="120000">
+              <a:path w="120000" h="120000" extrusionOk="0">
                 <a:moveTo>
                   <a:pt x="0" y="0"/>
                 </a:moveTo>
@@ -975,10 +1097,12 @@
       </p:sp>
       <p:sp>
         <p:nvSpPr>
-          <p:cNvPr id="126" name="Google Shape;126;g2758980dd24_0_41:notes"/>
-          <p:cNvSpPr txBox="1"/>
+          <p:cNvPr id="110" name="Google Shape;110;g2758980dd24_0_24:notes"/>
+          <p:cNvSpPr txBox="1">
+            <a:spLocks noGrp="1"/>
+          </p:cNvSpPr>
           <p:nvPr>
-            <p:ph idx="1" type="body"/>
+            <p:ph type="body" idx="1"/>
           </p:nvPr>
         </p:nvSpPr>
         <p:spPr>
@@ -991,12 +1115,12 @@
           </a:prstGeom>
         </p:spPr>
         <p:txBody>
-          <a:bodyPr anchorCtr="0" anchor="t" bIns="91425" lIns="91425" spcFirstLastPara="1" rIns="91425" wrap="square" tIns="91425">
+          <a:bodyPr spcFirstLastPara="1" wrap="square" lIns="91425" tIns="91425" rIns="91425" bIns="91425" anchor="t" anchorCtr="0">
             <a:noAutofit/>
           </a:bodyPr>
           <a:lstStyle/>
           <a:p>
-            <a:pPr indent="0" lvl="0" marL="0" rtl="0" algn="l">
+            <a:pPr marL="0" lvl="0" indent="0" algn="l" rtl="0">
               <a:spcBef>
                 <a:spcPts val="0"/>
               </a:spcBef>
@@ -1005,9 +1129,6 @@
               </a:spcAft>
               <a:buNone/>
             </a:pPr>
-            <a:r>
-              <a:t/>
-            </a:r>
             <a:endParaRPr/>
           </a:p>
         </p:txBody>
@@ -1021,11 +1142,11 @@
 </file>
 
 <file path=ppt/notesSlides/notesSlide12.xml><?xml version="1.0" encoding="utf-8"?>
-<p:notes xmlns:a="http://schemas.openxmlformats.org/drawingml/2006/main" xmlns:r="http://schemas.openxmlformats.org/officeDocument/2006/relationships" xmlns:mc="http://schemas.openxmlformats.org/markup-compatibility/2006" xmlns:mv="urn:schemas-microsoft-com:mac:vml" xmlns:p="http://schemas.openxmlformats.org/presentationml/2006/main" xmlns:c="http://schemas.openxmlformats.org/drawingml/2006/chart" xmlns:dgm="http://schemas.openxmlformats.org/drawingml/2006/diagram" xmlns:o="urn:schemas-microsoft-com:office:office" xmlns:v="urn:schemas-microsoft-com:vml" xmlns:pvml="urn:schemas-microsoft-com:office:powerpoint" xmlns:com="http://schemas.openxmlformats.org/drawingml/2006/compatibility" xmlns:p14="http://schemas.microsoft.com/office/powerpoint/2010/main" xmlns:p15="http://schemas.microsoft.com/office/powerpoint/2012/main" xmlns:ahyp="http://schemas.microsoft.com/office/drawing/2018/hyperlinkcolor" showMasterPhAnim="0" showMasterSp="0">
+<p:notes xmlns:a="http://schemas.openxmlformats.org/drawingml/2006/main" xmlns:r="http://schemas.openxmlformats.org/officeDocument/2006/relationships" xmlns:p="http://schemas.openxmlformats.org/presentationml/2006/main" showMasterSp="0" showMasterPhAnim="0">
   <p:cSld>
     <p:spTree>
       <p:nvGrpSpPr>
-        <p:cNvPr id="132" name="Shape 132"/>
+        <p:cNvPr id="1" name="Shape 116"/>
         <p:cNvGrpSpPr/>
         <p:nvPr/>
       </p:nvGrpSpPr>
@@ -1039,10 +1160,12 @@
       </p:grpSpPr>
       <p:sp>
         <p:nvSpPr>
-          <p:cNvPr id="133" name="Google Shape;133;g23d3092ccdc_2_32:notes"/>
-          <p:cNvSpPr/>
+          <p:cNvPr id="117" name="Google Shape;117;g2758980dd24_0_32:notes"/>
+          <p:cNvSpPr>
+            <a:spLocks noGrp="1" noRot="1" noChangeAspect="1"/>
+          </p:cNvSpPr>
           <p:nvPr>
-            <p:ph idx="2" type="sldImg"/>
+            <p:ph type="sldImg" idx="2"/>
           </p:nvPr>
         </p:nvSpPr>
         <p:spPr>
@@ -1051,9 +1174,13 @@
             <a:ext cx="6096000" cy="3429000"/>
           </a:xfrm>
           <a:custGeom>
-            <a:rect b="b" l="l" r="r" t="t"/>
+            <a:avLst/>
+            <a:gdLst/>
+            <a:ahLst/>
+            <a:cxnLst/>
+            <a:rect l="l" t="t" r="r" b="b"/>
             <a:pathLst>
-              <a:path extrusionOk="0" h="120000" w="120000">
+              <a:path w="120000" h="120000" extrusionOk="0">
                 <a:moveTo>
                   <a:pt x="0" y="0"/>
                 </a:moveTo>
@@ -1074,10 +1201,12 @@
       </p:sp>
       <p:sp>
         <p:nvSpPr>
-          <p:cNvPr id="134" name="Google Shape;134;g23d3092ccdc_2_32:notes"/>
-          <p:cNvSpPr txBox="1"/>
+          <p:cNvPr id="118" name="Google Shape;118;g2758980dd24_0_32:notes"/>
+          <p:cNvSpPr txBox="1">
+            <a:spLocks noGrp="1"/>
+          </p:cNvSpPr>
           <p:nvPr>
-            <p:ph idx="1" type="body"/>
+            <p:ph type="body" idx="1"/>
           </p:nvPr>
         </p:nvSpPr>
         <p:spPr>
@@ -1090,12 +1219,12 @@
           </a:prstGeom>
         </p:spPr>
         <p:txBody>
-          <a:bodyPr anchorCtr="0" anchor="t" bIns="91425" lIns="91425" spcFirstLastPara="1" rIns="91425" wrap="square" tIns="91425">
+          <a:bodyPr spcFirstLastPara="1" wrap="square" lIns="91425" tIns="91425" rIns="91425" bIns="91425" anchor="t" anchorCtr="0">
             <a:noAutofit/>
           </a:bodyPr>
           <a:lstStyle/>
           <a:p>
-            <a:pPr indent="0" lvl="0" marL="0" rtl="0" algn="l">
+            <a:pPr marL="0" lvl="0" indent="0" algn="l" rtl="0">
               <a:spcBef>
                 <a:spcPts val="0"/>
               </a:spcBef>
@@ -1104,9 +1233,6 @@
               </a:spcAft>
               <a:buNone/>
             </a:pPr>
-            <a:r>
-              <a:t/>
-            </a:r>
             <a:endParaRPr/>
           </a:p>
         </p:txBody>
@@ -1120,11 +1246,11 @@
 </file>
 
 <file path=ppt/notesSlides/notesSlide13.xml><?xml version="1.0" encoding="utf-8"?>
-<p:notes xmlns:a="http://schemas.openxmlformats.org/drawingml/2006/main" xmlns:r="http://schemas.openxmlformats.org/officeDocument/2006/relationships" xmlns:mc="http://schemas.openxmlformats.org/markup-compatibility/2006" xmlns:mv="urn:schemas-microsoft-com:mac:vml" xmlns:p="http://schemas.openxmlformats.org/presentationml/2006/main" xmlns:c="http://schemas.openxmlformats.org/drawingml/2006/chart" xmlns:dgm="http://schemas.openxmlformats.org/drawingml/2006/diagram" xmlns:o="urn:schemas-microsoft-com:office:office" xmlns:v="urn:schemas-microsoft-com:vml" xmlns:pvml="urn:schemas-microsoft-com:office:powerpoint" xmlns:com="http://schemas.openxmlformats.org/drawingml/2006/compatibility" xmlns:p14="http://schemas.microsoft.com/office/powerpoint/2010/main" xmlns:p15="http://schemas.microsoft.com/office/powerpoint/2012/main" xmlns:ahyp="http://schemas.microsoft.com/office/drawing/2018/hyperlinkcolor" showMasterPhAnim="0" showMasterSp="0">
+<p:notes xmlns:a="http://schemas.openxmlformats.org/drawingml/2006/main" xmlns:r="http://schemas.openxmlformats.org/officeDocument/2006/relationships" xmlns:p="http://schemas.openxmlformats.org/presentationml/2006/main" showMasterSp="0" showMasterPhAnim="0">
   <p:cSld>
     <p:spTree>
       <p:nvGrpSpPr>
-        <p:cNvPr id="140" name="Shape 140"/>
+        <p:cNvPr id="1" name="Shape 124"/>
         <p:cNvGrpSpPr/>
         <p:nvPr/>
       </p:nvGrpSpPr>
@@ -1138,10 +1264,12 @@
       </p:grpSpPr>
       <p:sp>
         <p:nvSpPr>
-          <p:cNvPr id="141" name="Google Shape;141;g23d3092ccdc_2_41:notes"/>
-          <p:cNvSpPr/>
+          <p:cNvPr id="125" name="Google Shape;125;g2758980dd24_0_41:notes"/>
+          <p:cNvSpPr>
+            <a:spLocks noGrp="1" noRot="1" noChangeAspect="1"/>
+          </p:cNvSpPr>
           <p:nvPr>
-            <p:ph idx="2" type="sldImg"/>
+            <p:ph type="sldImg" idx="2"/>
           </p:nvPr>
         </p:nvSpPr>
         <p:spPr>
@@ -1150,9 +1278,13 @@
             <a:ext cx="6096000" cy="3429000"/>
           </a:xfrm>
           <a:custGeom>
-            <a:rect b="b" l="l" r="r" t="t"/>
+            <a:avLst/>
+            <a:gdLst/>
+            <a:ahLst/>
+            <a:cxnLst/>
+            <a:rect l="l" t="t" r="r" b="b"/>
             <a:pathLst>
-              <a:path extrusionOk="0" h="120000" w="120000">
+              <a:path w="120000" h="120000" extrusionOk="0">
                 <a:moveTo>
                   <a:pt x="0" y="0"/>
                 </a:moveTo>
@@ -1173,10 +1305,12 @@
       </p:sp>
       <p:sp>
         <p:nvSpPr>
-          <p:cNvPr id="142" name="Google Shape;142;g23d3092ccdc_2_41:notes"/>
-          <p:cNvSpPr txBox="1"/>
+          <p:cNvPr id="126" name="Google Shape;126;g2758980dd24_0_41:notes"/>
+          <p:cNvSpPr txBox="1">
+            <a:spLocks noGrp="1"/>
+          </p:cNvSpPr>
           <p:nvPr>
-            <p:ph idx="1" type="body"/>
+            <p:ph type="body" idx="1"/>
           </p:nvPr>
         </p:nvSpPr>
         <p:spPr>
@@ -1189,12 +1323,12 @@
           </a:prstGeom>
         </p:spPr>
         <p:txBody>
-          <a:bodyPr anchorCtr="0" anchor="t" bIns="91425" lIns="91425" spcFirstLastPara="1" rIns="91425" wrap="square" tIns="91425">
+          <a:bodyPr spcFirstLastPara="1" wrap="square" lIns="91425" tIns="91425" rIns="91425" bIns="91425" anchor="t" anchorCtr="0">
             <a:noAutofit/>
           </a:bodyPr>
           <a:lstStyle/>
           <a:p>
-            <a:pPr indent="0" lvl="0" marL="0" rtl="0" algn="l">
+            <a:pPr marL="0" lvl="0" indent="0" algn="l" rtl="0">
               <a:spcBef>
                 <a:spcPts val="0"/>
               </a:spcBef>
@@ -1203,9 +1337,6 @@
               </a:spcAft>
               <a:buNone/>
             </a:pPr>
-            <a:r>
-              <a:t/>
-            </a:r>
             <a:endParaRPr/>
           </a:p>
         </p:txBody>
@@ -1219,11 +1350,11 @@
 </file>
 
 <file path=ppt/notesSlides/notesSlide14.xml><?xml version="1.0" encoding="utf-8"?>
-<p:notes xmlns:a="http://schemas.openxmlformats.org/drawingml/2006/main" xmlns:r="http://schemas.openxmlformats.org/officeDocument/2006/relationships" xmlns:mc="http://schemas.openxmlformats.org/markup-compatibility/2006" xmlns:mv="urn:schemas-microsoft-com:mac:vml" xmlns:p="http://schemas.openxmlformats.org/presentationml/2006/main" xmlns:c="http://schemas.openxmlformats.org/drawingml/2006/chart" xmlns:dgm="http://schemas.openxmlformats.org/drawingml/2006/diagram" xmlns:o="urn:schemas-microsoft-com:office:office" xmlns:v="urn:schemas-microsoft-com:vml" xmlns:pvml="urn:schemas-microsoft-com:office:powerpoint" xmlns:com="http://schemas.openxmlformats.org/drawingml/2006/compatibility" xmlns:p14="http://schemas.microsoft.com/office/powerpoint/2010/main" xmlns:p15="http://schemas.microsoft.com/office/powerpoint/2012/main" xmlns:ahyp="http://schemas.microsoft.com/office/drawing/2018/hyperlinkcolor" showMasterPhAnim="0" showMasterSp="0">
+<p:notes xmlns:a="http://schemas.openxmlformats.org/drawingml/2006/main" xmlns:r="http://schemas.openxmlformats.org/officeDocument/2006/relationships" xmlns:p="http://schemas.openxmlformats.org/presentationml/2006/main" showMasterSp="0" showMasterPhAnim="0">
   <p:cSld>
     <p:spTree>
       <p:nvGrpSpPr>
-        <p:cNvPr id="148" name="Shape 148"/>
+        <p:cNvPr id="1" name="Shape 132"/>
         <p:cNvGrpSpPr/>
         <p:nvPr/>
       </p:nvGrpSpPr>
@@ -1237,10 +1368,12 @@
       </p:grpSpPr>
       <p:sp>
         <p:nvSpPr>
-          <p:cNvPr id="149" name="Google Shape;149;g23d3092ccdc_2_50:notes"/>
-          <p:cNvSpPr/>
+          <p:cNvPr id="133" name="Google Shape;133;g23d3092ccdc_2_32:notes"/>
+          <p:cNvSpPr>
+            <a:spLocks noGrp="1" noRot="1" noChangeAspect="1"/>
+          </p:cNvSpPr>
           <p:nvPr>
-            <p:ph idx="2" type="sldImg"/>
+            <p:ph type="sldImg" idx="2"/>
           </p:nvPr>
         </p:nvSpPr>
         <p:spPr>
@@ -1249,9 +1382,13 @@
             <a:ext cx="6096000" cy="3429000"/>
           </a:xfrm>
           <a:custGeom>
-            <a:rect b="b" l="l" r="r" t="t"/>
+            <a:avLst/>
+            <a:gdLst/>
+            <a:ahLst/>
+            <a:cxnLst/>
+            <a:rect l="l" t="t" r="r" b="b"/>
             <a:pathLst>
-              <a:path extrusionOk="0" h="120000" w="120000">
+              <a:path w="120000" h="120000" extrusionOk="0">
                 <a:moveTo>
                   <a:pt x="0" y="0"/>
                 </a:moveTo>
@@ -1272,10 +1409,12 @@
       </p:sp>
       <p:sp>
         <p:nvSpPr>
-          <p:cNvPr id="150" name="Google Shape;150;g23d3092ccdc_2_50:notes"/>
-          <p:cNvSpPr txBox="1"/>
+          <p:cNvPr id="134" name="Google Shape;134;g23d3092ccdc_2_32:notes"/>
+          <p:cNvSpPr txBox="1">
+            <a:spLocks noGrp="1"/>
+          </p:cNvSpPr>
           <p:nvPr>
-            <p:ph idx="1" type="body"/>
+            <p:ph type="body" idx="1"/>
           </p:nvPr>
         </p:nvSpPr>
         <p:spPr>
@@ -1288,12 +1427,12 @@
           </a:prstGeom>
         </p:spPr>
         <p:txBody>
-          <a:bodyPr anchorCtr="0" anchor="t" bIns="91425" lIns="91425" spcFirstLastPara="1" rIns="91425" wrap="square" tIns="91425">
+          <a:bodyPr spcFirstLastPara="1" wrap="square" lIns="91425" tIns="91425" rIns="91425" bIns="91425" anchor="t" anchorCtr="0">
             <a:noAutofit/>
           </a:bodyPr>
           <a:lstStyle/>
           <a:p>
-            <a:pPr indent="0" lvl="0" marL="0" rtl="0" algn="l">
+            <a:pPr marL="0" lvl="0" indent="0" algn="l" rtl="0">
               <a:spcBef>
                 <a:spcPts val="0"/>
               </a:spcBef>
@@ -1302,9 +1441,6 @@
               </a:spcAft>
               <a:buNone/>
             </a:pPr>
-            <a:r>
-              <a:t/>
-            </a:r>
             <a:endParaRPr/>
           </a:p>
         </p:txBody>
@@ -1318,11 +1454,11 @@
 </file>
 
 <file path=ppt/notesSlides/notesSlide15.xml><?xml version="1.0" encoding="utf-8"?>
-<p:notes xmlns:a="http://schemas.openxmlformats.org/drawingml/2006/main" xmlns:r="http://schemas.openxmlformats.org/officeDocument/2006/relationships" xmlns:mc="http://schemas.openxmlformats.org/markup-compatibility/2006" xmlns:mv="urn:schemas-microsoft-com:mac:vml" xmlns:p="http://schemas.openxmlformats.org/presentationml/2006/main" xmlns:c="http://schemas.openxmlformats.org/drawingml/2006/chart" xmlns:dgm="http://schemas.openxmlformats.org/drawingml/2006/diagram" xmlns:o="urn:schemas-microsoft-com:office:office" xmlns:v="urn:schemas-microsoft-com:vml" xmlns:pvml="urn:schemas-microsoft-com:office:powerpoint" xmlns:com="http://schemas.openxmlformats.org/drawingml/2006/compatibility" xmlns:p14="http://schemas.microsoft.com/office/powerpoint/2010/main" xmlns:p15="http://schemas.microsoft.com/office/powerpoint/2012/main" xmlns:ahyp="http://schemas.microsoft.com/office/drawing/2018/hyperlinkcolor" showMasterPhAnim="0" showMasterSp="0">
+<p:notes xmlns:a="http://schemas.openxmlformats.org/drawingml/2006/main" xmlns:r="http://schemas.openxmlformats.org/officeDocument/2006/relationships" xmlns:p="http://schemas.openxmlformats.org/presentationml/2006/main" showMasterSp="0" showMasterPhAnim="0">
   <p:cSld>
     <p:spTree>
       <p:nvGrpSpPr>
-        <p:cNvPr id="156" name="Shape 156"/>
+        <p:cNvPr id="1" name="Shape 140"/>
         <p:cNvGrpSpPr/>
         <p:nvPr/>
       </p:nvGrpSpPr>
@@ -1336,10 +1472,12 @@
       </p:grpSpPr>
       <p:sp>
         <p:nvSpPr>
-          <p:cNvPr id="157" name="Google Shape;157;g23d30846d3c_0_32:notes"/>
-          <p:cNvSpPr/>
+          <p:cNvPr id="141" name="Google Shape;141;g23d3092ccdc_2_41:notes"/>
+          <p:cNvSpPr>
+            <a:spLocks noGrp="1" noRot="1" noChangeAspect="1"/>
+          </p:cNvSpPr>
           <p:nvPr>
-            <p:ph idx="2" type="sldImg"/>
+            <p:ph type="sldImg" idx="2"/>
           </p:nvPr>
         </p:nvSpPr>
         <p:spPr>
@@ -1348,9 +1486,13 @@
             <a:ext cx="6096000" cy="3429000"/>
           </a:xfrm>
           <a:custGeom>
-            <a:rect b="b" l="l" r="r" t="t"/>
+            <a:avLst/>
+            <a:gdLst/>
+            <a:ahLst/>
+            <a:cxnLst/>
+            <a:rect l="l" t="t" r="r" b="b"/>
             <a:pathLst>
-              <a:path extrusionOk="0" h="120000" w="120000">
+              <a:path w="120000" h="120000" extrusionOk="0">
                 <a:moveTo>
                   <a:pt x="0" y="0"/>
                 </a:moveTo>
@@ -1371,10 +1513,12 @@
       </p:sp>
       <p:sp>
         <p:nvSpPr>
-          <p:cNvPr id="158" name="Google Shape;158;g23d30846d3c_0_32:notes"/>
-          <p:cNvSpPr txBox="1"/>
+          <p:cNvPr id="142" name="Google Shape;142;g23d3092ccdc_2_41:notes"/>
+          <p:cNvSpPr txBox="1">
+            <a:spLocks noGrp="1"/>
+          </p:cNvSpPr>
           <p:nvPr>
-            <p:ph idx="1" type="body"/>
+            <p:ph type="body" idx="1"/>
           </p:nvPr>
         </p:nvSpPr>
         <p:spPr>
@@ -1387,12 +1531,12 @@
           </a:prstGeom>
         </p:spPr>
         <p:txBody>
-          <a:bodyPr anchorCtr="0" anchor="t" bIns="91425" lIns="91425" spcFirstLastPara="1" rIns="91425" wrap="square" tIns="91425">
+          <a:bodyPr spcFirstLastPara="1" wrap="square" lIns="91425" tIns="91425" rIns="91425" bIns="91425" anchor="t" anchorCtr="0">
             <a:noAutofit/>
           </a:bodyPr>
           <a:lstStyle/>
           <a:p>
-            <a:pPr indent="0" lvl="0" marL="0" rtl="0" algn="l">
+            <a:pPr marL="0" lvl="0" indent="0" algn="l" rtl="0">
               <a:spcBef>
                 <a:spcPts val="0"/>
               </a:spcBef>
@@ -1401,9 +1545,6 @@
               </a:spcAft>
               <a:buNone/>
             </a:pPr>
-            <a:r>
-              <a:t/>
-            </a:r>
             <a:endParaRPr/>
           </a:p>
         </p:txBody>
@@ -1416,12 +1557,12 @@
 </p:notes>
 </file>
 
-<file path=ppt/notesSlides/notesSlide2.xml><?xml version="1.0" encoding="utf-8"?>
-<p:notes xmlns:a="http://schemas.openxmlformats.org/drawingml/2006/main" xmlns:r="http://schemas.openxmlformats.org/officeDocument/2006/relationships" xmlns:mc="http://schemas.openxmlformats.org/markup-compatibility/2006" xmlns:mv="urn:schemas-microsoft-com:mac:vml" xmlns:p="http://schemas.openxmlformats.org/presentationml/2006/main" xmlns:c="http://schemas.openxmlformats.org/drawingml/2006/chart" xmlns:dgm="http://schemas.openxmlformats.org/drawingml/2006/diagram" xmlns:o="urn:schemas-microsoft-com:office:office" xmlns:v="urn:schemas-microsoft-com:vml" xmlns:pvml="urn:schemas-microsoft-com:office:powerpoint" xmlns:com="http://schemas.openxmlformats.org/drawingml/2006/compatibility" xmlns:p14="http://schemas.microsoft.com/office/powerpoint/2010/main" xmlns:p15="http://schemas.microsoft.com/office/powerpoint/2012/main" xmlns:ahyp="http://schemas.microsoft.com/office/drawing/2018/hyperlinkcolor" showMasterPhAnim="0" showMasterSp="0">
+<file path=ppt/notesSlides/notesSlide16.xml><?xml version="1.0" encoding="utf-8"?>
+<p:notes xmlns:a="http://schemas.openxmlformats.org/drawingml/2006/main" xmlns:r="http://schemas.openxmlformats.org/officeDocument/2006/relationships" xmlns:p="http://schemas.openxmlformats.org/presentationml/2006/main" showMasterSp="0" showMasterPhAnim="0">
   <p:cSld>
     <p:spTree>
       <p:nvGrpSpPr>
-        <p:cNvPr id="57" name="Shape 57"/>
+        <p:cNvPr id="1" name="Shape 148"/>
         <p:cNvGrpSpPr/>
         <p:nvPr/>
       </p:nvGrpSpPr>
@@ -1435,10 +1576,12 @@
       </p:grpSpPr>
       <p:sp>
         <p:nvSpPr>
-          <p:cNvPr id="58" name="Google Shape;58;g23d30846d3c_0_2:notes"/>
-          <p:cNvSpPr/>
+          <p:cNvPr id="149" name="Google Shape;149;g23d3092ccdc_2_50:notes"/>
+          <p:cNvSpPr>
+            <a:spLocks noGrp="1" noRot="1" noChangeAspect="1"/>
+          </p:cNvSpPr>
           <p:nvPr>
-            <p:ph idx="2" type="sldImg"/>
+            <p:ph type="sldImg" idx="2"/>
           </p:nvPr>
         </p:nvSpPr>
         <p:spPr>
@@ -1447,9 +1590,13 @@
             <a:ext cx="6096000" cy="3429000"/>
           </a:xfrm>
           <a:custGeom>
-            <a:rect b="b" l="l" r="r" t="t"/>
+            <a:avLst/>
+            <a:gdLst/>
+            <a:ahLst/>
+            <a:cxnLst/>
+            <a:rect l="l" t="t" r="r" b="b"/>
             <a:pathLst>
-              <a:path extrusionOk="0" h="120000" w="120000">
+              <a:path w="120000" h="120000" extrusionOk="0">
                 <a:moveTo>
                   <a:pt x="0" y="0"/>
                 </a:moveTo>
@@ -1470,10 +1617,12 @@
       </p:sp>
       <p:sp>
         <p:nvSpPr>
-          <p:cNvPr id="59" name="Google Shape;59;g23d30846d3c_0_2:notes"/>
-          <p:cNvSpPr txBox="1"/>
+          <p:cNvPr id="150" name="Google Shape;150;g23d3092ccdc_2_50:notes"/>
+          <p:cNvSpPr txBox="1">
+            <a:spLocks noGrp="1"/>
+          </p:cNvSpPr>
           <p:nvPr>
-            <p:ph idx="1" type="body"/>
+            <p:ph type="body" idx="1"/>
           </p:nvPr>
         </p:nvSpPr>
         <p:spPr>
@@ -1486,12 +1635,12 @@
           </a:prstGeom>
         </p:spPr>
         <p:txBody>
-          <a:bodyPr anchorCtr="0" anchor="t" bIns="91425" lIns="91425" spcFirstLastPara="1" rIns="91425" wrap="square" tIns="91425">
+          <a:bodyPr spcFirstLastPara="1" wrap="square" lIns="91425" tIns="91425" rIns="91425" bIns="91425" anchor="t" anchorCtr="0">
             <a:noAutofit/>
           </a:bodyPr>
           <a:lstStyle/>
           <a:p>
-            <a:pPr indent="0" lvl="0" marL="0" rtl="0" algn="l">
+            <a:pPr marL="0" lvl="0" indent="0" algn="l" rtl="0">
               <a:spcBef>
                 <a:spcPts val="0"/>
               </a:spcBef>
@@ -1500,9 +1649,6 @@
               </a:spcAft>
               <a:buNone/>
             </a:pPr>
-            <a:r>
-              <a:t/>
-            </a:r>
             <a:endParaRPr/>
           </a:p>
         </p:txBody>
@@ -1515,12 +1661,12 @@
 </p:notes>
 </file>
 
-<file path=ppt/notesSlides/notesSlide3.xml><?xml version="1.0" encoding="utf-8"?>
-<p:notes xmlns:a="http://schemas.openxmlformats.org/drawingml/2006/main" xmlns:r="http://schemas.openxmlformats.org/officeDocument/2006/relationships" xmlns:mc="http://schemas.openxmlformats.org/markup-compatibility/2006" xmlns:mv="urn:schemas-microsoft-com:mac:vml" xmlns:p="http://schemas.openxmlformats.org/presentationml/2006/main" xmlns:c="http://schemas.openxmlformats.org/drawingml/2006/chart" xmlns:dgm="http://schemas.openxmlformats.org/drawingml/2006/diagram" xmlns:o="urn:schemas-microsoft-com:office:office" xmlns:v="urn:schemas-microsoft-com:vml" xmlns:pvml="urn:schemas-microsoft-com:office:powerpoint" xmlns:com="http://schemas.openxmlformats.org/drawingml/2006/compatibility" xmlns:p14="http://schemas.microsoft.com/office/powerpoint/2010/main" xmlns:p15="http://schemas.microsoft.com/office/powerpoint/2012/main" xmlns:ahyp="http://schemas.microsoft.com/office/drawing/2018/hyperlinkcolor" showMasterPhAnim="0" showMasterSp="0">
+<file path=ppt/notesSlides/notesSlide17.xml><?xml version="1.0" encoding="utf-8"?>
+<p:notes xmlns:a="http://schemas.openxmlformats.org/drawingml/2006/main" xmlns:r="http://schemas.openxmlformats.org/officeDocument/2006/relationships" xmlns:p="http://schemas.openxmlformats.org/presentationml/2006/main" showMasterSp="0" showMasterPhAnim="0">
   <p:cSld>
     <p:spTree>
       <p:nvGrpSpPr>
-        <p:cNvPr id="64" name="Shape 64"/>
+        <p:cNvPr id="1" name="Shape 156"/>
         <p:cNvGrpSpPr/>
         <p:nvPr/>
       </p:nvGrpSpPr>
@@ -1534,10 +1680,12 @@
       </p:grpSpPr>
       <p:sp>
         <p:nvSpPr>
-          <p:cNvPr id="65" name="Google Shape;65;g23d3092ccdc_2_9:notes"/>
-          <p:cNvSpPr/>
+          <p:cNvPr id="157" name="Google Shape;157;g23d30846d3c_0_32:notes"/>
+          <p:cNvSpPr>
+            <a:spLocks noGrp="1" noRot="1" noChangeAspect="1"/>
+          </p:cNvSpPr>
           <p:nvPr>
-            <p:ph idx="2" type="sldImg"/>
+            <p:ph type="sldImg" idx="2"/>
           </p:nvPr>
         </p:nvSpPr>
         <p:spPr>
@@ -1546,9 +1694,13 @@
             <a:ext cx="6096000" cy="3429000"/>
           </a:xfrm>
           <a:custGeom>
-            <a:rect b="b" l="l" r="r" t="t"/>
+            <a:avLst/>
+            <a:gdLst/>
+            <a:ahLst/>
+            <a:cxnLst/>
+            <a:rect l="l" t="t" r="r" b="b"/>
             <a:pathLst>
-              <a:path extrusionOk="0" h="120000" w="120000">
+              <a:path w="120000" h="120000" extrusionOk="0">
                 <a:moveTo>
                   <a:pt x="0" y="0"/>
                 </a:moveTo>
@@ -1569,10 +1721,12 @@
       </p:sp>
       <p:sp>
         <p:nvSpPr>
-          <p:cNvPr id="66" name="Google Shape;66;g23d3092ccdc_2_9:notes"/>
-          <p:cNvSpPr txBox="1"/>
+          <p:cNvPr id="158" name="Google Shape;158;g23d30846d3c_0_32:notes"/>
+          <p:cNvSpPr txBox="1">
+            <a:spLocks noGrp="1"/>
+          </p:cNvSpPr>
           <p:nvPr>
-            <p:ph idx="1" type="body"/>
+            <p:ph type="body" idx="1"/>
           </p:nvPr>
         </p:nvSpPr>
         <p:spPr>
@@ -1585,12 +1739,12 @@
           </a:prstGeom>
         </p:spPr>
         <p:txBody>
-          <a:bodyPr anchorCtr="0" anchor="t" bIns="91425" lIns="91425" spcFirstLastPara="1" rIns="91425" wrap="square" tIns="91425">
+          <a:bodyPr spcFirstLastPara="1" wrap="square" lIns="91425" tIns="91425" rIns="91425" bIns="91425" anchor="t" anchorCtr="0">
             <a:noAutofit/>
           </a:bodyPr>
           <a:lstStyle/>
           <a:p>
-            <a:pPr indent="0" lvl="0" marL="0" rtl="0" algn="l">
+            <a:pPr marL="0" lvl="0" indent="0" algn="l" rtl="0">
               <a:spcBef>
                 <a:spcPts val="0"/>
               </a:spcBef>
@@ -1599,9 +1753,6 @@
               </a:spcAft>
               <a:buNone/>
             </a:pPr>
-            <a:r>
-              <a:t/>
-            </a:r>
             <a:endParaRPr/>
           </a:p>
         </p:txBody>
@@ -1614,12 +1765,12 @@
 </p:notes>
 </file>
 
-<file path=ppt/notesSlides/notesSlide4.xml><?xml version="1.0" encoding="utf-8"?>
-<p:notes xmlns:a="http://schemas.openxmlformats.org/drawingml/2006/main" xmlns:r="http://schemas.openxmlformats.org/officeDocument/2006/relationships" xmlns:mc="http://schemas.openxmlformats.org/markup-compatibility/2006" xmlns:mv="urn:schemas-microsoft-com:mac:vml" xmlns:p="http://schemas.openxmlformats.org/presentationml/2006/main" xmlns:c="http://schemas.openxmlformats.org/drawingml/2006/chart" xmlns:dgm="http://schemas.openxmlformats.org/drawingml/2006/diagram" xmlns:o="urn:schemas-microsoft-com:office:office" xmlns:v="urn:schemas-microsoft-com:vml" xmlns:pvml="urn:schemas-microsoft-com:office:powerpoint" xmlns:com="http://schemas.openxmlformats.org/drawingml/2006/compatibility" xmlns:p14="http://schemas.microsoft.com/office/powerpoint/2010/main" xmlns:p15="http://schemas.microsoft.com/office/powerpoint/2012/main" xmlns:ahyp="http://schemas.microsoft.com/office/drawing/2018/hyperlinkcolor" showMasterPhAnim="0" showMasterSp="0">
+<file path=ppt/notesSlides/notesSlide2.xml><?xml version="1.0" encoding="utf-8"?>
+<p:notes xmlns:a="http://schemas.openxmlformats.org/drawingml/2006/main" xmlns:r="http://schemas.openxmlformats.org/officeDocument/2006/relationships" xmlns:p="http://schemas.openxmlformats.org/presentationml/2006/main" showMasterSp="0" showMasterPhAnim="0">
   <p:cSld>
     <p:spTree>
       <p:nvGrpSpPr>
-        <p:cNvPr id="71" name="Shape 71"/>
+        <p:cNvPr id="1" name="Shape 57"/>
         <p:cNvGrpSpPr/>
         <p:nvPr/>
       </p:nvGrpSpPr>
@@ -1633,21 +1784,27 @@
       </p:grpSpPr>
       <p:sp>
         <p:nvSpPr>
-          <p:cNvPr id="72" name="Google Shape;72;g2758980dd24_0_2:notes"/>
-          <p:cNvSpPr/>
+          <p:cNvPr id="58" name="Google Shape;58;g23d30846d3c_0_2:notes"/>
+          <p:cNvSpPr>
+            <a:spLocks noGrp="1" noRot="1" noChangeAspect="1"/>
+          </p:cNvSpPr>
           <p:nvPr>
-            <p:ph idx="2" type="sldImg"/>
+            <p:ph type="sldImg" idx="2"/>
           </p:nvPr>
         </p:nvSpPr>
         <p:spPr>
           <a:xfrm>
-            <a:off x="381300" y="685800"/>
+            <a:off x="381000" y="685800"/>
             <a:ext cx="6096000" cy="3429000"/>
           </a:xfrm>
           <a:custGeom>
-            <a:rect b="b" l="l" r="r" t="t"/>
+            <a:avLst/>
+            <a:gdLst/>
+            <a:ahLst/>
+            <a:cxnLst/>
+            <a:rect l="l" t="t" r="r" b="b"/>
             <a:pathLst>
-              <a:path extrusionOk="0" h="120000" w="120000">
+              <a:path w="120000" h="120000" extrusionOk="0">
                 <a:moveTo>
                   <a:pt x="0" y="0"/>
                 </a:moveTo>
@@ -1668,10 +1825,12 @@
       </p:sp>
       <p:sp>
         <p:nvSpPr>
-          <p:cNvPr id="73" name="Google Shape;73;g2758980dd24_0_2:notes"/>
-          <p:cNvSpPr txBox="1"/>
+          <p:cNvPr id="59" name="Google Shape;59;g23d30846d3c_0_2:notes"/>
+          <p:cNvSpPr txBox="1">
+            <a:spLocks noGrp="1"/>
+          </p:cNvSpPr>
           <p:nvPr>
-            <p:ph idx="1" type="body"/>
+            <p:ph type="body" idx="1"/>
           </p:nvPr>
         </p:nvSpPr>
         <p:spPr>
@@ -1684,12 +1843,12 @@
           </a:prstGeom>
         </p:spPr>
         <p:txBody>
-          <a:bodyPr anchorCtr="0" anchor="t" bIns="91425" lIns="91425" spcFirstLastPara="1" rIns="91425" wrap="square" tIns="91425">
+          <a:bodyPr spcFirstLastPara="1" wrap="square" lIns="91425" tIns="91425" rIns="91425" bIns="91425" anchor="t" anchorCtr="0">
             <a:noAutofit/>
           </a:bodyPr>
           <a:lstStyle/>
           <a:p>
-            <a:pPr indent="0" lvl="0" marL="0" rtl="0" algn="l">
+            <a:pPr marL="0" lvl="0" indent="0" algn="l" rtl="0">
               <a:spcBef>
                 <a:spcPts val="0"/>
               </a:spcBef>
@@ -1698,9 +1857,6 @@
               </a:spcAft>
               <a:buNone/>
             </a:pPr>
-            <a:r>
-              <a:t/>
-            </a:r>
             <a:endParaRPr/>
           </a:p>
         </p:txBody>
@@ -1713,12 +1869,12 @@
 </p:notes>
 </file>
 
-<file path=ppt/notesSlides/notesSlide5.xml><?xml version="1.0" encoding="utf-8"?>
-<p:notes xmlns:a="http://schemas.openxmlformats.org/drawingml/2006/main" xmlns:r="http://schemas.openxmlformats.org/officeDocument/2006/relationships" xmlns:mc="http://schemas.openxmlformats.org/markup-compatibility/2006" xmlns:mv="urn:schemas-microsoft-com:mac:vml" xmlns:p="http://schemas.openxmlformats.org/presentationml/2006/main" xmlns:c="http://schemas.openxmlformats.org/drawingml/2006/chart" xmlns:dgm="http://schemas.openxmlformats.org/drawingml/2006/diagram" xmlns:o="urn:schemas-microsoft-com:office:office" xmlns:v="urn:schemas-microsoft-com:vml" xmlns:pvml="urn:schemas-microsoft-com:office:powerpoint" xmlns:com="http://schemas.openxmlformats.org/drawingml/2006/compatibility" xmlns:p14="http://schemas.microsoft.com/office/powerpoint/2010/main" xmlns:p15="http://schemas.microsoft.com/office/powerpoint/2012/main" xmlns:ahyp="http://schemas.microsoft.com/office/drawing/2018/hyperlinkcolor" showMasterPhAnim="0" showMasterSp="0">
+<file path=ppt/notesSlides/notesSlide3.xml><?xml version="1.0" encoding="utf-8"?>
+<p:notes xmlns:a="http://schemas.openxmlformats.org/drawingml/2006/main" xmlns:r="http://schemas.openxmlformats.org/officeDocument/2006/relationships" xmlns:p="http://schemas.openxmlformats.org/presentationml/2006/main" showMasterSp="0" showMasterPhAnim="0">
   <p:cSld>
     <p:spTree>
       <p:nvGrpSpPr>
-        <p:cNvPr id="78" name="Shape 78"/>
+        <p:cNvPr id="1" name="Shape 64"/>
         <p:cNvGrpSpPr/>
         <p:nvPr/>
       </p:nvGrpSpPr>
@@ -1732,21 +1888,27 @@
       </p:grpSpPr>
       <p:sp>
         <p:nvSpPr>
-          <p:cNvPr id="79" name="Google Shape;79;g2758980dd24_0_9:notes"/>
-          <p:cNvSpPr/>
+          <p:cNvPr id="65" name="Google Shape;65;g23d3092ccdc_2_9:notes"/>
+          <p:cNvSpPr>
+            <a:spLocks noGrp="1" noRot="1" noChangeAspect="1"/>
+          </p:cNvSpPr>
           <p:nvPr>
-            <p:ph idx="2" type="sldImg"/>
+            <p:ph type="sldImg" idx="2"/>
           </p:nvPr>
         </p:nvSpPr>
         <p:spPr>
           <a:xfrm>
-            <a:off x="381300" y="685800"/>
+            <a:off x="381000" y="685800"/>
             <a:ext cx="6096000" cy="3429000"/>
           </a:xfrm>
           <a:custGeom>
-            <a:rect b="b" l="l" r="r" t="t"/>
+            <a:avLst/>
+            <a:gdLst/>
+            <a:ahLst/>
+            <a:cxnLst/>
+            <a:rect l="l" t="t" r="r" b="b"/>
             <a:pathLst>
-              <a:path extrusionOk="0" h="120000" w="120000">
+              <a:path w="120000" h="120000" extrusionOk="0">
                 <a:moveTo>
                   <a:pt x="0" y="0"/>
                 </a:moveTo>
@@ -1767,10 +1929,12 @@
       </p:sp>
       <p:sp>
         <p:nvSpPr>
-          <p:cNvPr id="80" name="Google Shape;80;g2758980dd24_0_9:notes"/>
-          <p:cNvSpPr txBox="1"/>
+          <p:cNvPr id="66" name="Google Shape;66;g23d3092ccdc_2_9:notes"/>
+          <p:cNvSpPr txBox="1">
+            <a:spLocks noGrp="1"/>
+          </p:cNvSpPr>
           <p:nvPr>
-            <p:ph idx="1" type="body"/>
+            <p:ph type="body" idx="1"/>
           </p:nvPr>
         </p:nvSpPr>
         <p:spPr>
@@ -1783,12 +1947,12 @@
           </a:prstGeom>
         </p:spPr>
         <p:txBody>
-          <a:bodyPr anchorCtr="0" anchor="t" bIns="91425" lIns="91425" spcFirstLastPara="1" rIns="91425" wrap="square" tIns="91425">
+          <a:bodyPr spcFirstLastPara="1" wrap="square" lIns="91425" tIns="91425" rIns="91425" bIns="91425" anchor="t" anchorCtr="0">
             <a:noAutofit/>
           </a:bodyPr>
           <a:lstStyle/>
           <a:p>
-            <a:pPr indent="0" lvl="0" marL="0" rtl="0" algn="l">
+            <a:pPr marL="0" lvl="0" indent="0" algn="l" rtl="0">
               <a:spcBef>
                 <a:spcPts val="0"/>
               </a:spcBef>
@@ -1797,9 +1961,6 @@
               </a:spcAft>
               <a:buNone/>
             </a:pPr>
-            <a:r>
-              <a:t/>
-            </a:r>
             <a:endParaRPr/>
           </a:p>
         </p:txBody>
@@ -1812,12 +1973,12 @@
 </p:notes>
 </file>
 
-<file path=ppt/notesSlides/notesSlide6.xml><?xml version="1.0" encoding="utf-8"?>
-<p:notes xmlns:a="http://schemas.openxmlformats.org/drawingml/2006/main" xmlns:r="http://schemas.openxmlformats.org/officeDocument/2006/relationships" xmlns:mc="http://schemas.openxmlformats.org/markup-compatibility/2006" xmlns:mv="urn:schemas-microsoft-com:mac:vml" xmlns:p="http://schemas.openxmlformats.org/presentationml/2006/main" xmlns:c="http://schemas.openxmlformats.org/drawingml/2006/chart" xmlns:dgm="http://schemas.openxmlformats.org/drawingml/2006/diagram" xmlns:o="urn:schemas-microsoft-com:office:office" xmlns:v="urn:schemas-microsoft-com:vml" xmlns:pvml="urn:schemas-microsoft-com:office:powerpoint" xmlns:com="http://schemas.openxmlformats.org/drawingml/2006/compatibility" xmlns:p14="http://schemas.microsoft.com/office/powerpoint/2010/main" xmlns:p15="http://schemas.microsoft.com/office/powerpoint/2012/main" xmlns:ahyp="http://schemas.microsoft.com/office/drawing/2018/hyperlinkcolor" showMasterPhAnim="0" showMasterSp="0">
+<file path=ppt/notesSlides/notesSlide4.xml><?xml version="1.0" encoding="utf-8"?>
+<p:notes xmlns:a="http://schemas.openxmlformats.org/drawingml/2006/main" xmlns:r="http://schemas.openxmlformats.org/officeDocument/2006/relationships" xmlns:p="http://schemas.openxmlformats.org/presentationml/2006/main" showMasterSp="0" showMasterPhAnim="0">
   <p:cSld>
     <p:spTree>
       <p:nvGrpSpPr>
-        <p:cNvPr id="85" name="Shape 85"/>
+        <p:cNvPr id="1" name="Shape 71"/>
         <p:cNvGrpSpPr/>
         <p:nvPr/>
       </p:nvGrpSpPr>
@@ -1831,21 +1992,27 @@
       </p:grpSpPr>
       <p:sp>
         <p:nvSpPr>
-          <p:cNvPr id="86" name="Google Shape;86;g23d3092ccdc_2_16:notes"/>
-          <p:cNvSpPr/>
+          <p:cNvPr id="72" name="Google Shape;72;g2758980dd24_0_2:notes"/>
+          <p:cNvSpPr>
+            <a:spLocks noGrp="1" noRot="1" noChangeAspect="1"/>
+          </p:cNvSpPr>
           <p:nvPr>
-            <p:ph idx="2" type="sldImg"/>
+            <p:ph type="sldImg" idx="2"/>
           </p:nvPr>
         </p:nvSpPr>
         <p:spPr>
           <a:xfrm>
-            <a:off x="381300" y="685800"/>
+            <a:off x="381000" y="685800"/>
             <a:ext cx="6096000" cy="3429000"/>
           </a:xfrm>
           <a:custGeom>
-            <a:rect b="b" l="l" r="r" t="t"/>
+            <a:avLst/>
+            <a:gdLst/>
+            <a:ahLst/>
+            <a:cxnLst/>
+            <a:rect l="l" t="t" r="r" b="b"/>
             <a:pathLst>
-              <a:path extrusionOk="0" h="120000" w="120000">
+              <a:path w="120000" h="120000" extrusionOk="0">
                 <a:moveTo>
                   <a:pt x="0" y="0"/>
                 </a:moveTo>
@@ -1866,10 +2033,12 @@
       </p:sp>
       <p:sp>
         <p:nvSpPr>
-          <p:cNvPr id="87" name="Google Shape;87;g23d3092ccdc_2_16:notes"/>
-          <p:cNvSpPr txBox="1"/>
+          <p:cNvPr id="73" name="Google Shape;73;g2758980dd24_0_2:notes"/>
+          <p:cNvSpPr txBox="1">
+            <a:spLocks noGrp="1"/>
+          </p:cNvSpPr>
           <p:nvPr>
-            <p:ph idx="1" type="body"/>
+            <p:ph type="body" idx="1"/>
           </p:nvPr>
         </p:nvSpPr>
         <p:spPr>
@@ -1882,12 +2051,12 @@
           </a:prstGeom>
         </p:spPr>
         <p:txBody>
-          <a:bodyPr anchorCtr="0" anchor="t" bIns="91425" lIns="91425" spcFirstLastPara="1" rIns="91425" wrap="square" tIns="91425">
+          <a:bodyPr spcFirstLastPara="1" wrap="square" lIns="91425" tIns="91425" rIns="91425" bIns="91425" anchor="t" anchorCtr="0">
             <a:noAutofit/>
           </a:bodyPr>
           <a:lstStyle/>
           <a:p>
-            <a:pPr indent="0" lvl="0" marL="0" rtl="0" algn="l">
+            <a:pPr marL="0" lvl="0" indent="0" algn="l" rtl="0">
               <a:spcBef>
                 <a:spcPts val="0"/>
               </a:spcBef>
@@ -1896,9 +2065,6 @@
               </a:spcAft>
               <a:buNone/>
             </a:pPr>
-            <a:r>
-              <a:t/>
-            </a:r>
             <a:endParaRPr/>
           </a:p>
         </p:txBody>
@@ -1911,12 +2077,12 @@
 </p:notes>
 </file>
 
-<file path=ppt/notesSlides/notesSlide7.xml><?xml version="1.0" encoding="utf-8"?>
-<p:notes xmlns:a="http://schemas.openxmlformats.org/drawingml/2006/main" xmlns:r="http://schemas.openxmlformats.org/officeDocument/2006/relationships" xmlns:mc="http://schemas.openxmlformats.org/markup-compatibility/2006" xmlns:mv="urn:schemas-microsoft-com:mac:vml" xmlns:p="http://schemas.openxmlformats.org/presentationml/2006/main" xmlns:c="http://schemas.openxmlformats.org/drawingml/2006/chart" xmlns:dgm="http://schemas.openxmlformats.org/drawingml/2006/diagram" xmlns:o="urn:schemas-microsoft-com:office:office" xmlns:v="urn:schemas-microsoft-com:vml" xmlns:pvml="urn:schemas-microsoft-com:office:powerpoint" xmlns:com="http://schemas.openxmlformats.org/drawingml/2006/compatibility" xmlns:p14="http://schemas.microsoft.com/office/powerpoint/2010/main" xmlns:p15="http://schemas.microsoft.com/office/powerpoint/2012/main" xmlns:ahyp="http://schemas.microsoft.com/office/drawing/2018/hyperlinkcolor" showMasterPhAnim="0" showMasterSp="0">
+<file path=ppt/notesSlides/notesSlide5.xml><?xml version="1.0" encoding="utf-8"?>
+<p:notes xmlns:a="http://schemas.openxmlformats.org/drawingml/2006/main" xmlns:r="http://schemas.openxmlformats.org/officeDocument/2006/relationships" xmlns:p="http://schemas.openxmlformats.org/presentationml/2006/main" showMasterSp="0" showMasterPhAnim="0">
   <p:cSld>
     <p:spTree>
       <p:nvGrpSpPr>
-        <p:cNvPr id="92" name="Shape 92"/>
+        <p:cNvPr id="1" name="Shape 78"/>
         <p:cNvGrpSpPr/>
         <p:nvPr/>
       </p:nvGrpSpPr>
@@ -1930,21 +2096,27 @@
       </p:grpSpPr>
       <p:sp>
         <p:nvSpPr>
-          <p:cNvPr id="93" name="Google Shape;93;g23d3092ccdc_2_23:notes"/>
-          <p:cNvSpPr/>
+          <p:cNvPr id="79" name="Google Shape;79;g2758980dd24_0_9:notes"/>
+          <p:cNvSpPr>
+            <a:spLocks noGrp="1" noRot="1" noChangeAspect="1"/>
+          </p:cNvSpPr>
           <p:nvPr>
-            <p:ph idx="2" type="sldImg"/>
+            <p:ph type="sldImg" idx="2"/>
           </p:nvPr>
         </p:nvSpPr>
         <p:spPr>
           <a:xfrm>
-            <a:off x="381300" y="685800"/>
+            <a:off x="381000" y="685800"/>
             <a:ext cx="6096000" cy="3429000"/>
           </a:xfrm>
           <a:custGeom>
-            <a:rect b="b" l="l" r="r" t="t"/>
+            <a:avLst/>
+            <a:gdLst/>
+            <a:ahLst/>
+            <a:cxnLst/>
+            <a:rect l="l" t="t" r="r" b="b"/>
             <a:pathLst>
-              <a:path extrusionOk="0" h="120000" w="120000">
+              <a:path w="120000" h="120000" extrusionOk="0">
                 <a:moveTo>
                   <a:pt x="0" y="0"/>
                 </a:moveTo>
@@ -1965,10 +2137,12 @@
       </p:sp>
       <p:sp>
         <p:nvSpPr>
-          <p:cNvPr id="94" name="Google Shape;94;g23d3092ccdc_2_23:notes"/>
-          <p:cNvSpPr txBox="1"/>
+          <p:cNvPr id="80" name="Google Shape;80;g2758980dd24_0_9:notes"/>
+          <p:cNvSpPr txBox="1">
+            <a:spLocks noGrp="1"/>
+          </p:cNvSpPr>
           <p:nvPr>
-            <p:ph idx="1" type="body"/>
+            <p:ph type="body" idx="1"/>
           </p:nvPr>
         </p:nvSpPr>
         <p:spPr>
@@ -1981,12 +2155,12 @@
           </a:prstGeom>
         </p:spPr>
         <p:txBody>
-          <a:bodyPr anchorCtr="0" anchor="t" bIns="91425" lIns="91425" spcFirstLastPara="1" rIns="91425" wrap="square" tIns="91425">
+          <a:bodyPr spcFirstLastPara="1" wrap="square" lIns="91425" tIns="91425" rIns="91425" bIns="91425" anchor="t" anchorCtr="0">
             <a:noAutofit/>
           </a:bodyPr>
           <a:lstStyle/>
           <a:p>
-            <a:pPr indent="0" lvl="0" marL="0" rtl="0" algn="l">
+            <a:pPr marL="0" lvl="0" indent="0" algn="l" rtl="0">
               <a:spcBef>
                 <a:spcPts val="0"/>
               </a:spcBef>
@@ -1995,9 +2169,6 @@
               </a:spcAft>
               <a:buNone/>
             </a:pPr>
-            <a:r>
-              <a:t/>
-            </a:r>
             <a:endParaRPr/>
           </a:p>
         </p:txBody>
@@ -2010,12 +2181,12 @@
 </p:notes>
 </file>
 
-<file path=ppt/notesSlides/notesSlide8.xml><?xml version="1.0" encoding="utf-8"?>
-<p:notes xmlns:a="http://schemas.openxmlformats.org/drawingml/2006/main" xmlns:r="http://schemas.openxmlformats.org/officeDocument/2006/relationships" xmlns:mc="http://schemas.openxmlformats.org/markup-compatibility/2006" xmlns:mv="urn:schemas-microsoft-com:mac:vml" xmlns:p="http://schemas.openxmlformats.org/presentationml/2006/main" xmlns:c="http://schemas.openxmlformats.org/drawingml/2006/chart" xmlns:dgm="http://schemas.openxmlformats.org/drawingml/2006/diagram" xmlns:o="urn:schemas-microsoft-com:office:office" xmlns:v="urn:schemas-microsoft-com:vml" xmlns:pvml="urn:schemas-microsoft-com:office:powerpoint" xmlns:com="http://schemas.openxmlformats.org/drawingml/2006/compatibility" xmlns:p14="http://schemas.microsoft.com/office/powerpoint/2010/main" xmlns:p15="http://schemas.microsoft.com/office/powerpoint/2012/main" xmlns:ahyp="http://schemas.microsoft.com/office/drawing/2018/hyperlinkcolor" showMasterPhAnim="0" showMasterSp="0">
+<file path=ppt/notesSlides/notesSlide6.xml><?xml version="1.0" encoding="utf-8"?>
+<p:notes xmlns:a="http://schemas.openxmlformats.org/drawingml/2006/main" xmlns:r="http://schemas.openxmlformats.org/officeDocument/2006/relationships" xmlns:p="http://schemas.openxmlformats.org/presentationml/2006/main" showMasterSp="0" showMasterPhAnim="0">
   <p:cSld>
     <p:spTree>
       <p:nvGrpSpPr>
-        <p:cNvPr id="100" name="Shape 100"/>
+        <p:cNvPr id="1" name="Shape 85"/>
         <p:cNvGrpSpPr/>
         <p:nvPr/>
       </p:nvGrpSpPr>
@@ -2029,10 +2200,12 @@
       </p:grpSpPr>
       <p:sp>
         <p:nvSpPr>
-          <p:cNvPr id="101" name="Google Shape;101;g2758980dd24_0_17:notes"/>
-          <p:cNvSpPr/>
+          <p:cNvPr id="86" name="Google Shape;86;g23d3092ccdc_2_16:notes"/>
+          <p:cNvSpPr>
+            <a:spLocks noGrp="1" noRot="1" noChangeAspect="1"/>
+          </p:cNvSpPr>
           <p:nvPr>
-            <p:ph idx="2" type="sldImg"/>
+            <p:ph type="sldImg" idx="2"/>
           </p:nvPr>
         </p:nvSpPr>
         <p:spPr>
@@ -2041,9 +2214,13 @@
             <a:ext cx="6096000" cy="3429000"/>
           </a:xfrm>
           <a:custGeom>
-            <a:rect b="b" l="l" r="r" t="t"/>
+            <a:avLst/>
+            <a:gdLst/>
+            <a:ahLst/>
+            <a:cxnLst/>
+            <a:rect l="l" t="t" r="r" b="b"/>
             <a:pathLst>
-              <a:path extrusionOk="0" h="120000" w="120000">
+              <a:path w="120000" h="120000" extrusionOk="0">
                 <a:moveTo>
                   <a:pt x="0" y="0"/>
                 </a:moveTo>
@@ -2064,10 +2241,12 @@
       </p:sp>
       <p:sp>
         <p:nvSpPr>
-          <p:cNvPr id="102" name="Google Shape;102;g2758980dd24_0_17:notes"/>
-          <p:cNvSpPr txBox="1"/>
+          <p:cNvPr id="87" name="Google Shape;87;g23d3092ccdc_2_16:notes"/>
+          <p:cNvSpPr txBox="1">
+            <a:spLocks noGrp="1"/>
+          </p:cNvSpPr>
           <p:nvPr>
-            <p:ph idx="1" type="body"/>
+            <p:ph type="body" idx="1"/>
           </p:nvPr>
         </p:nvSpPr>
         <p:spPr>
@@ -2080,12 +2259,12 @@
           </a:prstGeom>
         </p:spPr>
         <p:txBody>
-          <a:bodyPr anchorCtr="0" anchor="t" bIns="91425" lIns="91425" spcFirstLastPara="1" rIns="91425" wrap="square" tIns="91425">
+          <a:bodyPr spcFirstLastPara="1" wrap="square" lIns="91425" tIns="91425" rIns="91425" bIns="91425" anchor="t" anchorCtr="0">
             <a:noAutofit/>
           </a:bodyPr>
           <a:lstStyle/>
           <a:p>
-            <a:pPr indent="0" lvl="0" marL="0" rtl="0" algn="l">
+            <a:pPr marL="0" lvl="0" indent="0" algn="l" rtl="0">
               <a:spcBef>
                 <a:spcPts val="0"/>
               </a:spcBef>
@@ -2094,9 +2273,6 @@
               </a:spcAft>
               <a:buNone/>
             </a:pPr>
-            <a:r>
-              <a:t/>
-            </a:r>
             <a:endParaRPr/>
           </a:p>
         </p:txBody>
@@ -2109,12 +2285,12 @@
 </p:notes>
 </file>
 
-<file path=ppt/notesSlides/notesSlide9.xml><?xml version="1.0" encoding="utf-8"?>
-<p:notes xmlns:a="http://schemas.openxmlformats.org/drawingml/2006/main" xmlns:r="http://schemas.openxmlformats.org/officeDocument/2006/relationships" xmlns:mc="http://schemas.openxmlformats.org/markup-compatibility/2006" xmlns:mv="urn:schemas-microsoft-com:mac:vml" xmlns:p="http://schemas.openxmlformats.org/presentationml/2006/main" xmlns:c="http://schemas.openxmlformats.org/drawingml/2006/chart" xmlns:dgm="http://schemas.openxmlformats.org/drawingml/2006/diagram" xmlns:o="urn:schemas-microsoft-com:office:office" xmlns:v="urn:schemas-microsoft-com:vml" xmlns:pvml="urn:schemas-microsoft-com:office:powerpoint" xmlns:com="http://schemas.openxmlformats.org/drawingml/2006/compatibility" xmlns:p14="http://schemas.microsoft.com/office/powerpoint/2010/main" xmlns:p15="http://schemas.microsoft.com/office/powerpoint/2012/main" xmlns:ahyp="http://schemas.microsoft.com/office/drawing/2018/hyperlinkcolor" showMasterPhAnim="0" showMasterSp="0">
+<file path=ppt/notesSlides/notesSlide7.xml><?xml version="1.0" encoding="utf-8"?>
+<p:notes xmlns:a="http://schemas.openxmlformats.org/drawingml/2006/main" xmlns:r="http://schemas.openxmlformats.org/officeDocument/2006/relationships" xmlns:p="http://schemas.openxmlformats.org/presentationml/2006/main" showMasterSp="0" showMasterPhAnim="0">
   <p:cSld>
     <p:spTree>
       <p:nvGrpSpPr>
-        <p:cNvPr id="108" name="Shape 108"/>
+        <p:cNvPr id="1" name="Shape 92"/>
         <p:cNvGrpSpPr/>
         <p:nvPr/>
       </p:nvGrpSpPr>
@@ -2128,21 +2304,27 @@
       </p:grpSpPr>
       <p:sp>
         <p:nvSpPr>
-          <p:cNvPr id="109" name="Google Shape;109;g2758980dd24_0_24:notes"/>
-          <p:cNvSpPr/>
+          <p:cNvPr id="93" name="Google Shape;93;g23d3092ccdc_2_23:notes"/>
+          <p:cNvSpPr>
+            <a:spLocks noGrp="1" noRot="1" noChangeAspect="1"/>
+          </p:cNvSpPr>
           <p:nvPr>
-            <p:ph idx="2" type="sldImg"/>
+            <p:ph type="sldImg" idx="2"/>
           </p:nvPr>
         </p:nvSpPr>
         <p:spPr>
           <a:xfrm>
-            <a:off x="381300" y="685800"/>
+            <a:off x="381000" y="685800"/>
             <a:ext cx="6096000" cy="3429000"/>
           </a:xfrm>
           <a:custGeom>
-            <a:rect b="b" l="l" r="r" t="t"/>
+            <a:avLst/>
+            <a:gdLst/>
+            <a:ahLst/>
+            <a:cxnLst/>
+            <a:rect l="l" t="t" r="r" b="b"/>
             <a:pathLst>
-              <a:path extrusionOk="0" h="120000" w="120000">
+              <a:path w="120000" h="120000" extrusionOk="0">
                 <a:moveTo>
                   <a:pt x="0" y="0"/>
                 </a:moveTo>
@@ -2163,10 +2345,12 @@
       </p:sp>
       <p:sp>
         <p:nvSpPr>
-          <p:cNvPr id="110" name="Google Shape;110;g2758980dd24_0_24:notes"/>
-          <p:cNvSpPr txBox="1"/>
+          <p:cNvPr id="94" name="Google Shape;94;g23d3092ccdc_2_23:notes"/>
+          <p:cNvSpPr txBox="1">
+            <a:spLocks noGrp="1"/>
+          </p:cNvSpPr>
           <p:nvPr>
-            <p:ph idx="1" type="body"/>
+            <p:ph type="body" idx="1"/>
           </p:nvPr>
         </p:nvSpPr>
         <p:spPr>
@@ -2179,12 +2363,12 @@
           </a:prstGeom>
         </p:spPr>
         <p:txBody>
-          <a:bodyPr anchorCtr="0" anchor="t" bIns="91425" lIns="91425" spcFirstLastPara="1" rIns="91425" wrap="square" tIns="91425">
+          <a:bodyPr spcFirstLastPara="1" wrap="square" lIns="91425" tIns="91425" rIns="91425" bIns="91425" anchor="t" anchorCtr="0">
             <a:noAutofit/>
           </a:bodyPr>
           <a:lstStyle/>
           <a:p>
-            <a:pPr indent="0" lvl="0" marL="0" rtl="0" algn="l">
+            <a:pPr marL="0" lvl="0" indent="0" algn="l" rtl="0">
               <a:spcBef>
                 <a:spcPts val="0"/>
               </a:spcBef>
@@ -2193,9 +2377,6 @@
               </a:spcAft>
               <a:buNone/>
             </a:pPr>
-            <a:r>
-              <a:t/>
-            </a:r>
             <a:endParaRPr/>
           </a:p>
         </p:txBody>
@@ -2208,12 +2389,230 @@
 </p:notes>
 </file>
 
+<file path=ppt/notesSlides/notesSlide8.xml><?xml version="1.0" encoding="utf-8"?>
+<p:notes xmlns:a="http://schemas.openxmlformats.org/drawingml/2006/main" xmlns:r="http://schemas.openxmlformats.org/officeDocument/2006/relationships" xmlns:p="http://schemas.openxmlformats.org/presentationml/2006/main" showMasterSp="0" showMasterPhAnim="0">
+  <p:cSld>
+    <p:spTree>
+      <p:nvGrpSpPr>
+        <p:cNvPr id="1" name="Shape 92"/>
+        <p:cNvGrpSpPr/>
+        <p:nvPr/>
+      </p:nvGrpSpPr>
+      <p:grpSpPr>
+        <a:xfrm>
+          <a:off x="0" y="0"/>
+          <a:ext cx="0" cy="0"/>
+          <a:chOff x="0" y="0"/>
+          <a:chExt cx="0" cy="0"/>
+        </a:xfrm>
+      </p:grpSpPr>
+      <p:sp>
+        <p:nvSpPr>
+          <p:cNvPr id="93" name="Google Shape;93;g23d3092ccdc_2_23:notes"/>
+          <p:cNvSpPr>
+            <a:spLocks noGrp="1" noRot="1" noChangeAspect="1"/>
+          </p:cNvSpPr>
+          <p:nvPr>
+            <p:ph type="sldImg" idx="2"/>
+          </p:nvPr>
+        </p:nvSpPr>
+        <p:spPr>
+          <a:xfrm>
+            <a:off x="381000" y="685800"/>
+            <a:ext cx="6096000" cy="3429000"/>
+          </a:xfrm>
+          <a:custGeom>
+            <a:avLst/>
+            <a:gdLst/>
+            <a:ahLst/>
+            <a:cxnLst/>
+            <a:rect l="l" t="t" r="r" b="b"/>
+            <a:pathLst>
+              <a:path w="120000" h="120000" extrusionOk="0">
+                <a:moveTo>
+                  <a:pt x="0" y="0"/>
+                </a:moveTo>
+                <a:lnTo>
+                  <a:pt x="120000" y="0"/>
+                </a:lnTo>
+                <a:lnTo>
+                  <a:pt x="120000" y="120000"/>
+                </a:lnTo>
+                <a:lnTo>
+                  <a:pt x="0" y="120000"/>
+                </a:lnTo>
+                <a:close/>
+              </a:path>
+            </a:pathLst>
+          </a:custGeom>
+        </p:spPr>
+      </p:sp>
+      <p:sp>
+        <p:nvSpPr>
+          <p:cNvPr id="94" name="Google Shape;94;g23d3092ccdc_2_23:notes"/>
+          <p:cNvSpPr txBox="1">
+            <a:spLocks noGrp="1"/>
+          </p:cNvSpPr>
+          <p:nvPr>
+            <p:ph type="body" idx="1"/>
+          </p:nvPr>
+        </p:nvSpPr>
+        <p:spPr>
+          <a:xfrm>
+            <a:off x="685800" y="4343400"/>
+            <a:ext cx="5486400" cy="4114800"/>
+          </a:xfrm>
+          <a:prstGeom prst="rect">
+            <a:avLst/>
+          </a:prstGeom>
+        </p:spPr>
+        <p:txBody>
+          <a:bodyPr spcFirstLastPara="1" wrap="square" lIns="91425" tIns="91425" rIns="91425" bIns="91425" anchor="t" anchorCtr="0">
+            <a:noAutofit/>
+          </a:bodyPr>
+          <a:lstStyle/>
+          <a:p>
+            <a:pPr marL="0" lvl="0" indent="0" algn="l" rtl="0">
+              <a:spcBef>
+                <a:spcPts val="0"/>
+              </a:spcBef>
+              <a:spcAft>
+                <a:spcPts val="0"/>
+              </a:spcAft>
+              <a:buNone/>
+            </a:pPr>
+            <a:endParaRPr/>
+          </a:p>
+        </p:txBody>
+      </p:sp>
+    </p:spTree>
+    <p:extLst>
+      <p:ext uri="{BB962C8B-B14F-4D97-AF65-F5344CB8AC3E}">
+        <p14:creationId xmlns:p14="http://schemas.microsoft.com/office/powerpoint/2010/main" val="592288818"/>
+      </p:ext>
+    </p:extLst>
+  </p:cSld>
+  <p:clrMapOvr>
+    <a:masterClrMapping/>
+  </p:clrMapOvr>
+</p:notes>
+</file>
+
+<file path=ppt/notesSlides/notesSlide9.xml><?xml version="1.0" encoding="utf-8"?>
+<p:notes xmlns:a="http://schemas.openxmlformats.org/drawingml/2006/main" xmlns:r="http://schemas.openxmlformats.org/officeDocument/2006/relationships" xmlns:p="http://schemas.openxmlformats.org/presentationml/2006/main" showMasterSp="0" showMasterPhAnim="0">
+  <p:cSld>
+    <p:spTree>
+      <p:nvGrpSpPr>
+        <p:cNvPr id="1" name="Shape 92"/>
+        <p:cNvGrpSpPr/>
+        <p:nvPr/>
+      </p:nvGrpSpPr>
+      <p:grpSpPr>
+        <a:xfrm>
+          <a:off x="0" y="0"/>
+          <a:ext cx="0" cy="0"/>
+          <a:chOff x="0" y="0"/>
+          <a:chExt cx="0" cy="0"/>
+        </a:xfrm>
+      </p:grpSpPr>
+      <p:sp>
+        <p:nvSpPr>
+          <p:cNvPr id="93" name="Google Shape;93;g23d3092ccdc_2_23:notes"/>
+          <p:cNvSpPr>
+            <a:spLocks noGrp="1" noRot="1" noChangeAspect="1"/>
+          </p:cNvSpPr>
+          <p:nvPr>
+            <p:ph type="sldImg" idx="2"/>
+          </p:nvPr>
+        </p:nvSpPr>
+        <p:spPr>
+          <a:xfrm>
+            <a:off x="381000" y="685800"/>
+            <a:ext cx="6096000" cy="3429000"/>
+          </a:xfrm>
+          <a:custGeom>
+            <a:avLst/>
+            <a:gdLst/>
+            <a:ahLst/>
+            <a:cxnLst/>
+            <a:rect l="l" t="t" r="r" b="b"/>
+            <a:pathLst>
+              <a:path w="120000" h="120000" extrusionOk="0">
+                <a:moveTo>
+                  <a:pt x="0" y="0"/>
+                </a:moveTo>
+                <a:lnTo>
+                  <a:pt x="120000" y="0"/>
+                </a:lnTo>
+                <a:lnTo>
+                  <a:pt x="120000" y="120000"/>
+                </a:lnTo>
+                <a:lnTo>
+                  <a:pt x="0" y="120000"/>
+                </a:lnTo>
+                <a:close/>
+              </a:path>
+            </a:pathLst>
+          </a:custGeom>
+        </p:spPr>
+      </p:sp>
+      <p:sp>
+        <p:nvSpPr>
+          <p:cNvPr id="94" name="Google Shape;94;g23d3092ccdc_2_23:notes"/>
+          <p:cNvSpPr txBox="1">
+            <a:spLocks noGrp="1"/>
+          </p:cNvSpPr>
+          <p:nvPr>
+            <p:ph type="body" idx="1"/>
+          </p:nvPr>
+        </p:nvSpPr>
+        <p:spPr>
+          <a:xfrm>
+            <a:off x="685800" y="4343400"/>
+            <a:ext cx="5486400" cy="4114800"/>
+          </a:xfrm>
+          <a:prstGeom prst="rect">
+            <a:avLst/>
+          </a:prstGeom>
+        </p:spPr>
+        <p:txBody>
+          <a:bodyPr spcFirstLastPara="1" wrap="square" lIns="91425" tIns="91425" rIns="91425" bIns="91425" anchor="t" anchorCtr="0">
+            <a:noAutofit/>
+          </a:bodyPr>
+          <a:lstStyle/>
+          <a:p>
+            <a:pPr marL="0" lvl="0" indent="0" algn="l" rtl="0">
+              <a:spcBef>
+                <a:spcPts val="0"/>
+              </a:spcBef>
+              <a:spcAft>
+                <a:spcPts val="0"/>
+              </a:spcAft>
+              <a:buNone/>
+            </a:pPr>
+            <a:endParaRPr/>
+          </a:p>
+        </p:txBody>
+      </p:sp>
+    </p:spTree>
+    <p:extLst>
+      <p:ext uri="{BB962C8B-B14F-4D97-AF65-F5344CB8AC3E}">
+        <p14:creationId xmlns:p14="http://schemas.microsoft.com/office/powerpoint/2010/main" val="2101923752"/>
+      </p:ext>
+    </p:extLst>
+  </p:cSld>
+  <p:clrMapOvr>
+    <a:masterClrMapping/>
+  </p:clrMapOvr>
+</p:notes>
+</file>
+
 <file path=ppt/slideLayouts/slideLayout1.xml><?xml version="1.0" encoding="utf-8"?>
-<p:sldLayout xmlns:a="http://schemas.openxmlformats.org/drawingml/2006/main" xmlns:r="http://schemas.openxmlformats.org/officeDocument/2006/relationships" xmlns:mc="http://schemas.openxmlformats.org/markup-compatibility/2006" xmlns:mv="urn:schemas-microsoft-com:mac:vml" xmlns:p="http://schemas.openxmlformats.org/presentationml/2006/main" xmlns:c="http://schemas.openxmlformats.org/drawingml/2006/chart" xmlns:dgm="http://schemas.openxmlformats.org/drawingml/2006/diagram" xmlns:o="urn:schemas-microsoft-com:office:office" xmlns:v="urn:schemas-microsoft-com:vml" xmlns:pvml="urn:schemas-microsoft-com:office:powerpoint" xmlns:com="http://schemas.openxmlformats.org/drawingml/2006/compatibility" xmlns:p14="http://schemas.microsoft.com/office/powerpoint/2010/main" xmlns:p15="http://schemas.microsoft.com/office/powerpoint/2012/main" xmlns:ahyp="http://schemas.microsoft.com/office/drawing/2018/hyperlinkcolor" matchingName="Title slide" type="title">
+<p:sldLayout xmlns:a="http://schemas.openxmlformats.org/drawingml/2006/main" xmlns:r="http://schemas.openxmlformats.org/officeDocument/2006/relationships" xmlns:p="http://schemas.openxmlformats.org/presentationml/2006/main" matchingName="Title slide" type="title">
   <p:cSld name="TITLE">
     <p:spTree>
       <p:nvGrpSpPr>
-        <p:cNvPr id="9" name="Shape 9"/>
+        <p:cNvPr id="1" name="Shape 9"/>
         <p:cNvGrpSpPr/>
         <p:nvPr/>
       </p:nvGrpSpPr>
@@ -2228,7 +2627,9 @@
       <p:sp>
         <p:nvSpPr>
           <p:cNvPr id="10" name="Google Shape;10;p2"/>
-          <p:cNvSpPr txBox="1"/>
+          <p:cNvSpPr txBox="1">
+            <a:spLocks noGrp="1"/>
+          </p:cNvSpPr>
           <p:nvPr>
             <p:ph type="ctrTitle"/>
           </p:nvPr>
@@ -2243,7 +2644,7 @@
           </a:prstGeom>
         </p:spPr>
         <p:txBody>
-          <a:bodyPr anchorCtr="0" anchor="b" bIns="91425" lIns="91425" spcFirstLastPara="1" rIns="91425" wrap="square" tIns="91425">
+          <a:bodyPr spcFirstLastPara="1" wrap="square" lIns="91425" tIns="91425" rIns="91425" bIns="91425" anchor="b" anchorCtr="0">
             <a:normAutofit/>
           </a:bodyPr>
           <a:lstStyle>
@@ -2347,15 +2748,19 @@
               <a:defRPr sz="5200"/>
             </a:lvl9pPr>
           </a:lstStyle>
-          <a:p/>
+          <a:p>
+            <a:endParaRPr/>
+          </a:p>
         </p:txBody>
       </p:sp>
       <p:sp>
         <p:nvSpPr>
           <p:cNvPr id="11" name="Google Shape;11;p2"/>
-          <p:cNvSpPr txBox="1"/>
+          <p:cNvSpPr txBox="1">
+            <a:spLocks noGrp="1"/>
+          </p:cNvSpPr>
           <p:nvPr>
-            <p:ph idx="1" type="subTitle"/>
+            <p:ph type="subTitle" idx="1"/>
           </p:nvPr>
         </p:nvSpPr>
         <p:spPr>
@@ -2368,7 +2773,7 @@
           </a:prstGeom>
         </p:spPr>
         <p:txBody>
-          <a:bodyPr anchorCtr="0" anchor="t" bIns="91425" lIns="91425" spcFirstLastPara="1" rIns="91425" wrap="square" tIns="91425">
+          <a:bodyPr spcFirstLastPara="1" wrap="square" lIns="91425" tIns="91425" rIns="91425" bIns="91425" anchor="t" anchorCtr="0">
             <a:normAutofit/>
           </a:bodyPr>
           <a:lstStyle>
@@ -2499,15 +2904,19 @@
               <a:defRPr sz="2800"/>
             </a:lvl9pPr>
           </a:lstStyle>
-          <a:p/>
+          <a:p>
+            <a:endParaRPr/>
+          </a:p>
         </p:txBody>
       </p:sp>
       <p:sp>
         <p:nvSpPr>
           <p:cNvPr id="12" name="Google Shape;12;p2"/>
-          <p:cNvSpPr txBox="1"/>
+          <p:cNvSpPr txBox="1">
+            <a:spLocks noGrp="1"/>
+          </p:cNvSpPr>
           <p:nvPr>
-            <p:ph idx="12" type="sldNum"/>
+            <p:ph type="sldNum" idx="12"/>
           </p:nvPr>
         </p:nvSpPr>
         <p:spPr>
@@ -2520,7 +2929,7 @@
           </a:prstGeom>
         </p:spPr>
         <p:txBody>
-          <a:bodyPr anchorCtr="0" anchor="ctr" bIns="91425" lIns="91425" spcFirstLastPara="1" rIns="91425" wrap="square" tIns="91425">
+          <a:bodyPr spcFirstLastPara="1" wrap="square" lIns="91425" tIns="91425" rIns="91425" bIns="91425" anchor="ctr" anchorCtr="0">
             <a:normAutofit/>
           </a:bodyPr>
           <a:lstStyle>
@@ -2562,7 +2971,7 @@
             </a:lvl9pPr>
           </a:lstStyle>
           <a:p>
-            <a:pPr indent="0" lvl="0" marL="0" rtl="0" algn="r">
+            <a:pPr marL="0" lvl="0" indent="0" algn="r" rtl="0">
               <a:spcBef>
                 <a:spcPts val="0"/>
               </a:spcBef>
@@ -2588,11 +2997,11 @@
 </file>
 
 <file path=ppt/slideLayouts/slideLayout10.xml><?xml version="1.0" encoding="utf-8"?>
-<p:sldLayout xmlns:a="http://schemas.openxmlformats.org/drawingml/2006/main" xmlns:r="http://schemas.openxmlformats.org/officeDocument/2006/relationships" xmlns:mc="http://schemas.openxmlformats.org/markup-compatibility/2006" xmlns:mv="urn:schemas-microsoft-com:mac:vml" xmlns:p="http://schemas.openxmlformats.org/presentationml/2006/main" xmlns:c="http://schemas.openxmlformats.org/drawingml/2006/chart" xmlns:dgm="http://schemas.openxmlformats.org/drawingml/2006/diagram" xmlns:o="urn:schemas-microsoft-com:office:office" xmlns:v="urn:schemas-microsoft-com:vml" xmlns:pvml="urn:schemas-microsoft-com:office:powerpoint" xmlns:com="http://schemas.openxmlformats.org/drawingml/2006/compatibility" xmlns:p14="http://schemas.microsoft.com/office/powerpoint/2010/main" xmlns:p15="http://schemas.microsoft.com/office/powerpoint/2012/main" xmlns:ahyp="http://schemas.microsoft.com/office/drawing/2018/hyperlinkcolor" matchingName="Big number">
+<p:sldLayout xmlns:a="http://schemas.openxmlformats.org/drawingml/2006/main" xmlns:r="http://schemas.openxmlformats.org/officeDocument/2006/relationships" xmlns:p="http://schemas.openxmlformats.org/presentationml/2006/main" matchingName="Big number">
   <p:cSld name="BIG_NUMBER">
     <p:spTree>
       <p:nvGrpSpPr>
-        <p:cNvPr id="44" name="Shape 44"/>
+        <p:cNvPr id="1" name="Shape 44"/>
         <p:cNvGrpSpPr/>
         <p:nvPr/>
       </p:nvGrpSpPr>
@@ -2607,9 +3016,11 @@
       <p:sp>
         <p:nvSpPr>
           <p:cNvPr id="45" name="Google Shape;45;p11"/>
-          <p:cNvSpPr txBox="1"/>
+          <p:cNvSpPr txBox="1">
+            <a:spLocks noGrp="1"/>
+          </p:cNvSpPr>
           <p:nvPr>
-            <p:ph hasCustomPrompt="1" type="title"/>
+            <p:ph type="title" hasCustomPrompt="1"/>
           </p:nvPr>
         </p:nvSpPr>
         <p:spPr>
@@ -2622,7 +3033,7 @@
           </a:prstGeom>
         </p:spPr>
         <p:txBody>
-          <a:bodyPr anchorCtr="0" anchor="b" bIns="91425" lIns="91425" spcFirstLastPara="1" rIns="91425" wrap="square" tIns="91425">
+          <a:bodyPr spcFirstLastPara="1" wrap="square" lIns="91425" tIns="91425" rIns="91425" bIns="91425" anchor="b" anchorCtr="0">
             <a:normAutofit/>
           </a:bodyPr>
           <a:lstStyle>
@@ -2736,9 +3147,11 @@
       <p:sp>
         <p:nvSpPr>
           <p:cNvPr id="46" name="Google Shape;46;p11"/>
-          <p:cNvSpPr txBox="1"/>
+          <p:cNvSpPr txBox="1">
+            <a:spLocks noGrp="1"/>
+          </p:cNvSpPr>
           <p:nvPr>
-            <p:ph idx="1" type="body"/>
+            <p:ph type="body" idx="1"/>
           </p:nvPr>
         </p:nvSpPr>
         <p:spPr>
@@ -2751,11 +3164,11 @@
           </a:prstGeom>
         </p:spPr>
         <p:txBody>
-          <a:bodyPr anchorCtr="0" anchor="t" bIns="91425" lIns="91425" spcFirstLastPara="1" rIns="91425" wrap="square" tIns="91425">
+          <a:bodyPr spcFirstLastPara="1" wrap="square" lIns="91425" tIns="91425" rIns="91425" bIns="91425" anchor="t" anchorCtr="0">
             <a:normAutofit/>
           </a:bodyPr>
           <a:lstStyle>
-            <a:lvl1pPr indent="-342900" lvl="0" marL="457200" algn="ctr">
+            <a:lvl1pPr marL="457200" lvl="0" indent="-342900" algn="ctr">
               <a:spcBef>
                 <a:spcPts val="0"/>
               </a:spcBef>
@@ -2766,7 +3179,7 @@
               <a:buChar char="●"/>
               <a:defRPr/>
             </a:lvl1pPr>
-            <a:lvl2pPr indent="-317500" lvl="1" marL="914400" algn="ctr">
+            <a:lvl2pPr marL="914400" lvl="1" indent="-317500" algn="ctr">
               <a:spcBef>
                 <a:spcPts val="0"/>
               </a:spcBef>
@@ -2777,7 +3190,7 @@
               <a:buChar char="○"/>
               <a:defRPr/>
             </a:lvl2pPr>
-            <a:lvl3pPr indent="-317500" lvl="2" marL="1371600" algn="ctr">
+            <a:lvl3pPr marL="1371600" lvl="2" indent="-317500" algn="ctr">
               <a:spcBef>
                 <a:spcPts val="0"/>
               </a:spcBef>
@@ -2788,7 +3201,7 @@
               <a:buChar char="■"/>
               <a:defRPr/>
             </a:lvl3pPr>
-            <a:lvl4pPr indent="-317500" lvl="3" marL="1828800" algn="ctr">
+            <a:lvl4pPr marL="1828800" lvl="3" indent="-317500" algn="ctr">
               <a:spcBef>
                 <a:spcPts val="0"/>
               </a:spcBef>
@@ -2799,7 +3212,7 @@
               <a:buChar char="●"/>
               <a:defRPr/>
             </a:lvl4pPr>
-            <a:lvl5pPr indent="-317500" lvl="4" marL="2286000" algn="ctr">
+            <a:lvl5pPr marL="2286000" lvl="4" indent="-317500" algn="ctr">
               <a:spcBef>
                 <a:spcPts val="0"/>
               </a:spcBef>
@@ -2810,7 +3223,7 @@
               <a:buChar char="○"/>
               <a:defRPr/>
             </a:lvl5pPr>
-            <a:lvl6pPr indent="-317500" lvl="5" marL="2743200" algn="ctr">
+            <a:lvl6pPr marL="2743200" lvl="5" indent="-317500" algn="ctr">
               <a:spcBef>
                 <a:spcPts val="0"/>
               </a:spcBef>
@@ -2821,7 +3234,7 @@
               <a:buChar char="■"/>
               <a:defRPr/>
             </a:lvl6pPr>
-            <a:lvl7pPr indent="-317500" lvl="6" marL="3200400" algn="ctr">
+            <a:lvl7pPr marL="3200400" lvl="6" indent="-317500" algn="ctr">
               <a:spcBef>
                 <a:spcPts val="0"/>
               </a:spcBef>
@@ -2832,7 +3245,7 @@
               <a:buChar char="●"/>
               <a:defRPr/>
             </a:lvl7pPr>
-            <a:lvl8pPr indent="-317500" lvl="7" marL="3657600" algn="ctr">
+            <a:lvl8pPr marL="3657600" lvl="7" indent="-317500" algn="ctr">
               <a:spcBef>
                 <a:spcPts val="0"/>
               </a:spcBef>
@@ -2843,7 +3256,7 @@
               <a:buChar char="○"/>
               <a:defRPr/>
             </a:lvl8pPr>
-            <a:lvl9pPr indent="-317500" lvl="8" marL="4114800" algn="ctr">
+            <a:lvl9pPr marL="4114800" lvl="8" indent="-317500" algn="ctr">
               <a:spcBef>
                 <a:spcPts val="0"/>
               </a:spcBef>
@@ -2855,15 +3268,19 @@
               <a:defRPr/>
             </a:lvl9pPr>
           </a:lstStyle>
-          <a:p/>
+          <a:p>
+            <a:endParaRPr/>
+          </a:p>
         </p:txBody>
       </p:sp>
       <p:sp>
         <p:nvSpPr>
           <p:cNvPr id="47" name="Google Shape;47;p11"/>
-          <p:cNvSpPr txBox="1"/>
+          <p:cNvSpPr txBox="1">
+            <a:spLocks noGrp="1"/>
+          </p:cNvSpPr>
           <p:nvPr>
-            <p:ph idx="12" type="sldNum"/>
+            <p:ph type="sldNum" idx="12"/>
           </p:nvPr>
         </p:nvSpPr>
         <p:spPr>
@@ -2876,7 +3293,7 @@
           </a:prstGeom>
         </p:spPr>
         <p:txBody>
-          <a:bodyPr anchorCtr="0" anchor="ctr" bIns="91425" lIns="91425" spcFirstLastPara="1" rIns="91425" wrap="square" tIns="91425">
+          <a:bodyPr spcFirstLastPara="1" wrap="square" lIns="91425" tIns="91425" rIns="91425" bIns="91425" anchor="ctr" anchorCtr="0">
             <a:normAutofit/>
           </a:bodyPr>
           <a:lstStyle>
@@ -2918,7 +3335,7 @@
             </a:lvl9pPr>
           </a:lstStyle>
           <a:p>
-            <a:pPr indent="0" lvl="0" marL="0" rtl="0" algn="r">
+            <a:pPr marL="0" lvl="0" indent="0" algn="r" rtl="0">
               <a:spcBef>
                 <a:spcPts val="0"/>
               </a:spcBef>
@@ -2944,11 +3361,11 @@
 </file>
 
 <file path=ppt/slideLayouts/slideLayout11.xml><?xml version="1.0" encoding="utf-8"?>
-<p:sldLayout xmlns:a="http://schemas.openxmlformats.org/drawingml/2006/main" xmlns:r="http://schemas.openxmlformats.org/officeDocument/2006/relationships" xmlns:mc="http://schemas.openxmlformats.org/markup-compatibility/2006" xmlns:mv="urn:schemas-microsoft-com:mac:vml" xmlns:p="http://schemas.openxmlformats.org/presentationml/2006/main" xmlns:c="http://schemas.openxmlformats.org/drawingml/2006/chart" xmlns:dgm="http://schemas.openxmlformats.org/drawingml/2006/diagram" xmlns:o="urn:schemas-microsoft-com:office:office" xmlns:v="urn:schemas-microsoft-com:vml" xmlns:pvml="urn:schemas-microsoft-com:office:powerpoint" xmlns:com="http://schemas.openxmlformats.org/drawingml/2006/compatibility" xmlns:p14="http://schemas.microsoft.com/office/powerpoint/2010/main" xmlns:p15="http://schemas.microsoft.com/office/powerpoint/2012/main" xmlns:ahyp="http://schemas.microsoft.com/office/drawing/2018/hyperlinkcolor" matchingName="Blank" type="blank">
+<p:sldLayout xmlns:a="http://schemas.openxmlformats.org/drawingml/2006/main" xmlns:r="http://schemas.openxmlformats.org/officeDocument/2006/relationships" xmlns:p="http://schemas.openxmlformats.org/presentationml/2006/main" matchingName="Blank" type="blank">
   <p:cSld name="BLANK">
     <p:spTree>
       <p:nvGrpSpPr>
-        <p:cNvPr id="48" name="Shape 48"/>
+        <p:cNvPr id="1" name="Shape 48"/>
         <p:cNvGrpSpPr/>
         <p:nvPr/>
       </p:nvGrpSpPr>
@@ -2963,9 +3380,11 @@
       <p:sp>
         <p:nvSpPr>
           <p:cNvPr id="49" name="Google Shape;49;p12"/>
-          <p:cNvSpPr txBox="1"/>
+          <p:cNvSpPr txBox="1">
+            <a:spLocks noGrp="1"/>
+          </p:cNvSpPr>
           <p:nvPr>
-            <p:ph idx="12" type="sldNum"/>
+            <p:ph type="sldNum" idx="12"/>
           </p:nvPr>
         </p:nvSpPr>
         <p:spPr>
@@ -2978,7 +3397,7 @@
           </a:prstGeom>
         </p:spPr>
         <p:txBody>
-          <a:bodyPr anchorCtr="0" anchor="ctr" bIns="91425" lIns="91425" spcFirstLastPara="1" rIns="91425" wrap="square" tIns="91425">
+          <a:bodyPr spcFirstLastPara="1" wrap="square" lIns="91425" tIns="91425" rIns="91425" bIns="91425" anchor="ctr" anchorCtr="0">
             <a:normAutofit/>
           </a:bodyPr>
           <a:lstStyle>
@@ -3020,7 +3439,7 @@
             </a:lvl9pPr>
           </a:lstStyle>
           <a:p>
-            <a:pPr indent="0" lvl="0" marL="0" rtl="0" algn="r">
+            <a:pPr marL="0" lvl="0" indent="0" algn="r" rtl="0">
               <a:spcBef>
                 <a:spcPts val="0"/>
               </a:spcBef>
@@ -3046,11 +3465,11 @@
 </file>
 
 <file path=ppt/slideLayouts/slideLayout2.xml><?xml version="1.0" encoding="utf-8"?>
-<p:sldLayout xmlns:a="http://schemas.openxmlformats.org/drawingml/2006/main" xmlns:r="http://schemas.openxmlformats.org/officeDocument/2006/relationships" xmlns:mc="http://schemas.openxmlformats.org/markup-compatibility/2006" xmlns:mv="urn:schemas-microsoft-com:mac:vml" xmlns:p="http://schemas.openxmlformats.org/presentationml/2006/main" xmlns:c="http://schemas.openxmlformats.org/drawingml/2006/chart" xmlns:dgm="http://schemas.openxmlformats.org/drawingml/2006/diagram" xmlns:o="urn:schemas-microsoft-com:office:office" xmlns:v="urn:schemas-microsoft-com:vml" xmlns:pvml="urn:schemas-microsoft-com:office:powerpoint" xmlns:com="http://schemas.openxmlformats.org/drawingml/2006/compatibility" xmlns:p14="http://schemas.microsoft.com/office/powerpoint/2010/main" xmlns:p15="http://schemas.microsoft.com/office/powerpoint/2012/main" xmlns:ahyp="http://schemas.microsoft.com/office/drawing/2018/hyperlinkcolor" matchingName="Section header" type="secHead">
+<p:sldLayout xmlns:a="http://schemas.openxmlformats.org/drawingml/2006/main" xmlns:r="http://schemas.openxmlformats.org/officeDocument/2006/relationships" xmlns:p="http://schemas.openxmlformats.org/presentationml/2006/main" matchingName="Section header" type="secHead">
   <p:cSld name="SECTION_HEADER">
     <p:spTree>
       <p:nvGrpSpPr>
-        <p:cNvPr id="13" name="Shape 13"/>
+        <p:cNvPr id="1" name="Shape 13"/>
         <p:cNvGrpSpPr/>
         <p:nvPr/>
       </p:nvGrpSpPr>
@@ -3065,7 +3484,9 @@
       <p:sp>
         <p:nvSpPr>
           <p:cNvPr id="14" name="Google Shape;14;p3"/>
-          <p:cNvSpPr txBox="1"/>
+          <p:cNvSpPr txBox="1">
+            <a:spLocks noGrp="1"/>
+          </p:cNvSpPr>
           <p:nvPr>
             <p:ph type="title"/>
           </p:nvPr>
@@ -3080,7 +3501,7 @@
           </a:prstGeom>
         </p:spPr>
         <p:txBody>
-          <a:bodyPr anchorCtr="0" anchor="ctr" bIns="91425" lIns="91425" spcFirstLastPara="1" rIns="91425" wrap="square" tIns="91425">
+          <a:bodyPr spcFirstLastPara="1" wrap="square" lIns="91425" tIns="91425" rIns="91425" bIns="91425" anchor="ctr" anchorCtr="0">
             <a:normAutofit/>
           </a:bodyPr>
           <a:lstStyle>
@@ -3184,15 +3605,19 @@
               <a:defRPr sz="3600"/>
             </a:lvl9pPr>
           </a:lstStyle>
-          <a:p/>
+          <a:p>
+            <a:endParaRPr/>
+          </a:p>
         </p:txBody>
       </p:sp>
       <p:sp>
         <p:nvSpPr>
           <p:cNvPr id="15" name="Google Shape;15;p3"/>
-          <p:cNvSpPr txBox="1"/>
+          <p:cNvSpPr txBox="1">
+            <a:spLocks noGrp="1"/>
+          </p:cNvSpPr>
           <p:nvPr>
-            <p:ph idx="12" type="sldNum"/>
+            <p:ph type="sldNum" idx="12"/>
           </p:nvPr>
         </p:nvSpPr>
         <p:spPr>
@@ -3205,7 +3630,7 @@
           </a:prstGeom>
         </p:spPr>
         <p:txBody>
-          <a:bodyPr anchorCtr="0" anchor="ctr" bIns="91425" lIns="91425" spcFirstLastPara="1" rIns="91425" wrap="square" tIns="91425">
+          <a:bodyPr spcFirstLastPara="1" wrap="square" lIns="91425" tIns="91425" rIns="91425" bIns="91425" anchor="ctr" anchorCtr="0">
             <a:normAutofit/>
           </a:bodyPr>
           <a:lstStyle>
@@ -3247,7 +3672,7 @@
             </a:lvl9pPr>
           </a:lstStyle>
           <a:p>
-            <a:pPr indent="0" lvl="0" marL="0" rtl="0" algn="r">
+            <a:pPr marL="0" lvl="0" indent="0" algn="r" rtl="0">
               <a:spcBef>
                 <a:spcPts val="0"/>
               </a:spcBef>
@@ -3273,11 +3698,11 @@
 </file>
 
 <file path=ppt/slideLayouts/slideLayout3.xml><?xml version="1.0" encoding="utf-8"?>
-<p:sldLayout xmlns:a="http://schemas.openxmlformats.org/drawingml/2006/main" xmlns:r="http://schemas.openxmlformats.org/officeDocument/2006/relationships" xmlns:mc="http://schemas.openxmlformats.org/markup-compatibility/2006" xmlns:mv="urn:schemas-microsoft-com:mac:vml" xmlns:p="http://schemas.openxmlformats.org/presentationml/2006/main" xmlns:c="http://schemas.openxmlformats.org/drawingml/2006/chart" xmlns:dgm="http://schemas.openxmlformats.org/drawingml/2006/diagram" xmlns:o="urn:schemas-microsoft-com:office:office" xmlns:v="urn:schemas-microsoft-com:vml" xmlns:pvml="urn:schemas-microsoft-com:office:powerpoint" xmlns:com="http://schemas.openxmlformats.org/drawingml/2006/compatibility" xmlns:p14="http://schemas.microsoft.com/office/powerpoint/2010/main" xmlns:p15="http://schemas.microsoft.com/office/powerpoint/2012/main" xmlns:ahyp="http://schemas.microsoft.com/office/drawing/2018/hyperlinkcolor" matchingName="Title and body" type="tx">
+<p:sldLayout xmlns:a="http://schemas.openxmlformats.org/drawingml/2006/main" xmlns:r="http://schemas.openxmlformats.org/officeDocument/2006/relationships" xmlns:p="http://schemas.openxmlformats.org/presentationml/2006/main" matchingName="Title and body" type="tx">
   <p:cSld name="TITLE_AND_BODY">
     <p:spTree>
       <p:nvGrpSpPr>
-        <p:cNvPr id="16" name="Shape 16"/>
+        <p:cNvPr id="1" name="Shape 16"/>
         <p:cNvGrpSpPr/>
         <p:nvPr/>
       </p:nvGrpSpPr>
@@ -3292,7 +3717,9 @@
       <p:sp>
         <p:nvSpPr>
           <p:cNvPr id="17" name="Google Shape;17;p4"/>
-          <p:cNvSpPr txBox="1"/>
+          <p:cNvSpPr txBox="1">
+            <a:spLocks noGrp="1"/>
+          </p:cNvSpPr>
           <p:nvPr>
             <p:ph type="title"/>
           </p:nvPr>
@@ -3307,7 +3734,7 @@
           </a:prstGeom>
         </p:spPr>
         <p:txBody>
-          <a:bodyPr anchorCtr="0" anchor="t" bIns="91425" lIns="91425" spcFirstLastPara="1" rIns="91425" wrap="square" tIns="91425">
+          <a:bodyPr spcFirstLastPara="1" wrap="square" lIns="91425" tIns="91425" rIns="91425" bIns="91425" anchor="t" anchorCtr="0">
             <a:normAutofit/>
           </a:bodyPr>
           <a:lstStyle>
@@ -3411,15 +3838,19 @@
               <a:defRPr/>
             </a:lvl9pPr>
           </a:lstStyle>
-          <a:p/>
+          <a:p>
+            <a:endParaRPr/>
+          </a:p>
         </p:txBody>
       </p:sp>
       <p:sp>
         <p:nvSpPr>
           <p:cNvPr id="18" name="Google Shape;18;p4"/>
-          <p:cNvSpPr txBox="1"/>
+          <p:cNvSpPr txBox="1">
+            <a:spLocks noGrp="1"/>
+          </p:cNvSpPr>
           <p:nvPr>
-            <p:ph idx="1" type="body"/>
+            <p:ph type="body" idx="1"/>
           </p:nvPr>
         </p:nvSpPr>
         <p:spPr>
@@ -3432,11 +3863,11 @@
           </a:prstGeom>
         </p:spPr>
         <p:txBody>
-          <a:bodyPr anchorCtr="0" anchor="t" bIns="91425" lIns="91425" spcFirstLastPara="1" rIns="91425" wrap="square" tIns="91425">
+          <a:bodyPr spcFirstLastPara="1" wrap="square" lIns="91425" tIns="91425" rIns="91425" bIns="91425" anchor="t" anchorCtr="0">
             <a:normAutofit/>
           </a:bodyPr>
           <a:lstStyle>
-            <a:lvl1pPr indent="-342900" lvl="0" marL="457200">
+            <a:lvl1pPr marL="457200" lvl="0" indent="-342900">
               <a:spcBef>
                 <a:spcPts val="0"/>
               </a:spcBef>
@@ -3447,7 +3878,7 @@
               <a:buChar char="●"/>
               <a:defRPr/>
             </a:lvl1pPr>
-            <a:lvl2pPr indent="-317500" lvl="1" marL="914400">
+            <a:lvl2pPr marL="914400" lvl="1" indent="-317500">
               <a:spcBef>
                 <a:spcPts val="0"/>
               </a:spcBef>
@@ -3458,7 +3889,7 @@
               <a:buChar char="○"/>
               <a:defRPr/>
             </a:lvl2pPr>
-            <a:lvl3pPr indent="-317500" lvl="2" marL="1371600">
+            <a:lvl3pPr marL="1371600" lvl="2" indent="-317500">
               <a:spcBef>
                 <a:spcPts val="0"/>
               </a:spcBef>
@@ -3469,7 +3900,7 @@
               <a:buChar char="■"/>
               <a:defRPr/>
             </a:lvl3pPr>
-            <a:lvl4pPr indent="-317500" lvl="3" marL="1828800">
+            <a:lvl4pPr marL="1828800" lvl="3" indent="-317500">
               <a:spcBef>
                 <a:spcPts val="0"/>
               </a:spcBef>
@@ -3480,7 +3911,7 @@
               <a:buChar char="●"/>
               <a:defRPr/>
             </a:lvl4pPr>
-            <a:lvl5pPr indent="-317500" lvl="4" marL="2286000">
+            <a:lvl5pPr marL="2286000" lvl="4" indent="-317500">
               <a:spcBef>
                 <a:spcPts val="0"/>
               </a:spcBef>
@@ -3491,7 +3922,7 @@
               <a:buChar char="○"/>
               <a:defRPr/>
             </a:lvl5pPr>
-            <a:lvl6pPr indent="-317500" lvl="5" marL="2743200">
+            <a:lvl6pPr marL="2743200" lvl="5" indent="-317500">
               <a:spcBef>
                 <a:spcPts val="0"/>
               </a:spcBef>
@@ -3502,7 +3933,7 @@
               <a:buChar char="■"/>
               <a:defRPr/>
             </a:lvl6pPr>
-            <a:lvl7pPr indent="-317500" lvl="6" marL="3200400">
+            <a:lvl7pPr marL="3200400" lvl="6" indent="-317500">
               <a:spcBef>
                 <a:spcPts val="0"/>
               </a:spcBef>
@@ -3513,7 +3944,7 @@
               <a:buChar char="●"/>
               <a:defRPr/>
             </a:lvl7pPr>
-            <a:lvl8pPr indent="-317500" lvl="7" marL="3657600">
+            <a:lvl8pPr marL="3657600" lvl="7" indent="-317500">
               <a:spcBef>
                 <a:spcPts val="0"/>
               </a:spcBef>
@@ -3524,7 +3955,7 @@
               <a:buChar char="○"/>
               <a:defRPr/>
             </a:lvl8pPr>
-            <a:lvl9pPr indent="-317500" lvl="8" marL="4114800">
+            <a:lvl9pPr marL="4114800" lvl="8" indent="-317500">
               <a:spcBef>
                 <a:spcPts val="0"/>
               </a:spcBef>
@@ -3536,15 +3967,19 @@
               <a:defRPr/>
             </a:lvl9pPr>
           </a:lstStyle>
-          <a:p/>
+          <a:p>
+            <a:endParaRPr/>
+          </a:p>
         </p:txBody>
       </p:sp>
       <p:sp>
         <p:nvSpPr>
           <p:cNvPr id="19" name="Google Shape;19;p4"/>
-          <p:cNvSpPr txBox="1"/>
+          <p:cNvSpPr txBox="1">
+            <a:spLocks noGrp="1"/>
+          </p:cNvSpPr>
           <p:nvPr>
-            <p:ph idx="12" type="sldNum"/>
+            <p:ph type="sldNum" idx="12"/>
           </p:nvPr>
         </p:nvSpPr>
         <p:spPr>
@@ -3557,7 +3992,7 @@
           </a:prstGeom>
         </p:spPr>
         <p:txBody>
-          <a:bodyPr anchorCtr="0" anchor="ctr" bIns="91425" lIns="91425" spcFirstLastPara="1" rIns="91425" wrap="square" tIns="91425">
+          <a:bodyPr spcFirstLastPara="1" wrap="square" lIns="91425" tIns="91425" rIns="91425" bIns="91425" anchor="ctr" anchorCtr="0">
             <a:normAutofit/>
           </a:bodyPr>
           <a:lstStyle>
@@ -3599,7 +4034,7 @@
             </a:lvl9pPr>
           </a:lstStyle>
           <a:p>
-            <a:pPr indent="0" lvl="0" marL="0" rtl="0" algn="r">
+            <a:pPr marL="0" lvl="0" indent="0" algn="r" rtl="0">
               <a:spcBef>
                 <a:spcPts val="0"/>
               </a:spcBef>
@@ -3625,11 +4060,11 @@
 </file>
 
 <file path=ppt/slideLayouts/slideLayout4.xml><?xml version="1.0" encoding="utf-8"?>
-<p:sldLayout xmlns:a="http://schemas.openxmlformats.org/drawingml/2006/main" xmlns:r="http://schemas.openxmlformats.org/officeDocument/2006/relationships" xmlns:mc="http://schemas.openxmlformats.org/markup-compatibility/2006" xmlns:mv="urn:schemas-microsoft-com:mac:vml" xmlns:p="http://schemas.openxmlformats.org/presentationml/2006/main" xmlns:c="http://schemas.openxmlformats.org/drawingml/2006/chart" xmlns:dgm="http://schemas.openxmlformats.org/drawingml/2006/diagram" xmlns:o="urn:schemas-microsoft-com:office:office" xmlns:v="urn:schemas-microsoft-com:vml" xmlns:pvml="urn:schemas-microsoft-com:office:powerpoint" xmlns:com="http://schemas.openxmlformats.org/drawingml/2006/compatibility" xmlns:p14="http://schemas.microsoft.com/office/powerpoint/2010/main" xmlns:p15="http://schemas.microsoft.com/office/powerpoint/2012/main" xmlns:ahyp="http://schemas.microsoft.com/office/drawing/2018/hyperlinkcolor" matchingName="Title and two columns" type="twoColTx">
+<p:sldLayout xmlns:a="http://schemas.openxmlformats.org/drawingml/2006/main" xmlns:r="http://schemas.openxmlformats.org/officeDocument/2006/relationships" xmlns:p="http://schemas.openxmlformats.org/presentationml/2006/main" matchingName="Title and two columns" type="twoColTx">
   <p:cSld name="TITLE_AND_TWO_COLUMNS">
     <p:spTree>
       <p:nvGrpSpPr>
-        <p:cNvPr id="20" name="Shape 20"/>
+        <p:cNvPr id="1" name="Shape 20"/>
         <p:cNvGrpSpPr/>
         <p:nvPr/>
       </p:nvGrpSpPr>
@@ -3644,7 +4079,9 @@
       <p:sp>
         <p:nvSpPr>
           <p:cNvPr id="21" name="Google Shape;21;p5"/>
-          <p:cNvSpPr txBox="1"/>
+          <p:cNvSpPr txBox="1">
+            <a:spLocks noGrp="1"/>
+          </p:cNvSpPr>
           <p:nvPr>
             <p:ph type="title"/>
           </p:nvPr>
@@ -3659,7 +4096,7 @@
           </a:prstGeom>
         </p:spPr>
         <p:txBody>
-          <a:bodyPr anchorCtr="0" anchor="t" bIns="91425" lIns="91425" spcFirstLastPara="1" rIns="91425" wrap="square" tIns="91425">
+          <a:bodyPr spcFirstLastPara="1" wrap="square" lIns="91425" tIns="91425" rIns="91425" bIns="91425" anchor="t" anchorCtr="0">
             <a:normAutofit/>
           </a:bodyPr>
           <a:lstStyle>
@@ -3763,15 +4200,19 @@
               <a:defRPr/>
             </a:lvl9pPr>
           </a:lstStyle>
-          <a:p/>
+          <a:p>
+            <a:endParaRPr/>
+          </a:p>
         </p:txBody>
       </p:sp>
       <p:sp>
         <p:nvSpPr>
           <p:cNvPr id="22" name="Google Shape;22;p5"/>
-          <p:cNvSpPr txBox="1"/>
+          <p:cNvSpPr txBox="1">
+            <a:spLocks noGrp="1"/>
+          </p:cNvSpPr>
           <p:nvPr>
-            <p:ph idx="1" type="body"/>
+            <p:ph type="body" idx="1"/>
           </p:nvPr>
         </p:nvSpPr>
         <p:spPr>
@@ -3784,11 +4225,11 @@
           </a:prstGeom>
         </p:spPr>
         <p:txBody>
-          <a:bodyPr anchorCtr="0" anchor="t" bIns="91425" lIns="91425" spcFirstLastPara="1" rIns="91425" wrap="square" tIns="91425">
+          <a:bodyPr spcFirstLastPara="1" wrap="square" lIns="91425" tIns="91425" rIns="91425" bIns="91425" anchor="t" anchorCtr="0">
             <a:normAutofit/>
           </a:bodyPr>
           <a:lstStyle>
-            <a:lvl1pPr indent="-317500" lvl="0" marL="457200">
+            <a:lvl1pPr marL="457200" lvl="0" indent="-317500">
               <a:spcBef>
                 <a:spcPts val="0"/>
               </a:spcBef>
@@ -3799,7 +4240,7 @@
               <a:buChar char="●"/>
               <a:defRPr sz="1400"/>
             </a:lvl1pPr>
-            <a:lvl2pPr indent="-304800" lvl="1" marL="914400">
+            <a:lvl2pPr marL="914400" lvl="1" indent="-304800">
               <a:spcBef>
                 <a:spcPts val="0"/>
               </a:spcBef>
@@ -3810,7 +4251,7 @@
               <a:buChar char="○"/>
               <a:defRPr sz="1200"/>
             </a:lvl2pPr>
-            <a:lvl3pPr indent="-304800" lvl="2" marL="1371600">
+            <a:lvl3pPr marL="1371600" lvl="2" indent="-304800">
               <a:spcBef>
                 <a:spcPts val="0"/>
               </a:spcBef>
@@ -3821,7 +4262,7 @@
               <a:buChar char="■"/>
               <a:defRPr sz="1200"/>
             </a:lvl3pPr>
-            <a:lvl4pPr indent="-304800" lvl="3" marL="1828800">
+            <a:lvl4pPr marL="1828800" lvl="3" indent="-304800">
               <a:spcBef>
                 <a:spcPts val="0"/>
               </a:spcBef>
@@ -3832,7 +4273,7 @@
               <a:buChar char="●"/>
               <a:defRPr sz="1200"/>
             </a:lvl4pPr>
-            <a:lvl5pPr indent="-304800" lvl="4" marL="2286000">
+            <a:lvl5pPr marL="2286000" lvl="4" indent="-304800">
               <a:spcBef>
                 <a:spcPts val="0"/>
               </a:spcBef>
@@ -3843,7 +4284,7 @@
               <a:buChar char="○"/>
               <a:defRPr sz="1200"/>
             </a:lvl5pPr>
-            <a:lvl6pPr indent="-304800" lvl="5" marL="2743200">
+            <a:lvl6pPr marL="2743200" lvl="5" indent="-304800">
               <a:spcBef>
                 <a:spcPts val="0"/>
               </a:spcBef>
@@ -3854,7 +4295,7 @@
               <a:buChar char="■"/>
               <a:defRPr sz="1200"/>
             </a:lvl6pPr>
-            <a:lvl7pPr indent="-304800" lvl="6" marL="3200400">
+            <a:lvl7pPr marL="3200400" lvl="6" indent="-304800">
               <a:spcBef>
                 <a:spcPts val="0"/>
               </a:spcBef>
@@ -3865,7 +4306,7 @@
               <a:buChar char="●"/>
               <a:defRPr sz="1200"/>
             </a:lvl7pPr>
-            <a:lvl8pPr indent="-304800" lvl="7" marL="3657600">
+            <a:lvl8pPr marL="3657600" lvl="7" indent="-304800">
               <a:spcBef>
                 <a:spcPts val="0"/>
               </a:spcBef>
@@ -3876,7 +4317,7 @@
               <a:buChar char="○"/>
               <a:defRPr sz="1200"/>
             </a:lvl8pPr>
-            <a:lvl9pPr indent="-304800" lvl="8" marL="4114800">
+            <a:lvl9pPr marL="4114800" lvl="8" indent="-304800">
               <a:spcBef>
                 <a:spcPts val="0"/>
               </a:spcBef>
@@ -3888,15 +4329,19 @@
               <a:defRPr sz="1200"/>
             </a:lvl9pPr>
           </a:lstStyle>
-          <a:p/>
+          <a:p>
+            <a:endParaRPr/>
+          </a:p>
         </p:txBody>
       </p:sp>
       <p:sp>
         <p:nvSpPr>
           <p:cNvPr id="23" name="Google Shape;23;p5"/>
-          <p:cNvSpPr txBox="1"/>
+          <p:cNvSpPr txBox="1">
+            <a:spLocks noGrp="1"/>
+          </p:cNvSpPr>
           <p:nvPr>
-            <p:ph idx="2" type="body"/>
+            <p:ph type="body" idx="2"/>
           </p:nvPr>
         </p:nvSpPr>
         <p:spPr>
@@ -3909,11 +4354,11 @@
           </a:prstGeom>
         </p:spPr>
         <p:txBody>
-          <a:bodyPr anchorCtr="0" anchor="t" bIns="91425" lIns="91425" spcFirstLastPara="1" rIns="91425" wrap="square" tIns="91425">
+          <a:bodyPr spcFirstLastPara="1" wrap="square" lIns="91425" tIns="91425" rIns="91425" bIns="91425" anchor="t" anchorCtr="0">
             <a:normAutofit/>
           </a:bodyPr>
           <a:lstStyle>
-            <a:lvl1pPr indent="-317500" lvl="0" marL="457200">
+            <a:lvl1pPr marL="457200" lvl="0" indent="-317500">
               <a:spcBef>
                 <a:spcPts val="0"/>
               </a:spcBef>
@@ -3924,7 +4369,7 @@
               <a:buChar char="●"/>
               <a:defRPr sz="1400"/>
             </a:lvl1pPr>
-            <a:lvl2pPr indent="-304800" lvl="1" marL="914400">
+            <a:lvl2pPr marL="914400" lvl="1" indent="-304800">
               <a:spcBef>
                 <a:spcPts val="0"/>
               </a:spcBef>
@@ -3935,7 +4380,7 @@
               <a:buChar char="○"/>
               <a:defRPr sz="1200"/>
             </a:lvl2pPr>
-            <a:lvl3pPr indent="-304800" lvl="2" marL="1371600">
+            <a:lvl3pPr marL="1371600" lvl="2" indent="-304800">
               <a:spcBef>
                 <a:spcPts val="0"/>
               </a:spcBef>
@@ -3946,7 +4391,7 @@
               <a:buChar char="■"/>
               <a:defRPr sz="1200"/>
             </a:lvl3pPr>
-            <a:lvl4pPr indent="-304800" lvl="3" marL="1828800">
+            <a:lvl4pPr marL="1828800" lvl="3" indent="-304800">
               <a:spcBef>
                 <a:spcPts val="0"/>
               </a:spcBef>
@@ -3957,7 +4402,7 @@
               <a:buChar char="●"/>
               <a:defRPr sz="1200"/>
             </a:lvl4pPr>
-            <a:lvl5pPr indent="-304800" lvl="4" marL="2286000">
+            <a:lvl5pPr marL="2286000" lvl="4" indent="-304800">
               <a:spcBef>
                 <a:spcPts val="0"/>
               </a:spcBef>
@@ -3968,7 +4413,7 @@
               <a:buChar char="○"/>
               <a:defRPr sz="1200"/>
             </a:lvl5pPr>
-            <a:lvl6pPr indent="-304800" lvl="5" marL="2743200">
+            <a:lvl6pPr marL="2743200" lvl="5" indent="-304800">
               <a:spcBef>
                 <a:spcPts val="0"/>
               </a:spcBef>
@@ -3979,7 +4424,7 @@
               <a:buChar char="■"/>
               <a:defRPr sz="1200"/>
             </a:lvl6pPr>
-            <a:lvl7pPr indent="-304800" lvl="6" marL="3200400">
+            <a:lvl7pPr marL="3200400" lvl="6" indent="-304800">
               <a:spcBef>
                 <a:spcPts val="0"/>
               </a:spcBef>
@@ -3990,7 +4435,7 @@
               <a:buChar char="●"/>
               <a:defRPr sz="1200"/>
             </a:lvl7pPr>
-            <a:lvl8pPr indent="-304800" lvl="7" marL="3657600">
+            <a:lvl8pPr marL="3657600" lvl="7" indent="-304800">
               <a:spcBef>
                 <a:spcPts val="0"/>
               </a:spcBef>
@@ -4001,7 +4446,7 @@
               <a:buChar char="○"/>
               <a:defRPr sz="1200"/>
             </a:lvl8pPr>
-            <a:lvl9pPr indent="-304800" lvl="8" marL="4114800">
+            <a:lvl9pPr marL="4114800" lvl="8" indent="-304800">
               <a:spcBef>
                 <a:spcPts val="0"/>
               </a:spcBef>
@@ -4013,15 +4458,19 @@
               <a:defRPr sz="1200"/>
             </a:lvl9pPr>
           </a:lstStyle>
-          <a:p/>
+          <a:p>
+            <a:endParaRPr/>
+          </a:p>
         </p:txBody>
       </p:sp>
       <p:sp>
         <p:nvSpPr>
           <p:cNvPr id="24" name="Google Shape;24;p5"/>
-          <p:cNvSpPr txBox="1"/>
+          <p:cNvSpPr txBox="1">
+            <a:spLocks noGrp="1"/>
+          </p:cNvSpPr>
           <p:nvPr>
-            <p:ph idx="12" type="sldNum"/>
+            <p:ph type="sldNum" idx="12"/>
           </p:nvPr>
         </p:nvSpPr>
         <p:spPr>
@@ -4034,7 +4483,7 @@
           </a:prstGeom>
         </p:spPr>
         <p:txBody>
-          <a:bodyPr anchorCtr="0" anchor="ctr" bIns="91425" lIns="91425" spcFirstLastPara="1" rIns="91425" wrap="square" tIns="91425">
+          <a:bodyPr spcFirstLastPara="1" wrap="square" lIns="91425" tIns="91425" rIns="91425" bIns="91425" anchor="ctr" anchorCtr="0">
             <a:normAutofit/>
           </a:bodyPr>
           <a:lstStyle>
@@ -4076,7 +4525,7 @@
             </a:lvl9pPr>
           </a:lstStyle>
           <a:p>
-            <a:pPr indent="0" lvl="0" marL="0" rtl="0" algn="r">
+            <a:pPr marL="0" lvl="0" indent="0" algn="r" rtl="0">
               <a:spcBef>
                 <a:spcPts val="0"/>
               </a:spcBef>
@@ -4102,11 +4551,11 @@
 </file>
 
 <file path=ppt/slideLayouts/slideLayout5.xml><?xml version="1.0" encoding="utf-8"?>
-<p:sldLayout xmlns:a="http://schemas.openxmlformats.org/drawingml/2006/main" xmlns:r="http://schemas.openxmlformats.org/officeDocument/2006/relationships" xmlns:mc="http://schemas.openxmlformats.org/markup-compatibility/2006" xmlns:mv="urn:schemas-microsoft-com:mac:vml" xmlns:p="http://schemas.openxmlformats.org/presentationml/2006/main" xmlns:c="http://schemas.openxmlformats.org/drawingml/2006/chart" xmlns:dgm="http://schemas.openxmlformats.org/drawingml/2006/diagram" xmlns:o="urn:schemas-microsoft-com:office:office" xmlns:v="urn:schemas-microsoft-com:vml" xmlns:pvml="urn:schemas-microsoft-com:office:powerpoint" xmlns:com="http://schemas.openxmlformats.org/drawingml/2006/compatibility" xmlns:p14="http://schemas.microsoft.com/office/powerpoint/2010/main" xmlns:p15="http://schemas.microsoft.com/office/powerpoint/2012/main" xmlns:ahyp="http://schemas.microsoft.com/office/drawing/2018/hyperlinkcolor" matchingName="Title only" type="titleOnly">
+<p:sldLayout xmlns:a="http://schemas.openxmlformats.org/drawingml/2006/main" xmlns:r="http://schemas.openxmlformats.org/officeDocument/2006/relationships" xmlns:p="http://schemas.openxmlformats.org/presentationml/2006/main" matchingName="Title only" type="titleOnly">
   <p:cSld name="TITLE_ONLY">
     <p:spTree>
       <p:nvGrpSpPr>
-        <p:cNvPr id="25" name="Shape 25"/>
+        <p:cNvPr id="1" name="Shape 25"/>
         <p:cNvGrpSpPr/>
         <p:nvPr/>
       </p:nvGrpSpPr>
@@ -4121,7 +4570,9 @@
       <p:sp>
         <p:nvSpPr>
           <p:cNvPr id="26" name="Google Shape;26;p6"/>
-          <p:cNvSpPr txBox="1"/>
+          <p:cNvSpPr txBox="1">
+            <a:spLocks noGrp="1"/>
+          </p:cNvSpPr>
           <p:nvPr>
             <p:ph type="title"/>
           </p:nvPr>
@@ -4136,7 +4587,7 @@
           </a:prstGeom>
         </p:spPr>
         <p:txBody>
-          <a:bodyPr anchorCtr="0" anchor="t" bIns="91425" lIns="91425" spcFirstLastPara="1" rIns="91425" wrap="square" tIns="91425">
+          <a:bodyPr spcFirstLastPara="1" wrap="square" lIns="91425" tIns="91425" rIns="91425" bIns="91425" anchor="t" anchorCtr="0">
             <a:normAutofit/>
           </a:bodyPr>
           <a:lstStyle>
@@ -4240,15 +4691,19 @@
               <a:defRPr/>
             </a:lvl9pPr>
           </a:lstStyle>
-          <a:p/>
+          <a:p>
+            <a:endParaRPr/>
+          </a:p>
         </p:txBody>
       </p:sp>
       <p:sp>
         <p:nvSpPr>
           <p:cNvPr id="27" name="Google Shape;27;p6"/>
-          <p:cNvSpPr txBox="1"/>
+          <p:cNvSpPr txBox="1">
+            <a:spLocks noGrp="1"/>
+          </p:cNvSpPr>
           <p:nvPr>
-            <p:ph idx="12" type="sldNum"/>
+            <p:ph type="sldNum" idx="12"/>
           </p:nvPr>
         </p:nvSpPr>
         <p:spPr>
@@ -4261,7 +4716,7 @@
           </a:prstGeom>
         </p:spPr>
         <p:txBody>
-          <a:bodyPr anchorCtr="0" anchor="ctr" bIns="91425" lIns="91425" spcFirstLastPara="1" rIns="91425" wrap="square" tIns="91425">
+          <a:bodyPr spcFirstLastPara="1" wrap="square" lIns="91425" tIns="91425" rIns="91425" bIns="91425" anchor="ctr" anchorCtr="0">
             <a:normAutofit/>
           </a:bodyPr>
           <a:lstStyle>
@@ -4303,7 +4758,7 @@
             </a:lvl9pPr>
           </a:lstStyle>
           <a:p>
-            <a:pPr indent="0" lvl="0" marL="0" rtl="0" algn="r">
+            <a:pPr marL="0" lvl="0" indent="0" algn="r" rtl="0">
               <a:spcBef>
                 <a:spcPts val="0"/>
               </a:spcBef>
@@ -4329,11 +4784,11 @@
 </file>
 
 <file path=ppt/slideLayouts/slideLayout6.xml><?xml version="1.0" encoding="utf-8"?>
-<p:sldLayout xmlns:a="http://schemas.openxmlformats.org/drawingml/2006/main" xmlns:r="http://schemas.openxmlformats.org/officeDocument/2006/relationships" xmlns:mc="http://schemas.openxmlformats.org/markup-compatibility/2006" xmlns:mv="urn:schemas-microsoft-com:mac:vml" xmlns:p="http://schemas.openxmlformats.org/presentationml/2006/main" xmlns:c="http://schemas.openxmlformats.org/drawingml/2006/chart" xmlns:dgm="http://schemas.openxmlformats.org/drawingml/2006/diagram" xmlns:o="urn:schemas-microsoft-com:office:office" xmlns:v="urn:schemas-microsoft-com:vml" xmlns:pvml="urn:schemas-microsoft-com:office:powerpoint" xmlns:com="http://schemas.openxmlformats.org/drawingml/2006/compatibility" xmlns:p14="http://schemas.microsoft.com/office/powerpoint/2010/main" xmlns:p15="http://schemas.microsoft.com/office/powerpoint/2012/main" xmlns:ahyp="http://schemas.microsoft.com/office/drawing/2018/hyperlinkcolor" matchingName="One column text">
+<p:sldLayout xmlns:a="http://schemas.openxmlformats.org/drawingml/2006/main" xmlns:r="http://schemas.openxmlformats.org/officeDocument/2006/relationships" xmlns:p="http://schemas.openxmlformats.org/presentationml/2006/main" matchingName="One column text">
   <p:cSld name="ONE_COLUMN_TEXT">
     <p:spTree>
       <p:nvGrpSpPr>
-        <p:cNvPr id="28" name="Shape 28"/>
+        <p:cNvPr id="1" name="Shape 28"/>
         <p:cNvGrpSpPr/>
         <p:nvPr/>
       </p:nvGrpSpPr>
@@ -4348,7 +4803,9 @@
       <p:sp>
         <p:nvSpPr>
           <p:cNvPr id="29" name="Google Shape;29;p7"/>
-          <p:cNvSpPr txBox="1"/>
+          <p:cNvSpPr txBox="1">
+            <a:spLocks noGrp="1"/>
+          </p:cNvSpPr>
           <p:nvPr>
             <p:ph type="title"/>
           </p:nvPr>
@@ -4363,7 +4820,7 @@
           </a:prstGeom>
         </p:spPr>
         <p:txBody>
-          <a:bodyPr anchorCtr="0" anchor="b" bIns="91425" lIns="91425" spcFirstLastPara="1" rIns="91425" wrap="square" tIns="91425">
+          <a:bodyPr spcFirstLastPara="1" wrap="square" lIns="91425" tIns="91425" rIns="91425" bIns="91425" anchor="b" anchorCtr="0">
             <a:normAutofit/>
           </a:bodyPr>
           <a:lstStyle>
@@ -4467,15 +4924,19 @@
               <a:defRPr sz="2400"/>
             </a:lvl9pPr>
           </a:lstStyle>
-          <a:p/>
+          <a:p>
+            <a:endParaRPr/>
+          </a:p>
         </p:txBody>
       </p:sp>
       <p:sp>
         <p:nvSpPr>
           <p:cNvPr id="30" name="Google Shape;30;p7"/>
-          <p:cNvSpPr txBox="1"/>
+          <p:cNvSpPr txBox="1">
+            <a:spLocks noGrp="1"/>
+          </p:cNvSpPr>
           <p:nvPr>
-            <p:ph idx="1" type="body"/>
+            <p:ph type="body" idx="1"/>
           </p:nvPr>
         </p:nvSpPr>
         <p:spPr>
@@ -4488,11 +4949,11 @@
           </a:prstGeom>
         </p:spPr>
         <p:txBody>
-          <a:bodyPr anchorCtr="0" anchor="t" bIns="91425" lIns="91425" spcFirstLastPara="1" rIns="91425" wrap="square" tIns="91425">
+          <a:bodyPr spcFirstLastPara="1" wrap="square" lIns="91425" tIns="91425" rIns="91425" bIns="91425" anchor="t" anchorCtr="0">
             <a:normAutofit/>
           </a:bodyPr>
           <a:lstStyle>
-            <a:lvl1pPr indent="-304800" lvl="0" marL="457200">
+            <a:lvl1pPr marL="457200" lvl="0" indent="-304800">
               <a:spcBef>
                 <a:spcPts val="0"/>
               </a:spcBef>
@@ -4503,7 +4964,7 @@
               <a:buChar char="●"/>
               <a:defRPr sz="1200"/>
             </a:lvl1pPr>
-            <a:lvl2pPr indent="-304800" lvl="1" marL="914400">
+            <a:lvl2pPr marL="914400" lvl="1" indent="-304800">
               <a:spcBef>
                 <a:spcPts val="0"/>
               </a:spcBef>
@@ -4514,7 +4975,7 @@
               <a:buChar char="○"/>
               <a:defRPr sz="1200"/>
             </a:lvl2pPr>
-            <a:lvl3pPr indent="-304800" lvl="2" marL="1371600">
+            <a:lvl3pPr marL="1371600" lvl="2" indent="-304800">
               <a:spcBef>
                 <a:spcPts val="0"/>
               </a:spcBef>
@@ -4525,7 +4986,7 @@
               <a:buChar char="■"/>
               <a:defRPr sz="1200"/>
             </a:lvl3pPr>
-            <a:lvl4pPr indent="-304800" lvl="3" marL="1828800">
+            <a:lvl4pPr marL="1828800" lvl="3" indent="-304800">
               <a:spcBef>
                 <a:spcPts val="0"/>
               </a:spcBef>
@@ -4536,7 +4997,7 @@
               <a:buChar char="●"/>
               <a:defRPr sz="1200"/>
             </a:lvl4pPr>
-            <a:lvl5pPr indent="-304800" lvl="4" marL="2286000">
+            <a:lvl5pPr marL="2286000" lvl="4" indent="-304800">
               <a:spcBef>
                 <a:spcPts val="0"/>
               </a:spcBef>
@@ -4547,7 +5008,7 @@
               <a:buChar char="○"/>
               <a:defRPr sz="1200"/>
             </a:lvl5pPr>
-            <a:lvl6pPr indent="-304800" lvl="5" marL="2743200">
+            <a:lvl6pPr marL="2743200" lvl="5" indent="-304800">
               <a:spcBef>
                 <a:spcPts val="0"/>
               </a:spcBef>
@@ -4558,7 +5019,7 @@
               <a:buChar char="■"/>
               <a:defRPr sz="1200"/>
             </a:lvl6pPr>
-            <a:lvl7pPr indent="-304800" lvl="6" marL="3200400">
+            <a:lvl7pPr marL="3200400" lvl="6" indent="-304800">
               <a:spcBef>
                 <a:spcPts val="0"/>
               </a:spcBef>
@@ -4569,7 +5030,7 @@
               <a:buChar char="●"/>
               <a:defRPr sz="1200"/>
             </a:lvl7pPr>
-            <a:lvl8pPr indent="-304800" lvl="7" marL="3657600">
+            <a:lvl8pPr marL="3657600" lvl="7" indent="-304800">
               <a:spcBef>
                 <a:spcPts val="0"/>
               </a:spcBef>
@@ -4580,7 +5041,7 @@
               <a:buChar char="○"/>
               <a:defRPr sz="1200"/>
             </a:lvl8pPr>
-            <a:lvl9pPr indent="-304800" lvl="8" marL="4114800">
+            <a:lvl9pPr marL="4114800" lvl="8" indent="-304800">
               <a:spcBef>
                 <a:spcPts val="0"/>
               </a:spcBef>
@@ -4592,15 +5053,19 @@
               <a:defRPr sz="1200"/>
             </a:lvl9pPr>
           </a:lstStyle>
-          <a:p/>
+          <a:p>
+            <a:endParaRPr/>
+          </a:p>
         </p:txBody>
       </p:sp>
       <p:sp>
         <p:nvSpPr>
           <p:cNvPr id="31" name="Google Shape;31;p7"/>
-          <p:cNvSpPr txBox="1"/>
+          <p:cNvSpPr txBox="1">
+            <a:spLocks noGrp="1"/>
+          </p:cNvSpPr>
           <p:nvPr>
-            <p:ph idx="12" type="sldNum"/>
+            <p:ph type="sldNum" idx="12"/>
           </p:nvPr>
         </p:nvSpPr>
         <p:spPr>
@@ -4613,7 +5078,7 @@
           </a:prstGeom>
         </p:spPr>
         <p:txBody>
-          <a:bodyPr anchorCtr="0" anchor="ctr" bIns="91425" lIns="91425" spcFirstLastPara="1" rIns="91425" wrap="square" tIns="91425">
+          <a:bodyPr spcFirstLastPara="1" wrap="square" lIns="91425" tIns="91425" rIns="91425" bIns="91425" anchor="ctr" anchorCtr="0">
             <a:normAutofit/>
           </a:bodyPr>
           <a:lstStyle>
@@ -4655,7 +5120,7 @@
             </a:lvl9pPr>
           </a:lstStyle>
           <a:p>
-            <a:pPr indent="0" lvl="0" marL="0" rtl="0" algn="r">
+            <a:pPr marL="0" lvl="0" indent="0" algn="r" rtl="0">
               <a:spcBef>
                 <a:spcPts val="0"/>
               </a:spcBef>
@@ -4681,11 +5146,11 @@
 </file>
 
 <file path=ppt/slideLayouts/slideLayout7.xml><?xml version="1.0" encoding="utf-8"?>
-<p:sldLayout xmlns:a="http://schemas.openxmlformats.org/drawingml/2006/main" xmlns:r="http://schemas.openxmlformats.org/officeDocument/2006/relationships" xmlns:mc="http://schemas.openxmlformats.org/markup-compatibility/2006" xmlns:mv="urn:schemas-microsoft-com:mac:vml" xmlns:p="http://schemas.openxmlformats.org/presentationml/2006/main" xmlns:c="http://schemas.openxmlformats.org/drawingml/2006/chart" xmlns:dgm="http://schemas.openxmlformats.org/drawingml/2006/diagram" xmlns:o="urn:schemas-microsoft-com:office:office" xmlns:v="urn:schemas-microsoft-com:vml" xmlns:pvml="urn:schemas-microsoft-com:office:powerpoint" xmlns:com="http://schemas.openxmlformats.org/drawingml/2006/compatibility" xmlns:p14="http://schemas.microsoft.com/office/powerpoint/2010/main" xmlns:p15="http://schemas.microsoft.com/office/powerpoint/2012/main" xmlns:ahyp="http://schemas.microsoft.com/office/drawing/2018/hyperlinkcolor" matchingName="Main point">
+<p:sldLayout xmlns:a="http://schemas.openxmlformats.org/drawingml/2006/main" xmlns:r="http://schemas.openxmlformats.org/officeDocument/2006/relationships" xmlns:p="http://schemas.openxmlformats.org/presentationml/2006/main" matchingName="Main point">
   <p:cSld name="MAIN_POINT">
     <p:spTree>
       <p:nvGrpSpPr>
-        <p:cNvPr id="32" name="Shape 32"/>
+        <p:cNvPr id="1" name="Shape 32"/>
         <p:cNvGrpSpPr/>
         <p:nvPr/>
       </p:nvGrpSpPr>
@@ -4700,7 +5165,9 @@
       <p:sp>
         <p:nvSpPr>
           <p:cNvPr id="33" name="Google Shape;33;p8"/>
-          <p:cNvSpPr txBox="1"/>
+          <p:cNvSpPr txBox="1">
+            <a:spLocks noGrp="1"/>
+          </p:cNvSpPr>
           <p:nvPr>
             <p:ph type="title"/>
           </p:nvPr>
@@ -4715,7 +5182,7 @@
           </a:prstGeom>
         </p:spPr>
         <p:txBody>
-          <a:bodyPr anchorCtr="0" anchor="ctr" bIns="91425" lIns="91425" spcFirstLastPara="1" rIns="91425" wrap="square" tIns="91425">
+          <a:bodyPr spcFirstLastPara="1" wrap="square" lIns="91425" tIns="91425" rIns="91425" bIns="91425" anchor="ctr" anchorCtr="0">
             <a:normAutofit/>
           </a:bodyPr>
           <a:lstStyle>
@@ -4819,15 +5286,19 @@
               <a:defRPr sz="4800"/>
             </a:lvl9pPr>
           </a:lstStyle>
-          <a:p/>
+          <a:p>
+            <a:endParaRPr/>
+          </a:p>
         </p:txBody>
       </p:sp>
       <p:sp>
         <p:nvSpPr>
           <p:cNvPr id="34" name="Google Shape;34;p8"/>
-          <p:cNvSpPr txBox="1"/>
+          <p:cNvSpPr txBox="1">
+            <a:spLocks noGrp="1"/>
+          </p:cNvSpPr>
           <p:nvPr>
-            <p:ph idx="12" type="sldNum"/>
+            <p:ph type="sldNum" idx="12"/>
           </p:nvPr>
         </p:nvSpPr>
         <p:spPr>
@@ -4840,7 +5311,7 @@
           </a:prstGeom>
         </p:spPr>
         <p:txBody>
-          <a:bodyPr anchorCtr="0" anchor="ctr" bIns="91425" lIns="91425" spcFirstLastPara="1" rIns="91425" wrap="square" tIns="91425">
+          <a:bodyPr spcFirstLastPara="1" wrap="square" lIns="91425" tIns="91425" rIns="91425" bIns="91425" anchor="ctr" anchorCtr="0">
             <a:normAutofit/>
           </a:bodyPr>
           <a:lstStyle>
@@ -4882,7 +5353,7 @@
             </a:lvl9pPr>
           </a:lstStyle>
           <a:p>
-            <a:pPr indent="0" lvl="0" marL="0" rtl="0" algn="r">
+            <a:pPr marL="0" lvl="0" indent="0" algn="r" rtl="0">
               <a:spcBef>
                 <a:spcPts val="0"/>
               </a:spcBef>
@@ -4908,11 +5379,11 @@
 </file>
 
 <file path=ppt/slideLayouts/slideLayout8.xml><?xml version="1.0" encoding="utf-8"?>
-<p:sldLayout xmlns:a="http://schemas.openxmlformats.org/drawingml/2006/main" xmlns:r="http://schemas.openxmlformats.org/officeDocument/2006/relationships" xmlns:mc="http://schemas.openxmlformats.org/markup-compatibility/2006" xmlns:mv="urn:schemas-microsoft-com:mac:vml" xmlns:p="http://schemas.openxmlformats.org/presentationml/2006/main" xmlns:c="http://schemas.openxmlformats.org/drawingml/2006/chart" xmlns:dgm="http://schemas.openxmlformats.org/drawingml/2006/diagram" xmlns:o="urn:schemas-microsoft-com:office:office" xmlns:v="urn:schemas-microsoft-com:vml" xmlns:pvml="urn:schemas-microsoft-com:office:powerpoint" xmlns:com="http://schemas.openxmlformats.org/drawingml/2006/compatibility" xmlns:p14="http://schemas.microsoft.com/office/powerpoint/2010/main" xmlns:p15="http://schemas.microsoft.com/office/powerpoint/2012/main" xmlns:ahyp="http://schemas.microsoft.com/office/drawing/2018/hyperlinkcolor" matchingName="Section title and description">
+<p:sldLayout xmlns:a="http://schemas.openxmlformats.org/drawingml/2006/main" xmlns:r="http://schemas.openxmlformats.org/officeDocument/2006/relationships" xmlns:p="http://schemas.openxmlformats.org/presentationml/2006/main" matchingName="Section title and description">
   <p:cSld name="SECTION_TITLE_AND_DESCRIPTION">
     <p:spTree>
       <p:nvGrpSpPr>
-        <p:cNvPr id="35" name="Shape 35"/>
+        <p:cNvPr id="1" name="Shape 35"/>
         <p:cNvGrpSpPr/>
         <p:nvPr/>
       </p:nvGrpSpPr>
@@ -4946,12 +5417,12 @@
           </a:ln>
         </p:spPr>
         <p:txBody>
-          <a:bodyPr anchorCtr="0" anchor="ctr" bIns="91425" lIns="91425" spcFirstLastPara="1" rIns="91425" wrap="square" tIns="91425">
+          <a:bodyPr spcFirstLastPara="1" wrap="square" lIns="91425" tIns="91425" rIns="91425" bIns="91425" anchor="ctr" anchorCtr="0">
             <a:noAutofit/>
           </a:bodyPr>
           <a:lstStyle/>
           <a:p>
-            <a:pPr indent="0" lvl="0" marL="0" rtl="0" algn="l">
+            <a:pPr marL="0" lvl="0" indent="0" algn="l" rtl="0">
               <a:spcBef>
                 <a:spcPts val="0"/>
               </a:spcBef>
@@ -4960,9 +5431,6 @@
               </a:spcAft>
               <a:buNone/>
             </a:pPr>
-            <a:r>
-              <a:t/>
-            </a:r>
             <a:endParaRPr/>
           </a:p>
         </p:txBody>
@@ -4970,7 +5438,9 @@
       <p:sp>
         <p:nvSpPr>
           <p:cNvPr id="37" name="Google Shape;37;p9"/>
-          <p:cNvSpPr txBox="1"/>
+          <p:cNvSpPr txBox="1">
+            <a:spLocks noGrp="1"/>
+          </p:cNvSpPr>
           <p:nvPr>
             <p:ph type="title"/>
           </p:nvPr>
@@ -4985,7 +5455,7 @@
           </a:prstGeom>
         </p:spPr>
         <p:txBody>
-          <a:bodyPr anchorCtr="0" anchor="b" bIns="91425" lIns="91425" spcFirstLastPara="1" rIns="91425" wrap="square" tIns="91425">
+          <a:bodyPr spcFirstLastPara="1" wrap="square" lIns="91425" tIns="91425" rIns="91425" bIns="91425" anchor="b" anchorCtr="0">
             <a:normAutofit/>
           </a:bodyPr>
           <a:lstStyle>
@@ -5089,15 +5559,19 @@
               <a:defRPr sz="4200"/>
             </a:lvl9pPr>
           </a:lstStyle>
-          <a:p/>
+          <a:p>
+            <a:endParaRPr/>
+          </a:p>
         </p:txBody>
       </p:sp>
       <p:sp>
         <p:nvSpPr>
           <p:cNvPr id="38" name="Google Shape;38;p9"/>
-          <p:cNvSpPr txBox="1"/>
+          <p:cNvSpPr txBox="1">
+            <a:spLocks noGrp="1"/>
+          </p:cNvSpPr>
           <p:nvPr>
-            <p:ph idx="1" type="subTitle"/>
+            <p:ph type="subTitle" idx="1"/>
           </p:nvPr>
         </p:nvSpPr>
         <p:spPr>
@@ -5110,7 +5584,7 @@
           </a:prstGeom>
         </p:spPr>
         <p:txBody>
-          <a:bodyPr anchorCtr="0" anchor="t" bIns="91425" lIns="91425" spcFirstLastPara="1" rIns="91425" wrap="square" tIns="91425">
+          <a:bodyPr spcFirstLastPara="1" wrap="square" lIns="91425" tIns="91425" rIns="91425" bIns="91425" anchor="t" anchorCtr="0">
             <a:normAutofit/>
           </a:bodyPr>
           <a:lstStyle>
@@ -5241,15 +5715,19 @@
               <a:defRPr sz="2100"/>
             </a:lvl9pPr>
           </a:lstStyle>
-          <a:p/>
+          <a:p>
+            <a:endParaRPr/>
+          </a:p>
         </p:txBody>
       </p:sp>
       <p:sp>
         <p:nvSpPr>
           <p:cNvPr id="39" name="Google Shape;39;p9"/>
-          <p:cNvSpPr txBox="1"/>
+          <p:cNvSpPr txBox="1">
+            <a:spLocks noGrp="1"/>
+          </p:cNvSpPr>
           <p:nvPr>
-            <p:ph idx="2" type="body"/>
+            <p:ph type="body" idx="2"/>
           </p:nvPr>
         </p:nvSpPr>
         <p:spPr>
@@ -5262,11 +5740,11 @@
           </a:prstGeom>
         </p:spPr>
         <p:txBody>
-          <a:bodyPr anchorCtr="0" anchor="ctr" bIns="91425" lIns="91425" spcFirstLastPara="1" rIns="91425" wrap="square" tIns="91425">
+          <a:bodyPr spcFirstLastPara="1" wrap="square" lIns="91425" tIns="91425" rIns="91425" bIns="91425" anchor="ctr" anchorCtr="0">
             <a:normAutofit/>
           </a:bodyPr>
           <a:lstStyle>
-            <a:lvl1pPr indent="-342900" lvl="0" marL="457200">
+            <a:lvl1pPr marL="457200" lvl="0" indent="-342900">
               <a:spcBef>
                 <a:spcPts val="0"/>
               </a:spcBef>
@@ -5277,7 +5755,7 @@
               <a:buChar char="●"/>
               <a:defRPr/>
             </a:lvl1pPr>
-            <a:lvl2pPr indent="-317500" lvl="1" marL="914400">
+            <a:lvl2pPr marL="914400" lvl="1" indent="-317500">
               <a:spcBef>
                 <a:spcPts val="0"/>
               </a:spcBef>
@@ -5288,7 +5766,7 @@
               <a:buChar char="○"/>
               <a:defRPr/>
             </a:lvl2pPr>
-            <a:lvl3pPr indent="-317500" lvl="2" marL="1371600">
+            <a:lvl3pPr marL="1371600" lvl="2" indent="-317500">
               <a:spcBef>
                 <a:spcPts val="0"/>
               </a:spcBef>
@@ -5299,7 +5777,7 @@
               <a:buChar char="■"/>
               <a:defRPr/>
             </a:lvl3pPr>
-            <a:lvl4pPr indent="-317500" lvl="3" marL="1828800">
+            <a:lvl4pPr marL="1828800" lvl="3" indent="-317500">
               <a:spcBef>
                 <a:spcPts val="0"/>
               </a:spcBef>
@@ -5310,7 +5788,7 @@
               <a:buChar char="●"/>
               <a:defRPr/>
             </a:lvl4pPr>
-            <a:lvl5pPr indent="-317500" lvl="4" marL="2286000">
+            <a:lvl5pPr marL="2286000" lvl="4" indent="-317500">
               <a:spcBef>
                 <a:spcPts val="0"/>
               </a:spcBef>
@@ -5321,7 +5799,7 @@
               <a:buChar char="○"/>
               <a:defRPr/>
             </a:lvl5pPr>
-            <a:lvl6pPr indent="-317500" lvl="5" marL="2743200">
+            <a:lvl6pPr marL="2743200" lvl="5" indent="-317500">
               <a:spcBef>
                 <a:spcPts val="0"/>
               </a:spcBef>
@@ -5332,7 +5810,7 @@
               <a:buChar char="■"/>
               <a:defRPr/>
             </a:lvl6pPr>
-            <a:lvl7pPr indent="-317500" lvl="6" marL="3200400">
+            <a:lvl7pPr marL="3200400" lvl="6" indent="-317500">
               <a:spcBef>
                 <a:spcPts val="0"/>
               </a:spcBef>
@@ -5343,7 +5821,7 @@
               <a:buChar char="●"/>
               <a:defRPr/>
             </a:lvl7pPr>
-            <a:lvl8pPr indent="-317500" lvl="7" marL="3657600">
+            <a:lvl8pPr marL="3657600" lvl="7" indent="-317500">
               <a:spcBef>
                 <a:spcPts val="0"/>
               </a:spcBef>
@@ -5354,7 +5832,7 @@
               <a:buChar char="○"/>
               <a:defRPr/>
             </a:lvl8pPr>
-            <a:lvl9pPr indent="-317500" lvl="8" marL="4114800">
+            <a:lvl9pPr marL="4114800" lvl="8" indent="-317500">
               <a:spcBef>
                 <a:spcPts val="0"/>
               </a:spcBef>
@@ -5366,15 +5844,19 @@
               <a:defRPr/>
             </a:lvl9pPr>
           </a:lstStyle>
-          <a:p/>
+          <a:p>
+            <a:endParaRPr/>
+          </a:p>
         </p:txBody>
       </p:sp>
       <p:sp>
         <p:nvSpPr>
           <p:cNvPr id="40" name="Google Shape;40;p9"/>
-          <p:cNvSpPr txBox="1"/>
+          <p:cNvSpPr txBox="1">
+            <a:spLocks noGrp="1"/>
+          </p:cNvSpPr>
           <p:nvPr>
-            <p:ph idx="12" type="sldNum"/>
+            <p:ph type="sldNum" idx="12"/>
           </p:nvPr>
         </p:nvSpPr>
         <p:spPr>
@@ -5387,7 +5869,7 @@
           </a:prstGeom>
         </p:spPr>
         <p:txBody>
-          <a:bodyPr anchorCtr="0" anchor="ctr" bIns="91425" lIns="91425" spcFirstLastPara="1" rIns="91425" wrap="square" tIns="91425">
+          <a:bodyPr spcFirstLastPara="1" wrap="square" lIns="91425" tIns="91425" rIns="91425" bIns="91425" anchor="ctr" anchorCtr="0">
             <a:normAutofit/>
           </a:bodyPr>
           <a:lstStyle>
@@ -5429,7 +5911,7 @@
             </a:lvl9pPr>
           </a:lstStyle>
           <a:p>
-            <a:pPr indent="0" lvl="0" marL="0" rtl="0" algn="r">
+            <a:pPr marL="0" lvl="0" indent="0" algn="r" rtl="0">
               <a:spcBef>
                 <a:spcPts val="0"/>
               </a:spcBef>
@@ -5455,11 +5937,11 @@
 </file>
 
 <file path=ppt/slideLayouts/slideLayout9.xml><?xml version="1.0" encoding="utf-8"?>
-<p:sldLayout xmlns:a="http://schemas.openxmlformats.org/drawingml/2006/main" xmlns:r="http://schemas.openxmlformats.org/officeDocument/2006/relationships" xmlns:mc="http://schemas.openxmlformats.org/markup-compatibility/2006" xmlns:mv="urn:schemas-microsoft-com:mac:vml" xmlns:p="http://schemas.openxmlformats.org/presentationml/2006/main" xmlns:c="http://schemas.openxmlformats.org/drawingml/2006/chart" xmlns:dgm="http://schemas.openxmlformats.org/drawingml/2006/diagram" xmlns:o="urn:schemas-microsoft-com:office:office" xmlns:v="urn:schemas-microsoft-com:vml" xmlns:pvml="urn:schemas-microsoft-com:office:powerpoint" xmlns:com="http://schemas.openxmlformats.org/drawingml/2006/compatibility" xmlns:p14="http://schemas.microsoft.com/office/powerpoint/2010/main" xmlns:p15="http://schemas.microsoft.com/office/powerpoint/2012/main" xmlns:ahyp="http://schemas.microsoft.com/office/drawing/2018/hyperlinkcolor" matchingName="Caption">
+<p:sldLayout xmlns:a="http://schemas.openxmlformats.org/drawingml/2006/main" xmlns:r="http://schemas.openxmlformats.org/officeDocument/2006/relationships" xmlns:p="http://schemas.openxmlformats.org/presentationml/2006/main" matchingName="Caption">
   <p:cSld name="CAPTION_ONLY">
     <p:spTree>
       <p:nvGrpSpPr>
-        <p:cNvPr id="41" name="Shape 41"/>
+        <p:cNvPr id="1" name="Shape 41"/>
         <p:cNvGrpSpPr/>
         <p:nvPr/>
       </p:nvGrpSpPr>
@@ -5474,9 +5956,11 @@
       <p:sp>
         <p:nvSpPr>
           <p:cNvPr id="42" name="Google Shape;42;p10"/>
-          <p:cNvSpPr txBox="1"/>
+          <p:cNvSpPr txBox="1">
+            <a:spLocks noGrp="1"/>
+          </p:cNvSpPr>
           <p:nvPr>
-            <p:ph idx="1" type="body"/>
+            <p:ph type="body" idx="1"/>
           </p:nvPr>
         </p:nvSpPr>
         <p:spPr>
@@ -5489,11 +5973,11 @@
           </a:prstGeom>
         </p:spPr>
         <p:txBody>
-          <a:bodyPr anchorCtr="0" anchor="ctr" bIns="91425" lIns="91425" spcFirstLastPara="1" rIns="91425" wrap="square" tIns="91425">
+          <a:bodyPr spcFirstLastPara="1" wrap="square" lIns="91425" tIns="91425" rIns="91425" bIns="91425" anchor="ctr" anchorCtr="0">
             <a:normAutofit/>
           </a:bodyPr>
           <a:lstStyle>
-            <a:lvl1pPr indent="-228600" lvl="0" marL="457200">
+            <a:lvl1pPr marL="457200" lvl="0" indent="-228600">
               <a:lnSpc>
                 <a:spcPct val="100000"/>
               </a:lnSpc>
@@ -5508,15 +5992,19 @@
               <a:defRPr/>
             </a:lvl1pPr>
           </a:lstStyle>
-          <a:p/>
+          <a:p>
+            <a:endParaRPr/>
+          </a:p>
         </p:txBody>
       </p:sp>
       <p:sp>
         <p:nvSpPr>
           <p:cNvPr id="43" name="Google Shape;43;p10"/>
-          <p:cNvSpPr txBox="1"/>
+          <p:cNvSpPr txBox="1">
+            <a:spLocks noGrp="1"/>
+          </p:cNvSpPr>
           <p:nvPr>
-            <p:ph idx="12" type="sldNum"/>
+            <p:ph type="sldNum" idx="12"/>
           </p:nvPr>
         </p:nvSpPr>
         <p:spPr>
@@ -5529,7 +6017,7 @@
           </a:prstGeom>
         </p:spPr>
         <p:txBody>
-          <a:bodyPr anchorCtr="0" anchor="ctr" bIns="91425" lIns="91425" spcFirstLastPara="1" rIns="91425" wrap="square" tIns="91425">
+          <a:bodyPr spcFirstLastPara="1" wrap="square" lIns="91425" tIns="91425" rIns="91425" bIns="91425" anchor="ctr" anchorCtr="0">
             <a:normAutofit/>
           </a:bodyPr>
           <a:lstStyle>
@@ -5571,7 +6059,7 @@
             </a:lvl9pPr>
           </a:lstStyle>
           <a:p>
-            <a:pPr indent="0" lvl="0" marL="0" rtl="0" algn="r">
+            <a:pPr marL="0" lvl="0" indent="0" algn="r" rtl="0">
               <a:spcBef>
                 <a:spcPts val="0"/>
               </a:spcBef>
@@ -5597,18 +6085,19 @@
 </file>
 
 <file path=ppt/slideMasters/slideMaster1.xml><?xml version="1.0" encoding="utf-8"?>
-<p:sldMaster xmlns:a="http://schemas.openxmlformats.org/drawingml/2006/main" xmlns:r="http://schemas.openxmlformats.org/officeDocument/2006/relationships" xmlns:mc="http://schemas.openxmlformats.org/markup-compatibility/2006" xmlns:mv="urn:schemas-microsoft-com:mac:vml" xmlns:p="http://schemas.openxmlformats.org/presentationml/2006/main" xmlns:c="http://schemas.openxmlformats.org/drawingml/2006/chart" xmlns:dgm="http://schemas.openxmlformats.org/drawingml/2006/diagram" xmlns:o="urn:schemas-microsoft-com:office:office" xmlns:v="urn:schemas-microsoft-com:vml" xmlns:pvml="urn:schemas-microsoft-com:office:powerpoint" xmlns:com="http://schemas.openxmlformats.org/drawingml/2006/compatibility" xmlns:p14="http://schemas.microsoft.com/office/powerpoint/2010/main" xmlns:p15="http://schemas.microsoft.com/office/powerpoint/2012/main" xmlns:ahyp="http://schemas.microsoft.com/office/drawing/2018/hyperlinkcolor">
+<p:sldMaster xmlns:a="http://schemas.openxmlformats.org/drawingml/2006/main" xmlns:r="http://schemas.openxmlformats.org/officeDocument/2006/relationships" xmlns:p="http://schemas.openxmlformats.org/presentationml/2006/main">
   <p:cSld name="simple-light-2">
     <p:bg>
       <p:bgPr>
         <a:solidFill>
           <a:schemeClr val="lt1"/>
         </a:solidFill>
+        <a:effectLst/>
       </p:bgPr>
     </p:bg>
     <p:spTree>
       <p:nvGrpSpPr>
-        <p:cNvPr id="5" name="Shape 5"/>
+        <p:cNvPr id="1" name="Shape 5"/>
         <p:cNvGrpSpPr/>
         <p:nvPr/>
       </p:nvGrpSpPr>
@@ -5623,7 +6112,9 @@
       <p:sp>
         <p:nvSpPr>
           <p:cNvPr id="6" name="Google Shape;6;p1"/>
-          <p:cNvSpPr txBox="1"/>
+          <p:cNvSpPr txBox="1">
+            <a:spLocks noGrp="1"/>
+          </p:cNvSpPr>
           <p:nvPr>
             <p:ph type="title"/>
           </p:nvPr>
@@ -5642,7 +6133,7 @@
           </a:ln>
         </p:spPr>
         <p:txBody>
-          <a:bodyPr anchorCtr="0" anchor="t" bIns="91425" lIns="91425" spcFirstLastPara="1" rIns="91425" wrap="square" tIns="91425">
+          <a:bodyPr spcFirstLastPara="1" wrap="square" lIns="91425" tIns="91425" rIns="91425" bIns="91425" anchor="t" anchorCtr="0">
             <a:normAutofit/>
           </a:bodyPr>
           <a:lstStyle>
@@ -5809,15 +6300,19 @@
               </a:defRPr>
             </a:lvl9pPr>
           </a:lstStyle>
-          <a:p/>
+          <a:p>
+            <a:endParaRPr/>
+          </a:p>
         </p:txBody>
       </p:sp>
       <p:sp>
         <p:nvSpPr>
           <p:cNvPr id="7" name="Google Shape;7;p1"/>
-          <p:cNvSpPr txBox="1"/>
+          <p:cNvSpPr txBox="1">
+            <a:spLocks noGrp="1"/>
+          </p:cNvSpPr>
           <p:nvPr>
-            <p:ph idx="1" type="body"/>
+            <p:ph type="body" idx="1"/>
           </p:nvPr>
         </p:nvSpPr>
         <p:spPr>
@@ -5834,11 +6329,11 @@
           </a:ln>
         </p:spPr>
         <p:txBody>
-          <a:bodyPr anchorCtr="0" anchor="t" bIns="91425" lIns="91425" spcFirstLastPara="1" rIns="91425" wrap="square" tIns="91425">
+          <a:bodyPr spcFirstLastPara="1" wrap="square" lIns="91425" tIns="91425" rIns="91425" bIns="91425" anchor="t" anchorCtr="0">
             <a:normAutofit/>
           </a:bodyPr>
           <a:lstStyle>
-            <a:lvl1pPr indent="-342900" lvl="0" marL="457200">
+            <a:lvl1pPr marL="457200" lvl="0" indent="-342900">
               <a:lnSpc>
                 <a:spcPct val="115000"/>
               </a:lnSpc>
@@ -5859,7 +6354,7 @@
                 </a:solidFill>
               </a:defRPr>
             </a:lvl1pPr>
-            <a:lvl2pPr indent="-317500" lvl="1" marL="914400">
+            <a:lvl2pPr marL="914400" lvl="1" indent="-317500">
               <a:lnSpc>
                 <a:spcPct val="115000"/>
               </a:lnSpc>
@@ -5880,7 +6375,7 @@
                 </a:solidFill>
               </a:defRPr>
             </a:lvl2pPr>
-            <a:lvl3pPr indent="-317500" lvl="2" marL="1371600">
+            <a:lvl3pPr marL="1371600" lvl="2" indent="-317500">
               <a:lnSpc>
                 <a:spcPct val="115000"/>
               </a:lnSpc>
@@ -5901,7 +6396,7 @@
                 </a:solidFill>
               </a:defRPr>
             </a:lvl3pPr>
-            <a:lvl4pPr indent="-317500" lvl="3" marL="1828800">
+            <a:lvl4pPr marL="1828800" lvl="3" indent="-317500">
               <a:lnSpc>
                 <a:spcPct val="115000"/>
               </a:lnSpc>
@@ -5922,7 +6417,7 @@
                 </a:solidFill>
               </a:defRPr>
             </a:lvl4pPr>
-            <a:lvl5pPr indent="-317500" lvl="4" marL="2286000">
+            <a:lvl5pPr marL="2286000" lvl="4" indent="-317500">
               <a:lnSpc>
                 <a:spcPct val="115000"/>
               </a:lnSpc>
@@ -5943,7 +6438,7 @@
                 </a:solidFill>
               </a:defRPr>
             </a:lvl5pPr>
-            <a:lvl6pPr indent="-317500" lvl="5" marL="2743200">
+            <a:lvl6pPr marL="2743200" lvl="5" indent="-317500">
               <a:lnSpc>
                 <a:spcPct val="115000"/>
               </a:lnSpc>
@@ -5964,7 +6459,7 @@
                 </a:solidFill>
               </a:defRPr>
             </a:lvl6pPr>
-            <a:lvl7pPr indent="-317500" lvl="6" marL="3200400">
+            <a:lvl7pPr marL="3200400" lvl="6" indent="-317500">
               <a:lnSpc>
                 <a:spcPct val="115000"/>
               </a:lnSpc>
@@ -5985,7 +6480,7 @@
                 </a:solidFill>
               </a:defRPr>
             </a:lvl7pPr>
-            <a:lvl8pPr indent="-317500" lvl="7" marL="3657600">
+            <a:lvl8pPr marL="3657600" lvl="7" indent="-317500">
               <a:lnSpc>
                 <a:spcPct val="115000"/>
               </a:lnSpc>
@@ -6006,7 +6501,7 @@
                 </a:solidFill>
               </a:defRPr>
             </a:lvl8pPr>
-            <a:lvl9pPr indent="-317500" lvl="8" marL="4114800">
+            <a:lvl9pPr marL="4114800" lvl="8" indent="-317500">
               <a:lnSpc>
                 <a:spcPct val="115000"/>
               </a:lnSpc>
@@ -6028,15 +6523,19 @@
               </a:defRPr>
             </a:lvl9pPr>
           </a:lstStyle>
-          <a:p/>
+          <a:p>
+            <a:endParaRPr/>
+          </a:p>
         </p:txBody>
       </p:sp>
       <p:sp>
         <p:nvSpPr>
           <p:cNvPr id="8" name="Google Shape;8;p1"/>
-          <p:cNvSpPr txBox="1"/>
+          <p:cNvSpPr txBox="1">
+            <a:spLocks noGrp="1"/>
+          </p:cNvSpPr>
           <p:nvPr>
-            <p:ph idx="12" type="sldNum"/>
+            <p:ph type="sldNum" idx="12"/>
           </p:nvPr>
         </p:nvSpPr>
         <p:spPr>
@@ -6053,7 +6552,7 @@
           </a:ln>
         </p:spPr>
         <p:txBody>
-          <a:bodyPr anchorCtr="0" anchor="ctr" bIns="91425" lIns="91425" spcFirstLastPara="1" rIns="91425" wrap="square" tIns="91425">
+          <a:bodyPr spcFirstLastPara="1" wrap="square" lIns="91425" tIns="91425" rIns="91425" bIns="91425" anchor="ctr" anchorCtr="0">
             <a:normAutofit/>
           </a:bodyPr>
           <a:lstStyle>
@@ -6131,7 +6630,7 @@
             </a:lvl9pPr>
           </a:lstStyle>
           <a:p>
-            <a:pPr indent="0" lvl="0" marL="0" rtl="0" algn="r">
+            <a:pPr marL="0" lvl="0" indent="0" algn="r" rtl="0">
               <a:spcBef>
                 <a:spcPts val="0"/>
               </a:spcBef>
@@ -6150,7 +6649,7 @@
       </p:sp>
     </p:spTree>
   </p:cSld>
-  <p:clrMap accent1="accent1" accent2="accent2" accent3="accent3" accent4="accent4" accent5="accent5" accent6="accent6" bg1="lt1" bg2="dk2" tx1="dk1" tx2="lt2" folHlink="folHlink" hlink="hlink"/>
+  <p:clrMap bg1="lt1" tx1="dk1" bg2="dk2" tx2="lt2" accent1="accent1" accent2="accent2" accent3="accent3" accent4="accent4" accent5="accent5" accent6="accent6" hlink="hlink" folHlink="folHlink"/>
   <p:sldLayoutIdLst>
     <p:sldLayoutId id="2147483648" r:id="rId1"/>
     <p:sldLayoutId id="2147483649" r:id="rId2"/>
@@ -6164,10 +6663,10 @@
     <p:sldLayoutId id="2147483657" r:id="rId10"/>
     <p:sldLayoutId id="2147483658" r:id="rId11"/>
   </p:sldLayoutIdLst>
-  <p:hf dt="0" ftr="0" hdr="0" sldNum="0"/>
+  <p:hf sldNum="0" hdr="0" ftr="0" dt="0"/>
   <p:txStyles>
     <p:titleStyle>
-      <a:defPPr lvl="0" marR="0" rtl="0" algn="l">
+      <a:defPPr marR="0" lvl="0" algn="l" rtl="0">
         <a:lnSpc>
           <a:spcPct val="100000"/>
         </a:lnSpc>
@@ -6178,7 +6677,7 @@
           <a:spcPts val="0"/>
         </a:spcAft>
       </a:defPPr>
-      <a:lvl1pPr lvl="0" marR="0" rtl="0" algn="l">
+      <a:lvl1pPr marR="0" lvl="0" algn="l" rtl="0">
         <a:lnSpc>
           <a:spcPct val="100000"/>
         </a:lnSpc>
@@ -6192,7 +6691,7 @@
           <a:srgbClr val="000000"/>
         </a:buClr>
         <a:buFont typeface="Arial"/>
-        <a:defRPr b="0" i="0" sz="1400" u="none" cap="none" strike="noStrike">
+        <a:defRPr sz="1400" b="0" i="0" u="none" strike="noStrike" cap="none">
           <a:solidFill>
             <a:srgbClr val="000000"/>
           </a:solidFill>
@@ -6202,7 +6701,7 @@
           <a:sym typeface="Arial"/>
         </a:defRPr>
       </a:lvl1pPr>
-      <a:lvl2pPr lvl="1" marR="0" rtl="0" algn="l">
+      <a:lvl2pPr marR="0" lvl="1" algn="l" rtl="0">
         <a:lnSpc>
           <a:spcPct val="100000"/>
         </a:lnSpc>
@@ -6216,7 +6715,7 @@
           <a:srgbClr val="000000"/>
         </a:buClr>
         <a:buFont typeface="Arial"/>
-        <a:defRPr b="0" i="0" sz="1400" u="none" cap="none" strike="noStrike">
+        <a:defRPr sz="1400" b="0" i="0" u="none" strike="noStrike" cap="none">
           <a:solidFill>
             <a:srgbClr val="000000"/>
           </a:solidFill>
@@ -6226,7 +6725,7 @@
           <a:sym typeface="Arial"/>
         </a:defRPr>
       </a:lvl2pPr>
-      <a:lvl3pPr lvl="2" marR="0" rtl="0" algn="l">
+      <a:lvl3pPr marR="0" lvl="2" algn="l" rtl="0">
         <a:lnSpc>
           <a:spcPct val="100000"/>
         </a:lnSpc>
@@ -6240,7 +6739,7 @@
           <a:srgbClr val="000000"/>
         </a:buClr>
         <a:buFont typeface="Arial"/>
-        <a:defRPr b="0" i="0" sz="1400" u="none" cap="none" strike="noStrike">
+        <a:defRPr sz="1400" b="0" i="0" u="none" strike="noStrike" cap="none">
           <a:solidFill>
             <a:srgbClr val="000000"/>
           </a:solidFill>
@@ -6250,7 +6749,7 @@
           <a:sym typeface="Arial"/>
         </a:defRPr>
       </a:lvl3pPr>
-      <a:lvl4pPr lvl="3" marR="0" rtl="0" algn="l">
+      <a:lvl4pPr marR="0" lvl="3" algn="l" rtl="0">
         <a:lnSpc>
           <a:spcPct val="100000"/>
         </a:lnSpc>
@@ -6264,7 +6763,7 @@
           <a:srgbClr val="000000"/>
         </a:buClr>
         <a:buFont typeface="Arial"/>
-        <a:defRPr b="0" i="0" sz="1400" u="none" cap="none" strike="noStrike">
+        <a:defRPr sz="1400" b="0" i="0" u="none" strike="noStrike" cap="none">
           <a:solidFill>
             <a:srgbClr val="000000"/>
           </a:solidFill>
@@ -6274,7 +6773,7 @@
           <a:sym typeface="Arial"/>
         </a:defRPr>
       </a:lvl4pPr>
-      <a:lvl5pPr lvl="4" marR="0" rtl="0" algn="l">
+      <a:lvl5pPr marR="0" lvl="4" algn="l" rtl="0">
         <a:lnSpc>
           <a:spcPct val="100000"/>
         </a:lnSpc>
@@ -6288,7 +6787,7 @@
           <a:srgbClr val="000000"/>
         </a:buClr>
         <a:buFont typeface="Arial"/>
-        <a:defRPr b="0" i="0" sz="1400" u="none" cap="none" strike="noStrike">
+        <a:defRPr sz="1400" b="0" i="0" u="none" strike="noStrike" cap="none">
           <a:solidFill>
             <a:srgbClr val="000000"/>
           </a:solidFill>
@@ -6298,7 +6797,7 @@
           <a:sym typeface="Arial"/>
         </a:defRPr>
       </a:lvl5pPr>
-      <a:lvl6pPr lvl="5" marR="0" rtl="0" algn="l">
+      <a:lvl6pPr marR="0" lvl="5" algn="l" rtl="0">
         <a:lnSpc>
           <a:spcPct val="100000"/>
         </a:lnSpc>
@@ -6312,7 +6811,7 @@
           <a:srgbClr val="000000"/>
         </a:buClr>
         <a:buFont typeface="Arial"/>
-        <a:defRPr b="0" i="0" sz="1400" u="none" cap="none" strike="noStrike">
+        <a:defRPr sz="1400" b="0" i="0" u="none" strike="noStrike" cap="none">
           <a:solidFill>
             <a:srgbClr val="000000"/>
           </a:solidFill>
@@ -6322,7 +6821,7 @@
           <a:sym typeface="Arial"/>
         </a:defRPr>
       </a:lvl6pPr>
-      <a:lvl7pPr lvl="6" marR="0" rtl="0" algn="l">
+      <a:lvl7pPr marR="0" lvl="6" algn="l" rtl="0">
         <a:lnSpc>
           <a:spcPct val="100000"/>
         </a:lnSpc>
@@ -6336,7 +6835,7 @@
           <a:srgbClr val="000000"/>
         </a:buClr>
         <a:buFont typeface="Arial"/>
-        <a:defRPr b="0" i="0" sz="1400" u="none" cap="none" strike="noStrike">
+        <a:defRPr sz="1400" b="0" i="0" u="none" strike="noStrike" cap="none">
           <a:solidFill>
             <a:srgbClr val="000000"/>
           </a:solidFill>
@@ -6346,7 +6845,7 @@
           <a:sym typeface="Arial"/>
         </a:defRPr>
       </a:lvl7pPr>
-      <a:lvl8pPr lvl="7" marR="0" rtl="0" algn="l">
+      <a:lvl8pPr marR="0" lvl="7" algn="l" rtl="0">
         <a:lnSpc>
           <a:spcPct val="100000"/>
         </a:lnSpc>
@@ -6360,7 +6859,7 @@
           <a:srgbClr val="000000"/>
         </a:buClr>
         <a:buFont typeface="Arial"/>
-        <a:defRPr b="0" i="0" sz="1400" u="none" cap="none" strike="noStrike">
+        <a:defRPr sz="1400" b="0" i="0" u="none" strike="noStrike" cap="none">
           <a:solidFill>
             <a:srgbClr val="000000"/>
           </a:solidFill>
@@ -6370,7 +6869,7 @@
           <a:sym typeface="Arial"/>
         </a:defRPr>
       </a:lvl8pPr>
-      <a:lvl9pPr lvl="8" marR="0" rtl="0" algn="l">
+      <a:lvl9pPr marR="0" lvl="8" algn="l" rtl="0">
         <a:lnSpc>
           <a:spcPct val="100000"/>
         </a:lnSpc>
@@ -6384,7 +6883,7 @@
           <a:srgbClr val="000000"/>
         </a:buClr>
         <a:buFont typeface="Arial"/>
-        <a:defRPr b="0" i="0" sz="1400" u="none" cap="none" strike="noStrike">
+        <a:defRPr sz="1400" b="0" i="0" u="none" strike="noStrike" cap="none">
           <a:solidFill>
             <a:srgbClr val="000000"/>
           </a:solidFill>
@@ -6396,7 +6895,7 @@
       </a:lvl9pPr>
     </p:titleStyle>
     <p:bodyStyle>
-      <a:defPPr lvl="0" marR="0" rtl="0" algn="l">
+      <a:defPPr marR="0" lvl="0" algn="l" rtl="0">
         <a:lnSpc>
           <a:spcPct val="100000"/>
         </a:lnSpc>
@@ -6407,7 +6906,7 @@
           <a:spcPts val="0"/>
         </a:spcAft>
       </a:defPPr>
-      <a:lvl1pPr lvl="0" marR="0" rtl="0" algn="l">
+      <a:lvl1pPr marR="0" lvl="0" algn="l" rtl="0">
         <a:lnSpc>
           <a:spcPct val="100000"/>
         </a:lnSpc>
@@ -6421,7 +6920,7 @@
           <a:srgbClr val="000000"/>
         </a:buClr>
         <a:buFont typeface="Arial"/>
-        <a:defRPr b="0" i="0" sz="1400" u="none" cap="none" strike="noStrike">
+        <a:defRPr sz="1400" b="0" i="0" u="none" strike="noStrike" cap="none">
           <a:solidFill>
             <a:srgbClr val="000000"/>
           </a:solidFill>
@@ -6431,7 +6930,7 @@
           <a:sym typeface="Arial"/>
         </a:defRPr>
       </a:lvl1pPr>
-      <a:lvl2pPr lvl="1" marR="0" rtl="0" algn="l">
+      <a:lvl2pPr marR="0" lvl="1" algn="l" rtl="0">
         <a:lnSpc>
           <a:spcPct val="100000"/>
         </a:lnSpc>
@@ -6445,7 +6944,7 @@
           <a:srgbClr val="000000"/>
         </a:buClr>
         <a:buFont typeface="Arial"/>
-        <a:defRPr b="0" i="0" sz="1400" u="none" cap="none" strike="noStrike">
+        <a:defRPr sz="1400" b="0" i="0" u="none" strike="noStrike" cap="none">
           <a:solidFill>
             <a:srgbClr val="000000"/>
           </a:solidFill>
@@ -6455,7 +6954,7 @@
           <a:sym typeface="Arial"/>
         </a:defRPr>
       </a:lvl2pPr>
-      <a:lvl3pPr lvl="2" marR="0" rtl="0" algn="l">
+      <a:lvl3pPr marR="0" lvl="2" algn="l" rtl="0">
         <a:lnSpc>
           <a:spcPct val="100000"/>
         </a:lnSpc>
@@ -6469,7 +6968,7 @@
           <a:srgbClr val="000000"/>
         </a:buClr>
         <a:buFont typeface="Arial"/>
-        <a:defRPr b="0" i="0" sz="1400" u="none" cap="none" strike="noStrike">
+        <a:defRPr sz="1400" b="0" i="0" u="none" strike="noStrike" cap="none">
           <a:solidFill>
             <a:srgbClr val="000000"/>
           </a:solidFill>
@@ -6479,7 +6978,7 @@
           <a:sym typeface="Arial"/>
         </a:defRPr>
       </a:lvl3pPr>
-      <a:lvl4pPr lvl="3" marR="0" rtl="0" algn="l">
+      <a:lvl4pPr marR="0" lvl="3" algn="l" rtl="0">
         <a:lnSpc>
           <a:spcPct val="100000"/>
         </a:lnSpc>
@@ -6493,7 +6992,7 @@
           <a:srgbClr val="000000"/>
         </a:buClr>
         <a:buFont typeface="Arial"/>
-        <a:defRPr b="0" i="0" sz="1400" u="none" cap="none" strike="noStrike">
+        <a:defRPr sz="1400" b="0" i="0" u="none" strike="noStrike" cap="none">
           <a:solidFill>
             <a:srgbClr val="000000"/>
           </a:solidFill>
@@ -6503,7 +7002,7 @@
           <a:sym typeface="Arial"/>
         </a:defRPr>
       </a:lvl4pPr>
-      <a:lvl5pPr lvl="4" marR="0" rtl="0" algn="l">
+      <a:lvl5pPr marR="0" lvl="4" algn="l" rtl="0">
         <a:lnSpc>
           <a:spcPct val="100000"/>
         </a:lnSpc>
@@ -6517,7 +7016,7 @@
           <a:srgbClr val="000000"/>
         </a:buClr>
         <a:buFont typeface="Arial"/>
-        <a:defRPr b="0" i="0" sz="1400" u="none" cap="none" strike="noStrike">
+        <a:defRPr sz="1400" b="0" i="0" u="none" strike="noStrike" cap="none">
           <a:solidFill>
             <a:srgbClr val="000000"/>
           </a:solidFill>
@@ -6527,7 +7026,7 @@
           <a:sym typeface="Arial"/>
         </a:defRPr>
       </a:lvl5pPr>
-      <a:lvl6pPr lvl="5" marR="0" rtl="0" algn="l">
+      <a:lvl6pPr marR="0" lvl="5" algn="l" rtl="0">
         <a:lnSpc>
           <a:spcPct val="100000"/>
         </a:lnSpc>
@@ -6541,7 +7040,7 @@
           <a:srgbClr val="000000"/>
         </a:buClr>
         <a:buFont typeface="Arial"/>
-        <a:defRPr b="0" i="0" sz="1400" u="none" cap="none" strike="noStrike">
+        <a:defRPr sz="1400" b="0" i="0" u="none" strike="noStrike" cap="none">
           <a:solidFill>
             <a:srgbClr val="000000"/>
           </a:solidFill>
@@ -6551,7 +7050,7 @@
           <a:sym typeface="Arial"/>
         </a:defRPr>
       </a:lvl6pPr>
-      <a:lvl7pPr lvl="6" marR="0" rtl="0" algn="l">
+      <a:lvl7pPr marR="0" lvl="6" algn="l" rtl="0">
         <a:lnSpc>
           <a:spcPct val="100000"/>
         </a:lnSpc>
@@ -6565,7 +7064,7 @@
           <a:srgbClr val="000000"/>
         </a:buClr>
         <a:buFont typeface="Arial"/>
-        <a:defRPr b="0" i="0" sz="1400" u="none" cap="none" strike="noStrike">
+        <a:defRPr sz="1400" b="0" i="0" u="none" strike="noStrike" cap="none">
           <a:solidFill>
             <a:srgbClr val="000000"/>
           </a:solidFill>
@@ -6575,7 +7074,7 @@
           <a:sym typeface="Arial"/>
         </a:defRPr>
       </a:lvl7pPr>
-      <a:lvl8pPr lvl="7" marR="0" rtl="0" algn="l">
+      <a:lvl8pPr marR="0" lvl="7" algn="l" rtl="0">
         <a:lnSpc>
           <a:spcPct val="100000"/>
         </a:lnSpc>
@@ -6589,7 +7088,7 @@
           <a:srgbClr val="000000"/>
         </a:buClr>
         <a:buFont typeface="Arial"/>
-        <a:defRPr b="0" i="0" sz="1400" u="none" cap="none" strike="noStrike">
+        <a:defRPr sz="1400" b="0" i="0" u="none" strike="noStrike" cap="none">
           <a:solidFill>
             <a:srgbClr val="000000"/>
           </a:solidFill>
@@ -6599,7 +7098,7 @@
           <a:sym typeface="Arial"/>
         </a:defRPr>
       </a:lvl8pPr>
-      <a:lvl9pPr lvl="8" marR="0" rtl="0" algn="l">
+      <a:lvl9pPr marR="0" lvl="8" algn="l" rtl="0">
         <a:lnSpc>
           <a:spcPct val="100000"/>
         </a:lnSpc>
@@ -6613,7 +7112,7 @@
           <a:srgbClr val="000000"/>
         </a:buClr>
         <a:buFont typeface="Arial"/>
-        <a:defRPr b="0" i="0" sz="1400" u="none" cap="none" strike="noStrike">
+        <a:defRPr sz="1400" b="0" i="0" u="none" strike="noStrike" cap="none">
           <a:solidFill>
             <a:srgbClr val="000000"/>
           </a:solidFill>
@@ -6625,7 +7124,7 @@
       </a:lvl9pPr>
     </p:bodyStyle>
     <p:otherStyle>
-      <a:defPPr lvl="0" marR="0" rtl="0" algn="l">
+      <a:defPPr marR="0" lvl="0" algn="l" rtl="0">
         <a:lnSpc>
           <a:spcPct val="100000"/>
         </a:lnSpc>
@@ -6636,7 +7135,7 @@
           <a:spcPts val="0"/>
         </a:spcAft>
       </a:defPPr>
-      <a:lvl1pPr lvl="0" marR="0" rtl="0" algn="l">
+      <a:lvl1pPr marR="0" lvl="0" algn="l" rtl="0">
         <a:lnSpc>
           <a:spcPct val="100000"/>
         </a:lnSpc>
@@ -6650,7 +7149,7 @@
           <a:srgbClr val="000000"/>
         </a:buClr>
         <a:buFont typeface="Arial"/>
-        <a:defRPr b="0" i="0" sz="1400" u="none" cap="none" strike="noStrike">
+        <a:defRPr sz="1400" b="0" i="0" u="none" strike="noStrike" cap="none">
           <a:solidFill>
             <a:srgbClr val="000000"/>
           </a:solidFill>
@@ -6660,7 +7159,7 @@
           <a:sym typeface="Arial"/>
         </a:defRPr>
       </a:lvl1pPr>
-      <a:lvl2pPr lvl="1" marR="0" rtl="0" algn="l">
+      <a:lvl2pPr marR="0" lvl="1" algn="l" rtl="0">
         <a:lnSpc>
           <a:spcPct val="100000"/>
         </a:lnSpc>
@@ -6674,7 +7173,7 @@
           <a:srgbClr val="000000"/>
         </a:buClr>
         <a:buFont typeface="Arial"/>
-        <a:defRPr b="0" i="0" sz="1400" u="none" cap="none" strike="noStrike">
+        <a:defRPr sz="1400" b="0" i="0" u="none" strike="noStrike" cap="none">
           <a:solidFill>
             <a:srgbClr val="000000"/>
           </a:solidFill>
@@ -6684,7 +7183,7 @@
           <a:sym typeface="Arial"/>
         </a:defRPr>
       </a:lvl2pPr>
-      <a:lvl3pPr lvl="2" marR="0" rtl="0" algn="l">
+      <a:lvl3pPr marR="0" lvl="2" algn="l" rtl="0">
         <a:lnSpc>
           <a:spcPct val="100000"/>
         </a:lnSpc>
@@ -6698,7 +7197,7 @@
           <a:srgbClr val="000000"/>
         </a:buClr>
         <a:buFont typeface="Arial"/>
-        <a:defRPr b="0" i="0" sz="1400" u="none" cap="none" strike="noStrike">
+        <a:defRPr sz="1400" b="0" i="0" u="none" strike="noStrike" cap="none">
           <a:solidFill>
             <a:srgbClr val="000000"/>
           </a:solidFill>
@@ -6708,7 +7207,7 @@
           <a:sym typeface="Arial"/>
         </a:defRPr>
       </a:lvl3pPr>
-      <a:lvl4pPr lvl="3" marR="0" rtl="0" algn="l">
+      <a:lvl4pPr marR="0" lvl="3" algn="l" rtl="0">
         <a:lnSpc>
           <a:spcPct val="100000"/>
         </a:lnSpc>
@@ -6722,7 +7221,7 @@
           <a:srgbClr val="000000"/>
         </a:buClr>
         <a:buFont typeface="Arial"/>
-        <a:defRPr b="0" i="0" sz="1400" u="none" cap="none" strike="noStrike">
+        <a:defRPr sz="1400" b="0" i="0" u="none" strike="noStrike" cap="none">
           <a:solidFill>
             <a:srgbClr val="000000"/>
           </a:solidFill>
@@ -6732,7 +7231,7 @@
           <a:sym typeface="Arial"/>
         </a:defRPr>
       </a:lvl4pPr>
-      <a:lvl5pPr lvl="4" marR="0" rtl="0" algn="l">
+      <a:lvl5pPr marR="0" lvl="4" algn="l" rtl="0">
         <a:lnSpc>
           <a:spcPct val="100000"/>
         </a:lnSpc>
@@ -6746,7 +7245,7 @@
           <a:srgbClr val="000000"/>
         </a:buClr>
         <a:buFont typeface="Arial"/>
-        <a:defRPr b="0" i="0" sz="1400" u="none" cap="none" strike="noStrike">
+        <a:defRPr sz="1400" b="0" i="0" u="none" strike="noStrike" cap="none">
           <a:solidFill>
             <a:srgbClr val="000000"/>
           </a:solidFill>
@@ -6756,7 +7255,7 @@
           <a:sym typeface="Arial"/>
         </a:defRPr>
       </a:lvl5pPr>
-      <a:lvl6pPr lvl="5" marR="0" rtl="0" algn="l">
+      <a:lvl6pPr marR="0" lvl="5" algn="l" rtl="0">
         <a:lnSpc>
           <a:spcPct val="100000"/>
         </a:lnSpc>
@@ -6770,7 +7269,7 @@
           <a:srgbClr val="000000"/>
         </a:buClr>
         <a:buFont typeface="Arial"/>
-        <a:defRPr b="0" i="0" sz="1400" u="none" cap="none" strike="noStrike">
+        <a:defRPr sz="1400" b="0" i="0" u="none" strike="noStrike" cap="none">
           <a:solidFill>
             <a:srgbClr val="000000"/>
           </a:solidFill>
@@ -6780,7 +7279,7 @@
           <a:sym typeface="Arial"/>
         </a:defRPr>
       </a:lvl6pPr>
-      <a:lvl7pPr lvl="6" marR="0" rtl="0" algn="l">
+      <a:lvl7pPr marR="0" lvl="6" algn="l" rtl="0">
         <a:lnSpc>
           <a:spcPct val="100000"/>
         </a:lnSpc>
@@ -6794,7 +7293,7 @@
           <a:srgbClr val="000000"/>
         </a:buClr>
         <a:buFont typeface="Arial"/>
-        <a:defRPr b="0" i="0" sz="1400" u="none" cap="none" strike="noStrike">
+        <a:defRPr sz="1400" b="0" i="0" u="none" strike="noStrike" cap="none">
           <a:solidFill>
             <a:srgbClr val="000000"/>
           </a:solidFill>
@@ -6804,7 +7303,7 @@
           <a:sym typeface="Arial"/>
         </a:defRPr>
       </a:lvl7pPr>
-      <a:lvl8pPr lvl="7" marR="0" rtl="0" algn="l">
+      <a:lvl8pPr marR="0" lvl="7" algn="l" rtl="0">
         <a:lnSpc>
           <a:spcPct val="100000"/>
         </a:lnSpc>
@@ -6818,7 +7317,7 @@
           <a:srgbClr val="000000"/>
         </a:buClr>
         <a:buFont typeface="Arial"/>
-        <a:defRPr b="0" i="0" sz="1400" u="none" cap="none" strike="noStrike">
+        <a:defRPr sz="1400" b="0" i="0" u="none" strike="noStrike" cap="none">
           <a:solidFill>
             <a:srgbClr val="000000"/>
           </a:solidFill>
@@ -6828,7 +7327,7 @@
           <a:sym typeface="Arial"/>
         </a:defRPr>
       </a:lvl8pPr>
-      <a:lvl9pPr lvl="8" marR="0" rtl="0" algn="l">
+      <a:lvl9pPr marR="0" lvl="8" algn="l" rtl="0">
         <a:lnSpc>
           <a:spcPct val="100000"/>
         </a:lnSpc>
@@ -6842,7 +7341,7 @@
           <a:srgbClr val="000000"/>
         </a:buClr>
         <a:buFont typeface="Arial"/>
-        <a:defRPr b="0" i="0" sz="1400" u="none" cap="none" strike="noStrike">
+        <a:defRPr sz="1400" b="0" i="0" u="none" strike="noStrike" cap="none">
           <a:solidFill>
             <a:srgbClr val="000000"/>
           </a:solidFill>
@@ -6858,11 +7357,11 @@
 </file>
 
 <file path=ppt/slides/slide1.xml><?xml version="1.0" encoding="utf-8"?>
-<p:sld xmlns:a="http://schemas.openxmlformats.org/drawingml/2006/main" xmlns:r="http://schemas.openxmlformats.org/officeDocument/2006/relationships" xmlns:mc="http://schemas.openxmlformats.org/markup-compatibility/2006" xmlns:mv="urn:schemas-microsoft-com:mac:vml" xmlns:p="http://schemas.openxmlformats.org/presentationml/2006/main" xmlns:c="http://schemas.openxmlformats.org/drawingml/2006/chart" xmlns:dgm="http://schemas.openxmlformats.org/drawingml/2006/diagram" xmlns:o="urn:schemas-microsoft-com:office:office" xmlns:v="urn:schemas-microsoft-com:vml" xmlns:pvml="urn:schemas-microsoft-com:office:powerpoint" xmlns:com="http://schemas.openxmlformats.org/drawingml/2006/compatibility" xmlns:p14="http://schemas.microsoft.com/office/powerpoint/2010/main" xmlns:p15="http://schemas.microsoft.com/office/powerpoint/2012/main" xmlns:ahyp="http://schemas.microsoft.com/office/drawing/2018/hyperlinkcolor">
+<p:sld xmlns:a="http://schemas.openxmlformats.org/drawingml/2006/main" xmlns:r="http://schemas.openxmlformats.org/officeDocument/2006/relationships" xmlns:p="http://schemas.openxmlformats.org/presentationml/2006/main">
   <p:cSld>
     <p:spTree>
       <p:nvGrpSpPr>
-        <p:cNvPr id="53" name="Shape 53"/>
+        <p:cNvPr id="1" name="Shape 53"/>
         <p:cNvGrpSpPr/>
         <p:nvPr/>
       </p:nvGrpSpPr>
@@ -6894,12 +7393,12 @@
           </a:ln>
         </p:spPr>
         <p:txBody>
-          <a:bodyPr anchorCtr="0" anchor="t" bIns="91425" lIns="91425" spcFirstLastPara="1" rIns="91425" wrap="square" tIns="91425">
+          <a:bodyPr spcFirstLastPara="1" wrap="square" lIns="91425" tIns="91425" rIns="91425" bIns="91425" anchor="t" anchorCtr="0">
             <a:normAutofit/>
           </a:bodyPr>
           <a:lstStyle/>
           <a:p>
-            <a:pPr indent="-330200" lvl="0" marL="457200" rtl="0" algn="l">
+            <a:pPr marL="457200" lvl="0" indent="-330200" algn="l" rtl="0">
               <a:lnSpc>
                 <a:spcPct val="150000"/>
               </a:lnSpc>
@@ -6939,7 +7438,7 @@
             </a:endParaRPr>
           </a:p>
           <a:p>
-            <a:pPr indent="-342900" lvl="0" marL="457200" rtl="0" algn="l">
+            <a:pPr marL="457200" lvl="0" indent="-342900" algn="l" rtl="0">
               <a:lnSpc>
                 <a:spcPct val="115000"/>
               </a:lnSpc>
@@ -6979,7 +7478,7 @@
             </a:endParaRPr>
           </a:p>
           <a:p>
-            <a:pPr indent="-342900" lvl="0" marL="457200" rtl="0" algn="l">
+            <a:pPr marL="457200" lvl="0" indent="-342900" algn="l" rtl="0">
               <a:lnSpc>
                 <a:spcPct val="115000"/>
               </a:lnSpc>
@@ -7019,7 +7518,7 @@
             </a:endParaRPr>
           </a:p>
           <a:p>
-            <a:pPr indent="-342900" lvl="0" marL="457200" rtl="0" algn="l">
+            <a:pPr marL="457200" lvl="0" indent="-342900" algn="l" rtl="0">
               <a:lnSpc>
                 <a:spcPct val="115000"/>
               </a:lnSpc>
@@ -7059,7 +7558,7 @@
             </a:endParaRPr>
           </a:p>
           <a:p>
-            <a:pPr indent="-342900" lvl="0" marL="457200" rtl="0" algn="l">
+            <a:pPr marL="457200" lvl="0" indent="-342900" algn="l" rtl="0">
               <a:lnSpc>
                 <a:spcPct val="115000"/>
               </a:lnSpc>
@@ -7099,7 +7598,7 @@
             </a:endParaRPr>
           </a:p>
           <a:p>
-            <a:pPr indent="-342900" lvl="0" marL="457200" rtl="0" algn="l">
+            <a:pPr marL="457200" lvl="0" indent="-342900" algn="l" rtl="0">
               <a:lnSpc>
                 <a:spcPct val="115000"/>
               </a:lnSpc>
@@ -7128,7 +7627,7 @@
               </a:rPr>
               <a:t>After pitch, there will be questions from Jury.</a:t>
             </a:r>
-            <a:endParaRPr b="1" i="1" sz="1800">
+            <a:endParaRPr sz="1800" b="1" i="1">
               <a:solidFill>
                 <a:srgbClr val="000985"/>
               </a:solidFill>
@@ -7157,17 +7656,17 @@
           <a:solidFill>
             <a:srgbClr val="03192E"/>
           </a:solidFill>
-          <a:ln cap="flat" cmpd="sng" w="9525">
+          <a:ln w="9525" cap="flat" cmpd="sng">
             <a:solidFill>
               <a:schemeClr val="dk2"/>
             </a:solidFill>
             <a:prstDash val="solid"/>
             <a:round/>
-            <a:headEnd len="sm" w="sm" type="none"/>
-            <a:tailEnd len="sm" w="sm" type="none"/>
+            <a:headEnd type="none" w="sm" len="sm"/>
+            <a:tailEnd type="none" w="sm" len="sm"/>
           </a:ln>
           <a:effectLst>
-            <a:outerShdw blurRad="57150" rotWithShape="0" algn="bl" dir="5400000" dist="19050">
+            <a:outerShdw blurRad="57150" dist="19050" dir="5400000" algn="bl" rotWithShape="0">
               <a:schemeClr val="lt1">
                 <a:alpha val="50000"/>
               </a:schemeClr>
@@ -7175,12 +7674,12 @@
           </a:effectLst>
         </p:spPr>
         <p:txBody>
-          <a:bodyPr anchorCtr="0" anchor="ctr" bIns="91425" lIns="91425" spcFirstLastPara="1" rIns="91425" wrap="square" tIns="91425">
+          <a:bodyPr spcFirstLastPara="1" wrap="square" lIns="91425" tIns="91425" rIns="91425" bIns="91425" anchor="ctr" anchorCtr="0">
             <a:noAutofit/>
           </a:bodyPr>
           <a:lstStyle/>
           <a:p>
-            <a:pPr indent="0" lvl="0" marL="0" rtl="0" algn="l">
+            <a:pPr marL="0" lvl="0" indent="0" algn="l" rtl="0">
               <a:spcBef>
                 <a:spcPts val="0"/>
               </a:spcBef>
@@ -7189,9 +7688,6 @@
               </a:spcAft>
               <a:buNone/>
             </a:pPr>
-            <a:r>
-              <a:t/>
-            </a:r>
             <a:endParaRPr/>
           </a:p>
         </p:txBody>
@@ -7206,7 +7702,7 @@
           <a:blip r:embed="rId3">
             <a:alphaModFix/>
           </a:blip>
-          <a:srcRect b="86591" l="0" r="0" t="0"/>
+          <a:srcRect b="86591"/>
           <a:stretch/>
         </p:blipFill>
         <p:spPr>
@@ -7232,11 +7728,453 @@
 </file>
 
 <file path=ppt/slides/slide10.xml><?xml version="1.0" encoding="utf-8"?>
-<p:sld xmlns:a="http://schemas.openxmlformats.org/drawingml/2006/main" xmlns:r="http://schemas.openxmlformats.org/officeDocument/2006/relationships" xmlns:mc="http://schemas.openxmlformats.org/markup-compatibility/2006" xmlns:mv="urn:schemas-microsoft-com:mac:vml" xmlns:p="http://schemas.openxmlformats.org/presentationml/2006/main" xmlns:c="http://schemas.openxmlformats.org/drawingml/2006/chart" xmlns:dgm="http://schemas.openxmlformats.org/drawingml/2006/diagram" xmlns:o="urn:schemas-microsoft-com:office:office" xmlns:v="urn:schemas-microsoft-com:vml" xmlns:pvml="urn:schemas-microsoft-com:office:powerpoint" xmlns:com="http://schemas.openxmlformats.org/drawingml/2006/compatibility" xmlns:p14="http://schemas.microsoft.com/office/powerpoint/2010/main" xmlns:p15="http://schemas.microsoft.com/office/powerpoint/2012/main" xmlns:ahyp="http://schemas.microsoft.com/office/drawing/2018/hyperlinkcolor">
+<p:sld xmlns:a="http://schemas.openxmlformats.org/drawingml/2006/main" xmlns:r="http://schemas.openxmlformats.org/officeDocument/2006/relationships" xmlns:p="http://schemas.openxmlformats.org/presentationml/2006/main">
   <p:cSld>
     <p:spTree>
       <p:nvGrpSpPr>
-        <p:cNvPr id="119" name="Shape 119"/>
+        <p:cNvPr id="1" name="Shape 103"/>
+        <p:cNvGrpSpPr/>
+        <p:nvPr/>
+      </p:nvGrpSpPr>
+      <p:grpSpPr>
+        <a:xfrm>
+          <a:off x="0" y="0"/>
+          <a:ext cx="0" cy="0"/>
+          <a:chOff x="0" y="0"/>
+          <a:chExt cx="0" cy="0"/>
+        </a:xfrm>
+      </p:grpSpPr>
+      <p:pic>
+        <p:nvPicPr>
+          <p:cNvPr id="104" name="Google Shape;104;p20"/>
+          <p:cNvPicPr preferRelativeResize="0"/>
+          <p:nvPr/>
+        </p:nvPicPr>
+        <p:blipFill rotWithShape="1">
+          <a:blip r:embed="rId3">
+            <a:alphaModFix/>
+          </a:blip>
+          <a:srcRect t="94924"/>
+          <a:stretch/>
+        </p:blipFill>
+        <p:spPr>
+          <a:xfrm>
+            <a:off x="0" y="4882453"/>
+            <a:ext cx="9144003" cy="261049"/>
+          </a:xfrm>
+          <a:prstGeom prst="rect">
+            <a:avLst/>
+          </a:prstGeom>
+          <a:noFill/>
+          <a:ln>
+            <a:noFill/>
+          </a:ln>
+        </p:spPr>
+      </p:pic>
+      <p:sp>
+        <p:nvSpPr>
+          <p:cNvPr id="105" name="Google Shape;105;p20"/>
+          <p:cNvSpPr txBox="1"/>
+          <p:nvPr/>
+        </p:nvSpPr>
+        <p:spPr>
+          <a:xfrm>
+            <a:off x="311700" y="821650"/>
+            <a:ext cx="8520600" cy="4060800"/>
+          </a:xfrm>
+          <a:prstGeom prst="rect">
+            <a:avLst/>
+          </a:prstGeom>
+          <a:noFill/>
+          <a:ln>
+            <a:noFill/>
+          </a:ln>
+        </p:spPr>
+        <p:txBody>
+          <a:bodyPr spcFirstLastPara="1" wrap="square" lIns="91425" tIns="91425" rIns="91425" bIns="91425" anchor="t" anchorCtr="0">
+            <a:normAutofit/>
+          </a:bodyPr>
+          <a:lstStyle/>
+          <a:p>
+            <a:pPr marL="0" lvl="0" indent="0" algn="l" rtl="0">
+              <a:lnSpc>
+                <a:spcPct val="115000"/>
+              </a:lnSpc>
+              <a:spcBef>
+                <a:spcPts val="0"/>
+              </a:spcBef>
+              <a:spcAft>
+                <a:spcPts val="0"/>
+              </a:spcAft>
+              <a:buClr>
+                <a:schemeClr val="dk1"/>
+              </a:buClr>
+              <a:buSzPts val="1100"/>
+              <a:buFont typeface="Arial"/>
+              <a:buNone/>
+            </a:pPr>
+            <a:r>
+              <a:rPr lang="en-GB" sz="2100" b="1">
+                <a:solidFill>
+                  <a:srgbClr val="001466"/>
+                </a:solidFill>
+                <a:latin typeface="Montserrat"/>
+                <a:ea typeface="Montserrat"/>
+                <a:cs typeface="Montserrat"/>
+                <a:sym typeface="Montserrat"/>
+              </a:rPr>
+              <a:t>Architecture</a:t>
+            </a:r>
+            <a:endParaRPr sz="2200" b="1">
+              <a:solidFill>
+                <a:srgbClr val="001466"/>
+              </a:solidFill>
+              <a:latin typeface="Montserrat"/>
+              <a:ea typeface="Montserrat"/>
+              <a:cs typeface="Montserrat"/>
+              <a:sym typeface="Montserrat"/>
+            </a:endParaRPr>
+          </a:p>
+          <a:p>
+            <a:pPr marL="0" lvl="0" indent="0" algn="l" rtl="0">
+              <a:lnSpc>
+                <a:spcPct val="115000"/>
+              </a:lnSpc>
+              <a:spcBef>
+                <a:spcPts val="1200"/>
+              </a:spcBef>
+              <a:spcAft>
+                <a:spcPts val="1200"/>
+              </a:spcAft>
+              <a:buNone/>
+            </a:pPr>
+            <a:endParaRPr sz="1800" b="1">
+              <a:solidFill>
+                <a:srgbClr val="616161"/>
+              </a:solidFill>
+              <a:latin typeface="Proxima Nova"/>
+              <a:ea typeface="Proxima Nova"/>
+              <a:cs typeface="Proxima Nova"/>
+              <a:sym typeface="Proxima Nova"/>
+            </a:endParaRPr>
+          </a:p>
+        </p:txBody>
+      </p:sp>
+      <p:sp>
+        <p:nvSpPr>
+          <p:cNvPr id="106" name="Google Shape;106;p20"/>
+          <p:cNvSpPr/>
+          <p:nvPr/>
+        </p:nvSpPr>
+        <p:spPr>
+          <a:xfrm>
+            <a:off x="-6150" y="4946700"/>
+            <a:ext cx="9156300" cy="196800"/>
+          </a:xfrm>
+          <a:prstGeom prst="rect">
+            <a:avLst/>
+          </a:prstGeom>
+          <a:solidFill>
+            <a:srgbClr val="03192E"/>
+          </a:solidFill>
+          <a:ln w="9525" cap="flat" cmpd="sng">
+            <a:solidFill>
+              <a:schemeClr val="dk2"/>
+            </a:solidFill>
+            <a:prstDash val="solid"/>
+            <a:round/>
+            <a:headEnd type="none" w="sm" len="sm"/>
+            <a:tailEnd type="none" w="sm" len="sm"/>
+          </a:ln>
+          <a:effectLst>
+            <a:outerShdw blurRad="57150" dist="19050" dir="5400000" algn="bl" rotWithShape="0">
+              <a:schemeClr val="lt1">
+                <a:alpha val="50000"/>
+              </a:schemeClr>
+            </a:outerShdw>
+          </a:effectLst>
+        </p:spPr>
+        <p:txBody>
+          <a:bodyPr spcFirstLastPara="1" wrap="square" lIns="91425" tIns="91425" rIns="91425" bIns="91425" anchor="ctr" anchorCtr="0">
+            <a:noAutofit/>
+          </a:bodyPr>
+          <a:lstStyle/>
+          <a:p>
+            <a:pPr marL="0" lvl="0" indent="0" algn="l" rtl="0">
+              <a:spcBef>
+                <a:spcPts val="0"/>
+              </a:spcBef>
+              <a:spcAft>
+                <a:spcPts val="0"/>
+              </a:spcAft>
+              <a:buNone/>
+            </a:pPr>
+            <a:endParaRPr/>
+          </a:p>
+        </p:txBody>
+      </p:sp>
+      <p:pic>
+        <p:nvPicPr>
+          <p:cNvPr id="107" name="Google Shape;107;p20"/>
+          <p:cNvPicPr preferRelativeResize="0"/>
+          <p:nvPr/>
+        </p:nvPicPr>
+        <p:blipFill rotWithShape="1">
+          <a:blip r:embed="rId4">
+            <a:alphaModFix/>
+          </a:blip>
+          <a:srcRect b="86591"/>
+          <a:stretch/>
+        </p:blipFill>
+        <p:spPr>
+          <a:xfrm>
+            <a:off x="0" y="0"/>
+            <a:ext cx="9144003" cy="689651"/>
+          </a:xfrm>
+          <a:prstGeom prst="rect">
+            <a:avLst/>
+          </a:prstGeom>
+          <a:noFill/>
+          <a:ln>
+            <a:noFill/>
+          </a:ln>
+        </p:spPr>
+      </p:pic>
+    </p:spTree>
+  </p:cSld>
+  <p:clrMapOvr>
+    <a:masterClrMapping/>
+  </p:clrMapOvr>
+</p:sld>
+</file>
+
+<file path=ppt/slides/slide11.xml><?xml version="1.0" encoding="utf-8"?>
+<p:sld xmlns:a="http://schemas.openxmlformats.org/drawingml/2006/main" xmlns:r="http://schemas.openxmlformats.org/officeDocument/2006/relationships" xmlns:p="http://schemas.openxmlformats.org/presentationml/2006/main">
+  <p:cSld>
+    <p:spTree>
+      <p:nvGrpSpPr>
+        <p:cNvPr id="1" name="Shape 111"/>
+        <p:cNvGrpSpPr/>
+        <p:nvPr/>
+      </p:nvGrpSpPr>
+      <p:grpSpPr>
+        <a:xfrm>
+          <a:off x="0" y="0"/>
+          <a:ext cx="0" cy="0"/>
+          <a:chOff x="0" y="0"/>
+          <a:chExt cx="0" cy="0"/>
+        </a:xfrm>
+      </p:grpSpPr>
+      <p:pic>
+        <p:nvPicPr>
+          <p:cNvPr id="112" name="Google Shape;112;p21"/>
+          <p:cNvPicPr preferRelativeResize="0"/>
+          <p:nvPr/>
+        </p:nvPicPr>
+        <p:blipFill rotWithShape="1">
+          <a:blip r:embed="rId3">
+            <a:alphaModFix/>
+          </a:blip>
+          <a:srcRect t="94924"/>
+          <a:stretch/>
+        </p:blipFill>
+        <p:spPr>
+          <a:xfrm>
+            <a:off x="0" y="4882453"/>
+            <a:ext cx="9144003" cy="261049"/>
+          </a:xfrm>
+          <a:prstGeom prst="rect">
+            <a:avLst/>
+          </a:prstGeom>
+          <a:noFill/>
+          <a:ln>
+            <a:noFill/>
+          </a:ln>
+        </p:spPr>
+      </p:pic>
+      <p:sp>
+        <p:nvSpPr>
+          <p:cNvPr id="113" name="Google Shape;113;p21"/>
+          <p:cNvSpPr txBox="1"/>
+          <p:nvPr/>
+        </p:nvSpPr>
+        <p:spPr>
+          <a:xfrm>
+            <a:off x="311700" y="821650"/>
+            <a:ext cx="8520600" cy="4060800"/>
+          </a:xfrm>
+          <a:prstGeom prst="rect">
+            <a:avLst/>
+          </a:prstGeom>
+          <a:noFill/>
+          <a:ln>
+            <a:noFill/>
+          </a:ln>
+        </p:spPr>
+        <p:txBody>
+          <a:bodyPr spcFirstLastPara="1" wrap="square" lIns="91425" tIns="91425" rIns="91425" bIns="91425" anchor="t" anchorCtr="0">
+            <a:normAutofit/>
+          </a:bodyPr>
+          <a:lstStyle/>
+          <a:p>
+            <a:pPr marL="0" lvl="0" indent="0" algn="l" rtl="0">
+              <a:lnSpc>
+                <a:spcPct val="115000"/>
+              </a:lnSpc>
+              <a:spcBef>
+                <a:spcPts val="0"/>
+              </a:spcBef>
+              <a:spcAft>
+                <a:spcPts val="0"/>
+              </a:spcAft>
+              <a:buClr>
+                <a:schemeClr val="dk1"/>
+              </a:buClr>
+              <a:buSzPts val="1100"/>
+              <a:buFont typeface="Arial"/>
+              <a:buNone/>
+            </a:pPr>
+            <a:r>
+              <a:rPr lang="en-GB" sz="2100" b="1">
+                <a:solidFill>
+                  <a:srgbClr val="001466"/>
+                </a:solidFill>
+                <a:latin typeface="Montserrat"/>
+                <a:ea typeface="Montserrat"/>
+                <a:cs typeface="Montserrat"/>
+                <a:sym typeface="Montserrat"/>
+              </a:rPr>
+              <a:t>Business Logic of the solution :</a:t>
+            </a:r>
+            <a:endParaRPr sz="2100" b="1">
+              <a:solidFill>
+                <a:srgbClr val="001466"/>
+              </a:solidFill>
+              <a:latin typeface="Montserrat"/>
+              <a:ea typeface="Montserrat"/>
+              <a:cs typeface="Montserrat"/>
+              <a:sym typeface="Montserrat"/>
+            </a:endParaRPr>
+          </a:p>
+          <a:p>
+            <a:pPr marL="0" lvl="0" indent="0" algn="l" rtl="0">
+              <a:lnSpc>
+                <a:spcPct val="115000"/>
+              </a:lnSpc>
+              <a:spcBef>
+                <a:spcPts val="1200"/>
+              </a:spcBef>
+              <a:spcAft>
+                <a:spcPts val="1200"/>
+              </a:spcAft>
+              <a:buNone/>
+            </a:pPr>
+            <a:endParaRPr sz="1800" b="1">
+              <a:solidFill>
+                <a:srgbClr val="616161"/>
+              </a:solidFill>
+              <a:latin typeface="Proxima Nova"/>
+              <a:ea typeface="Proxima Nova"/>
+              <a:cs typeface="Proxima Nova"/>
+              <a:sym typeface="Proxima Nova"/>
+            </a:endParaRPr>
+          </a:p>
+        </p:txBody>
+      </p:sp>
+      <p:sp>
+        <p:nvSpPr>
+          <p:cNvPr id="114" name="Google Shape;114;p21"/>
+          <p:cNvSpPr/>
+          <p:nvPr/>
+        </p:nvSpPr>
+        <p:spPr>
+          <a:xfrm>
+            <a:off x="-6150" y="4946700"/>
+            <a:ext cx="9156300" cy="196800"/>
+          </a:xfrm>
+          <a:prstGeom prst="rect">
+            <a:avLst/>
+          </a:prstGeom>
+          <a:solidFill>
+            <a:srgbClr val="03192E"/>
+          </a:solidFill>
+          <a:ln w="9525" cap="flat" cmpd="sng">
+            <a:solidFill>
+              <a:schemeClr val="dk2"/>
+            </a:solidFill>
+            <a:prstDash val="solid"/>
+            <a:round/>
+            <a:headEnd type="none" w="sm" len="sm"/>
+            <a:tailEnd type="none" w="sm" len="sm"/>
+          </a:ln>
+          <a:effectLst>
+            <a:outerShdw blurRad="57150" dist="19050" dir="5400000" algn="bl" rotWithShape="0">
+              <a:schemeClr val="lt1">
+                <a:alpha val="50000"/>
+              </a:schemeClr>
+            </a:outerShdw>
+          </a:effectLst>
+        </p:spPr>
+        <p:txBody>
+          <a:bodyPr spcFirstLastPara="1" wrap="square" lIns="91425" tIns="91425" rIns="91425" bIns="91425" anchor="ctr" anchorCtr="0">
+            <a:noAutofit/>
+          </a:bodyPr>
+          <a:lstStyle/>
+          <a:p>
+            <a:pPr marL="0" lvl="0" indent="0" algn="l" rtl="0">
+              <a:spcBef>
+                <a:spcPts val="0"/>
+              </a:spcBef>
+              <a:spcAft>
+                <a:spcPts val="0"/>
+              </a:spcAft>
+              <a:buNone/>
+            </a:pPr>
+            <a:endParaRPr/>
+          </a:p>
+        </p:txBody>
+      </p:sp>
+      <p:pic>
+        <p:nvPicPr>
+          <p:cNvPr id="115" name="Google Shape;115;p21"/>
+          <p:cNvPicPr preferRelativeResize="0"/>
+          <p:nvPr/>
+        </p:nvPicPr>
+        <p:blipFill rotWithShape="1">
+          <a:blip r:embed="rId4">
+            <a:alphaModFix/>
+          </a:blip>
+          <a:srcRect b="86591"/>
+          <a:stretch/>
+        </p:blipFill>
+        <p:spPr>
+          <a:xfrm>
+            <a:off x="0" y="0"/>
+            <a:ext cx="9144003" cy="689651"/>
+          </a:xfrm>
+          <a:prstGeom prst="rect">
+            <a:avLst/>
+          </a:prstGeom>
+          <a:noFill/>
+          <a:ln>
+            <a:noFill/>
+          </a:ln>
+        </p:spPr>
+      </p:pic>
+    </p:spTree>
+  </p:cSld>
+  <p:clrMapOvr>
+    <a:masterClrMapping/>
+  </p:clrMapOvr>
+</p:sld>
+</file>
+
+<file path=ppt/slides/slide12.xml><?xml version="1.0" encoding="utf-8"?>
+<p:sld xmlns:a="http://schemas.openxmlformats.org/drawingml/2006/main" xmlns:r="http://schemas.openxmlformats.org/officeDocument/2006/relationships" xmlns:p="http://schemas.openxmlformats.org/presentationml/2006/main">
+  <p:cSld>
+    <p:spTree>
+      <p:nvGrpSpPr>
+        <p:cNvPr id="1" name="Shape 119"/>
         <p:cNvGrpSpPr/>
         <p:nvPr/>
       </p:nvGrpSpPr>
@@ -7258,7 +8196,7 @@
           <a:blip r:embed="rId3">
             <a:alphaModFix/>
           </a:blip>
-          <a:srcRect b="0" l="0" r="0" t="94924"/>
+          <a:srcRect t="94924"/>
           <a:stretch/>
         </p:blipFill>
         <p:spPr>
@@ -7295,12 +8233,12 @@
           </a:ln>
         </p:spPr>
         <p:txBody>
-          <a:bodyPr anchorCtr="0" anchor="t" bIns="91425" lIns="91425" spcFirstLastPara="1" rIns="91425" wrap="square" tIns="91425">
+          <a:bodyPr spcFirstLastPara="1" wrap="square" lIns="91425" tIns="91425" rIns="91425" bIns="91425" anchor="t" anchorCtr="0">
             <a:normAutofit/>
           </a:bodyPr>
           <a:lstStyle/>
           <a:p>
-            <a:pPr indent="0" lvl="0" marL="0" rtl="0" algn="l">
+            <a:pPr marL="0" lvl="0" indent="0" algn="l" rtl="0">
               <a:lnSpc>
                 <a:spcPct val="115000"/>
               </a:lnSpc>
@@ -7318,7 +8256,7 @@
               <a:buNone/>
             </a:pPr>
             <a:r>
-              <a:rPr b="1" lang="en-GB" sz="2100">
+              <a:rPr lang="en-GB" sz="2100" b="1">
                 <a:solidFill>
                   <a:srgbClr val="001466"/>
                 </a:solidFill>
@@ -7329,7 +8267,7 @@
               </a:rPr>
               <a:t>Technology used :</a:t>
             </a:r>
-            <a:endParaRPr b="1" sz="2100">
+            <a:endParaRPr sz="2100" b="1">
               <a:solidFill>
                 <a:srgbClr val="001466"/>
               </a:solidFill>
@@ -7340,7 +8278,7 @@
             </a:endParaRPr>
           </a:p>
           <a:p>
-            <a:pPr indent="0" lvl="0" marL="0" rtl="0" algn="l">
+            <a:pPr marL="0" lvl="0" indent="0" algn="l" rtl="0">
               <a:lnSpc>
                 <a:spcPct val="115000"/>
               </a:lnSpc>
@@ -7352,10 +8290,7 @@
               </a:spcAft>
               <a:buNone/>
             </a:pPr>
-            <a:r>
-              <a:t/>
-            </a:r>
-            <a:endParaRPr b="1" sz="1800">
+            <a:endParaRPr sz="1800" b="1">
               <a:solidFill>
                 <a:srgbClr val="616161"/>
               </a:solidFill>
@@ -7384,17 +8319,17 @@
           <a:solidFill>
             <a:srgbClr val="03192E"/>
           </a:solidFill>
-          <a:ln cap="flat" cmpd="sng" w="9525">
+          <a:ln w="9525" cap="flat" cmpd="sng">
             <a:solidFill>
               <a:schemeClr val="dk2"/>
             </a:solidFill>
             <a:prstDash val="solid"/>
             <a:round/>
-            <a:headEnd len="sm" w="sm" type="none"/>
-            <a:tailEnd len="sm" w="sm" type="none"/>
+            <a:headEnd type="none" w="sm" len="sm"/>
+            <a:tailEnd type="none" w="sm" len="sm"/>
           </a:ln>
           <a:effectLst>
-            <a:outerShdw blurRad="57150" rotWithShape="0" algn="bl" dir="5400000" dist="19050">
+            <a:outerShdw blurRad="57150" dist="19050" dir="5400000" algn="bl" rotWithShape="0">
               <a:schemeClr val="lt1">
                 <a:alpha val="50000"/>
               </a:schemeClr>
@@ -7402,12 +8337,12 @@
           </a:effectLst>
         </p:spPr>
         <p:txBody>
-          <a:bodyPr anchorCtr="0" anchor="ctr" bIns="91425" lIns="91425" spcFirstLastPara="1" rIns="91425" wrap="square" tIns="91425">
+          <a:bodyPr spcFirstLastPara="1" wrap="square" lIns="91425" tIns="91425" rIns="91425" bIns="91425" anchor="ctr" anchorCtr="0">
             <a:noAutofit/>
           </a:bodyPr>
           <a:lstStyle/>
           <a:p>
-            <a:pPr indent="0" lvl="0" marL="0" rtl="0" algn="l">
+            <a:pPr marL="0" lvl="0" indent="0" algn="l" rtl="0">
               <a:spcBef>
                 <a:spcPts val="0"/>
               </a:spcBef>
@@ -7416,9 +8351,6 @@
               </a:spcAft>
               <a:buNone/>
             </a:pPr>
-            <a:r>
-              <a:t/>
-            </a:r>
             <a:endParaRPr/>
           </a:p>
         </p:txBody>
@@ -7433,7 +8365,7 @@
           <a:blip r:embed="rId4">
             <a:alphaModFix/>
           </a:blip>
-          <a:srcRect b="86591" l="0" r="0" t="0"/>
+          <a:srcRect b="86591"/>
           <a:stretch/>
         </p:blipFill>
         <p:spPr>
@@ -7458,12 +8390,12 @@
 </p:sld>
 </file>
 
-<file path=ppt/slides/slide11.xml><?xml version="1.0" encoding="utf-8"?>
-<p:sld xmlns:a="http://schemas.openxmlformats.org/drawingml/2006/main" xmlns:r="http://schemas.openxmlformats.org/officeDocument/2006/relationships" xmlns:mc="http://schemas.openxmlformats.org/markup-compatibility/2006" xmlns:mv="urn:schemas-microsoft-com:mac:vml" xmlns:p="http://schemas.openxmlformats.org/presentationml/2006/main" xmlns:c="http://schemas.openxmlformats.org/drawingml/2006/chart" xmlns:dgm="http://schemas.openxmlformats.org/drawingml/2006/diagram" xmlns:o="urn:schemas-microsoft-com:office:office" xmlns:v="urn:schemas-microsoft-com:vml" xmlns:pvml="urn:schemas-microsoft-com:office:powerpoint" xmlns:com="http://schemas.openxmlformats.org/drawingml/2006/compatibility" xmlns:p14="http://schemas.microsoft.com/office/powerpoint/2010/main" xmlns:p15="http://schemas.microsoft.com/office/powerpoint/2012/main" xmlns:ahyp="http://schemas.microsoft.com/office/drawing/2018/hyperlinkcolor">
+<file path=ppt/slides/slide13.xml><?xml version="1.0" encoding="utf-8"?>
+<p:sld xmlns:a="http://schemas.openxmlformats.org/drawingml/2006/main" xmlns:r="http://schemas.openxmlformats.org/officeDocument/2006/relationships" xmlns:p="http://schemas.openxmlformats.org/presentationml/2006/main">
   <p:cSld>
     <p:spTree>
       <p:nvGrpSpPr>
-        <p:cNvPr id="127" name="Shape 127"/>
+        <p:cNvPr id="1" name="Shape 127"/>
         <p:cNvGrpSpPr/>
         <p:nvPr/>
       </p:nvGrpSpPr>
@@ -7485,7 +8417,7 @@
           <a:blip r:embed="rId3">
             <a:alphaModFix/>
           </a:blip>
-          <a:srcRect b="0" l="0" r="0" t="94924"/>
+          <a:srcRect t="94924"/>
           <a:stretch/>
         </p:blipFill>
         <p:spPr>
@@ -7522,12 +8454,12 @@
           </a:ln>
         </p:spPr>
         <p:txBody>
-          <a:bodyPr anchorCtr="0" anchor="t" bIns="91425" lIns="91425" spcFirstLastPara="1" rIns="91425" wrap="square" tIns="91425">
+          <a:bodyPr spcFirstLastPara="1" wrap="square" lIns="91425" tIns="91425" rIns="91425" bIns="91425" anchor="t" anchorCtr="0">
             <a:normAutofit/>
           </a:bodyPr>
           <a:lstStyle/>
           <a:p>
-            <a:pPr indent="0" lvl="0" marL="0" rtl="0" algn="l">
+            <a:pPr marL="0" lvl="0" indent="0" algn="l" rtl="0">
               <a:lnSpc>
                 <a:spcPct val="115000"/>
               </a:lnSpc>
@@ -7545,7 +8477,7 @@
               <a:buNone/>
             </a:pPr>
             <a:r>
-              <a:rPr b="1" lang="en-GB" sz="2100">
+              <a:rPr lang="en-GB" sz="2100" b="1">
                 <a:solidFill>
                   <a:srgbClr val="001466"/>
                 </a:solidFill>
@@ -7556,7 +8488,7 @@
               </a:rPr>
               <a:t>Estimated cost of/after implementing the solution :</a:t>
             </a:r>
-            <a:endParaRPr b="1" sz="2100">
+            <a:endParaRPr sz="2100" b="1">
               <a:solidFill>
                 <a:srgbClr val="001466"/>
               </a:solidFill>
@@ -7567,7 +8499,7 @@
             </a:endParaRPr>
           </a:p>
           <a:p>
-            <a:pPr indent="0" lvl="0" marL="0" rtl="0" algn="l">
+            <a:pPr marL="0" lvl="0" indent="0" algn="l" rtl="0">
               <a:lnSpc>
                 <a:spcPct val="115000"/>
               </a:lnSpc>
@@ -7579,10 +8511,7 @@
               </a:spcAft>
               <a:buNone/>
             </a:pPr>
-            <a:r>
-              <a:t/>
-            </a:r>
-            <a:endParaRPr b="1" sz="1800">
+            <a:endParaRPr sz="1800" b="1">
               <a:solidFill>
                 <a:srgbClr val="616161"/>
               </a:solidFill>
@@ -7611,17 +8540,17 @@
           <a:solidFill>
             <a:srgbClr val="03192E"/>
           </a:solidFill>
-          <a:ln cap="flat" cmpd="sng" w="9525">
+          <a:ln w="9525" cap="flat" cmpd="sng">
             <a:solidFill>
               <a:schemeClr val="dk2"/>
             </a:solidFill>
             <a:prstDash val="solid"/>
             <a:round/>
-            <a:headEnd len="sm" w="sm" type="none"/>
-            <a:tailEnd len="sm" w="sm" type="none"/>
+            <a:headEnd type="none" w="sm" len="sm"/>
+            <a:tailEnd type="none" w="sm" len="sm"/>
           </a:ln>
           <a:effectLst>
-            <a:outerShdw blurRad="57150" rotWithShape="0" algn="bl" dir="5400000" dist="19050">
+            <a:outerShdw blurRad="57150" dist="19050" dir="5400000" algn="bl" rotWithShape="0">
               <a:schemeClr val="lt1">
                 <a:alpha val="50000"/>
               </a:schemeClr>
@@ -7629,12 +8558,12 @@
           </a:effectLst>
         </p:spPr>
         <p:txBody>
-          <a:bodyPr anchorCtr="0" anchor="ctr" bIns="91425" lIns="91425" spcFirstLastPara="1" rIns="91425" wrap="square" tIns="91425">
+          <a:bodyPr spcFirstLastPara="1" wrap="square" lIns="91425" tIns="91425" rIns="91425" bIns="91425" anchor="ctr" anchorCtr="0">
             <a:noAutofit/>
           </a:bodyPr>
           <a:lstStyle/>
           <a:p>
-            <a:pPr indent="0" lvl="0" marL="0" rtl="0" algn="l">
+            <a:pPr marL="0" lvl="0" indent="0" algn="l" rtl="0">
               <a:spcBef>
                 <a:spcPts val="0"/>
               </a:spcBef>
@@ -7643,9 +8572,6 @@
               </a:spcAft>
               <a:buNone/>
             </a:pPr>
-            <a:r>
-              <a:t/>
-            </a:r>
             <a:endParaRPr/>
           </a:p>
         </p:txBody>
@@ -7660,7 +8586,7 @@
           <a:blip r:embed="rId4">
             <a:alphaModFix/>
           </a:blip>
-          <a:srcRect b="86591" l="0" r="0" t="0"/>
+          <a:srcRect b="86591"/>
           <a:stretch/>
         </p:blipFill>
         <p:spPr>
@@ -7685,12 +8611,12 @@
 </p:sld>
 </file>
 
-<file path=ppt/slides/slide12.xml><?xml version="1.0" encoding="utf-8"?>
-<p:sld xmlns:a="http://schemas.openxmlformats.org/drawingml/2006/main" xmlns:r="http://schemas.openxmlformats.org/officeDocument/2006/relationships" xmlns:mc="http://schemas.openxmlformats.org/markup-compatibility/2006" xmlns:mv="urn:schemas-microsoft-com:mac:vml" xmlns:p="http://schemas.openxmlformats.org/presentationml/2006/main" xmlns:c="http://schemas.openxmlformats.org/drawingml/2006/chart" xmlns:dgm="http://schemas.openxmlformats.org/drawingml/2006/diagram" xmlns:o="urn:schemas-microsoft-com:office:office" xmlns:v="urn:schemas-microsoft-com:vml" xmlns:pvml="urn:schemas-microsoft-com:office:powerpoint" xmlns:com="http://schemas.openxmlformats.org/drawingml/2006/compatibility" xmlns:p14="http://schemas.microsoft.com/office/powerpoint/2010/main" xmlns:p15="http://schemas.microsoft.com/office/powerpoint/2012/main" xmlns:ahyp="http://schemas.microsoft.com/office/drawing/2018/hyperlinkcolor">
+<file path=ppt/slides/slide14.xml><?xml version="1.0" encoding="utf-8"?>
+<p:sld xmlns:a="http://schemas.openxmlformats.org/drawingml/2006/main" xmlns:r="http://schemas.openxmlformats.org/officeDocument/2006/relationships" xmlns:p="http://schemas.openxmlformats.org/presentationml/2006/main">
   <p:cSld>
     <p:spTree>
       <p:nvGrpSpPr>
-        <p:cNvPr id="135" name="Shape 135"/>
+        <p:cNvPr id="1" name="Shape 135"/>
         <p:cNvGrpSpPr/>
         <p:nvPr/>
       </p:nvGrpSpPr>
@@ -7712,7 +8638,7 @@
           <a:blip r:embed="rId3">
             <a:alphaModFix/>
           </a:blip>
-          <a:srcRect b="0" l="0" r="0" t="94924"/>
+          <a:srcRect t="94924"/>
           <a:stretch/>
         </p:blipFill>
         <p:spPr>
@@ -7749,12 +8675,12 @@
           </a:ln>
         </p:spPr>
         <p:txBody>
-          <a:bodyPr anchorCtr="0" anchor="t" bIns="91425" lIns="91425" spcFirstLastPara="1" rIns="91425" wrap="square" tIns="91425">
+          <a:bodyPr spcFirstLastPara="1" wrap="square" lIns="91425" tIns="91425" rIns="91425" bIns="91425" anchor="t" anchorCtr="0">
             <a:normAutofit/>
           </a:bodyPr>
           <a:lstStyle/>
           <a:p>
-            <a:pPr indent="0" lvl="0" marL="0" rtl="0" algn="l">
+            <a:pPr marL="0" lvl="0" indent="0" algn="l" rtl="0">
               <a:lnSpc>
                 <a:spcPct val="115000"/>
               </a:lnSpc>
@@ -7767,7 +8693,7 @@
               <a:buNone/>
             </a:pPr>
             <a:r>
-              <a:rPr b="1" lang="en-GB" sz="2100">
+              <a:rPr lang="en-GB" sz="2100" b="1">
                 <a:solidFill>
                   <a:srgbClr val="001466"/>
                 </a:solidFill>
@@ -7778,7 +8704,7 @@
               </a:rPr>
               <a:t>Demo Video/Live Demo</a:t>
             </a:r>
-            <a:endParaRPr b="1" sz="1800">
+            <a:endParaRPr sz="1800" b="1">
               <a:solidFill>
                 <a:srgbClr val="616161"/>
               </a:solidFill>
@@ -7807,17 +8733,17 @@
           <a:solidFill>
             <a:srgbClr val="03192E"/>
           </a:solidFill>
-          <a:ln cap="flat" cmpd="sng" w="9525">
+          <a:ln w="9525" cap="flat" cmpd="sng">
             <a:solidFill>
               <a:schemeClr val="dk2"/>
             </a:solidFill>
             <a:prstDash val="solid"/>
             <a:round/>
-            <a:headEnd len="sm" w="sm" type="none"/>
-            <a:tailEnd len="sm" w="sm" type="none"/>
+            <a:headEnd type="none" w="sm" len="sm"/>
+            <a:tailEnd type="none" w="sm" len="sm"/>
           </a:ln>
           <a:effectLst>
-            <a:outerShdw blurRad="57150" rotWithShape="0" algn="bl" dir="5400000" dist="19050">
+            <a:outerShdw blurRad="57150" dist="19050" dir="5400000" algn="bl" rotWithShape="0">
               <a:schemeClr val="lt1">
                 <a:alpha val="50000"/>
               </a:schemeClr>
@@ -7825,12 +8751,12 @@
           </a:effectLst>
         </p:spPr>
         <p:txBody>
-          <a:bodyPr anchorCtr="0" anchor="ctr" bIns="91425" lIns="91425" spcFirstLastPara="1" rIns="91425" wrap="square" tIns="91425">
+          <a:bodyPr spcFirstLastPara="1" wrap="square" lIns="91425" tIns="91425" rIns="91425" bIns="91425" anchor="ctr" anchorCtr="0">
             <a:noAutofit/>
           </a:bodyPr>
           <a:lstStyle/>
           <a:p>
-            <a:pPr indent="0" lvl="0" marL="0" rtl="0" algn="l">
+            <a:pPr marL="0" lvl="0" indent="0" algn="l" rtl="0">
               <a:spcBef>
                 <a:spcPts val="0"/>
               </a:spcBef>
@@ -7839,9 +8765,6 @@
               </a:spcAft>
               <a:buNone/>
             </a:pPr>
-            <a:r>
-              <a:t/>
-            </a:r>
             <a:endParaRPr/>
           </a:p>
         </p:txBody>
@@ -7856,7 +8779,7 @@
           <a:blip r:embed="rId4">
             <a:alphaModFix/>
           </a:blip>
-          <a:srcRect b="86591" l="0" r="0" t="0"/>
+          <a:srcRect b="86591"/>
           <a:stretch/>
         </p:blipFill>
         <p:spPr>
@@ -7881,12 +8804,12 @@
 </p:sld>
 </file>
 
-<file path=ppt/slides/slide13.xml><?xml version="1.0" encoding="utf-8"?>
-<p:sld xmlns:a="http://schemas.openxmlformats.org/drawingml/2006/main" xmlns:r="http://schemas.openxmlformats.org/officeDocument/2006/relationships" xmlns:mc="http://schemas.openxmlformats.org/markup-compatibility/2006" xmlns:mv="urn:schemas-microsoft-com:mac:vml" xmlns:p="http://schemas.openxmlformats.org/presentationml/2006/main" xmlns:c="http://schemas.openxmlformats.org/drawingml/2006/chart" xmlns:dgm="http://schemas.openxmlformats.org/drawingml/2006/diagram" xmlns:o="urn:schemas-microsoft-com:office:office" xmlns:v="urn:schemas-microsoft-com:vml" xmlns:pvml="urn:schemas-microsoft-com:office:powerpoint" xmlns:com="http://schemas.openxmlformats.org/drawingml/2006/compatibility" xmlns:p14="http://schemas.microsoft.com/office/powerpoint/2010/main" xmlns:p15="http://schemas.microsoft.com/office/powerpoint/2012/main" xmlns:ahyp="http://schemas.microsoft.com/office/drawing/2018/hyperlinkcolor">
+<file path=ppt/slides/slide15.xml><?xml version="1.0" encoding="utf-8"?>
+<p:sld xmlns:a="http://schemas.openxmlformats.org/drawingml/2006/main" xmlns:r="http://schemas.openxmlformats.org/officeDocument/2006/relationships" xmlns:p="http://schemas.openxmlformats.org/presentationml/2006/main">
   <p:cSld>
     <p:spTree>
       <p:nvGrpSpPr>
-        <p:cNvPr id="143" name="Shape 143"/>
+        <p:cNvPr id="1" name="Shape 143"/>
         <p:cNvGrpSpPr/>
         <p:nvPr/>
       </p:nvGrpSpPr>
@@ -7908,7 +8831,7 @@
           <a:blip r:embed="rId3">
             <a:alphaModFix/>
           </a:blip>
-          <a:srcRect b="0" l="0" r="0" t="94924"/>
+          <a:srcRect t="94924"/>
           <a:stretch/>
         </p:blipFill>
         <p:spPr>
@@ -7945,12 +8868,12 @@
           </a:ln>
         </p:spPr>
         <p:txBody>
-          <a:bodyPr anchorCtr="0" anchor="t" bIns="91425" lIns="91425" spcFirstLastPara="1" rIns="91425" wrap="square" tIns="91425">
+          <a:bodyPr spcFirstLastPara="1" wrap="square" lIns="91425" tIns="91425" rIns="91425" bIns="91425" anchor="t" anchorCtr="0">
             <a:normAutofit/>
           </a:bodyPr>
           <a:lstStyle/>
           <a:p>
-            <a:pPr indent="0" lvl="0" marL="0" rtl="0" algn="l">
+            <a:pPr marL="0" lvl="0" indent="0" algn="l" rtl="0">
               <a:lnSpc>
                 <a:spcPct val="115000"/>
               </a:lnSpc>
@@ -7968,7 +8891,7 @@
               <a:buNone/>
             </a:pPr>
             <a:r>
-              <a:rPr b="1" lang="en-GB" sz="2100">
+              <a:rPr lang="en-GB" sz="2100" b="1">
                 <a:solidFill>
                   <a:srgbClr val="001466"/>
                 </a:solidFill>
@@ -7979,7 +8902,7 @@
               </a:rPr>
               <a:t>GitHub Link (Codes should be public and available after hackathon also)</a:t>
             </a:r>
-            <a:endParaRPr b="1" sz="2100">
+            <a:endParaRPr sz="2100" b="1">
               <a:solidFill>
                 <a:srgbClr val="001466"/>
               </a:solidFill>
@@ -7990,7 +8913,7 @@
             </a:endParaRPr>
           </a:p>
           <a:p>
-            <a:pPr indent="0" lvl="0" marL="0" rtl="0" algn="l">
+            <a:pPr marL="0" lvl="0" indent="0" algn="l" rtl="0">
               <a:lnSpc>
                 <a:spcPct val="115000"/>
               </a:lnSpc>
@@ -8002,10 +8925,7 @@
               </a:spcAft>
               <a:buNone/>
             </a:pPr>
-            <a:r>
-              <a:t/>
-            </a:r>
-            <a:endParaRPr b="1" sz="1800">
+            <a:endParaRPr sz="1800" b="1">
               <a:solidFill>
                 <a:srgbClr val="616161"/>
               </a:solidFill>
@@ -8034,17 +8954,17 @@
           <a:solidFill>
             <a:srgbClr val="03192E"/>
           </a:solidFill>
-          <a:ln cap="flat" cmpd="sng" w="9525">
+          <a:ln w="9525" cap="flat" cmpd="sng">
             <a:solidFill>
               <a:schemeClr val="dk2"/>
             </a:solidFill>
             <a:prstDash val="solid"/>
             <a:round/>
-            <a:headEnd len="sm" w="sm" type="none"/>
-            <a:tailEnd len="sm" w="sm" type="none"/>
+            <a:headEnd type="none" w="sm" len="sm"/>
+            <a:tailEnd type="none" w="sm" len="sm"/>
           </a:ln>
           <a:effectLst>
-            <a:outerShdw blurRad="57150" rotWithShape="0" algn="bl" dir="5400000" dist="19050">
+            <a:outerShdw blurRad="57150" dist="19050" dir="5400000" algn="bl" rotWithShape="0">
               <a:schemeClr val="lt1">
                 <a:alpha val="50000"/>
               </a:schemeClr>
@@ -8052,12 +8972,12 @@
           </a:effectLst>
         </p:spPr>
         <p:txBody>
-          <a:bodyPr anchorCtr="0" anchor="ctr" bIns="91425" lIns="91425" spcFirstLastPara="1" rIns="91425" wrap="square" tIns="91425">
+          <a:bodyPr spcFirstLastPara="1" wrap="square" lIns="91425" tIns="91425" rIns="91425" bIns="91425" anchor="ctr" anchorCtr="0">
             <a:noAutofit/>
           </a:bodyPr>
           <a:lstStyle/>
           <a:p>
-            <a:pPr indent="0" lvl="0" marL="0" rtl="0" algn="l">
+            <a:pPr marL="0" lvl="0" indent="0" algn="l" rtl="0">
               <a:spcBef>
                 <a:spcPts val="0"/>
               </a:spcBef>
@@ -8066,9 +8986,6 @@
               </a:spcAft>
               <a:buNone/>
             </a:pPr>
-            <a:r>
-              <a:t/>
-            </a:r>
             <a:endParaRPr/>
           </a:p>
         </p:txBody>
@@ -8083,7 +9000,7 @@
           <a:blip r:embed="rId4">
             <a:alphaModFix/>
           </a:blip>
-          <a:srcRect b="86591" l="0" r="0" t="0"/>
+          <a:srcRect b="86591"/>
           <a:stretch/>
         </p:blipFill>
         <p:spPr>
@@ -8108,12 +9025,12 @@
 </p:sld>
 </file>
 
-<file path=ppt/slides/slide14.xml><?xml version="1.0" encoding="utf-8"?>
-<p:sld xmlns:a="http://schemas.openxmlformats.org/drawingml/2006/main" xmlns:r="http://schemas.openxmlformats.org/officeDocument/2006/relationships" xmlns:mc="http://schemas.openxmlformats.org/markup-compatibility/2006" xmlns:mv="urn:schemas-microsoft-com:mac:vml" xmlns:p="http://schemas.openxmlformats.org/presentationml/2006/main" xmlns:c="http://schemas.openxmlformats.org/drawingml/2006/chart" xmlns:dgm="http://schemas.openxmlformats.org/drawingml/2006/diagram" xmlns:o="urn:schemas-microsoft-com:office:office" xmlns:v="urn:schemas-microsoft-com:vml" xmlns:pvml="urn:schemas-microsoft-com:office:powerpoint" xmlns:com="http://schemas.openxmlformats.org/drawingml/2006/compatibility" xmlns:p14="http://schemas.microsoft.com/office/powerpoint/2010/main" xmlns:p15="http://schemas.microsoft.com/office/powerpoint/2012/main" xmlns:ahyp="http://schemas.microsoft.com/office/drawing/2018/hyperlinkcolor">
+<file path=ppt/slides/slide16.xml><?xml version="1.0" encoding="utf-8"?>
+<p:sld xmlns:a="http://schemas.openxmlformats.org/drawingml/2006/main" xmlns:r="http://schemas.openxmlformats.org/officeDocument/2006/relationships" xmlns:p="http://schemas.openxmlformats.org/presentationml/2006/main">
   <p:cSld>
     <p:spTree>
       <p:nvGrpSpPr>
-        <p:cNvPr id="151" name="Shape 151"/>
+        <p:cNvPr id="1" name="Shape 151"/>
         <p:cNvGrpSpPr/>
         <p:nvPr/>
       </p:nvGrpSpPr>
@@ -8135,7 +9052,7 @@
           <a:blip r:embed="rId3">
             <a:alphaModFix/>
           </a:blip>
-          <a:srcRect b="0" l="0" r="0" t="94924"/>
+          <a:srcRect t="94924"/>
           <a:stretch/>
         </p:blipFill>
         <p:spPr>
@@ -8172,12 +9089,12 @@
           </a:ln>
         </p:spPr>
         <p:txBody>
-          <a:bodyPr anchorCtr="0" anchor="t" bIns="91425" lIns="91425" spcFirstLastPara="1" rIns="91425" wrap="square" tIns="91425">
+          <a:bodyPr spcFirstLastPara="1" wrap="square" lIns="91425" tIns="91425" rIns="91425" bIns="91425" anchor="t" anchorCtr="0">
             <a:normAutofit/>
           </a:bodyPr>
           <a:lstStyle/>
           <a:p>
-            <a:pPr indent="0" lvl="0" marL="0" rtl="0" algn="l">
+            <a:pPr marL="0" lvl="0" indent="0" algn="l" rtl="0">
               <a:lnSpc>
                 <a:spcPct val="115000"/>
               </a:lnSpc>
@@ -8190,7 +9107,7 @@
               <a:buNone/>
             </a:pPr>
             <a:r>
-              <a:rPr b="1" lang="en-GB" sz="2100">
+              <a:rPr lang="en-GB" sz="2100" b="1">
                 <a:solidFill>
                   <a:srgbClr val="001466"/>
                 </a:solidFill>
@@ -8201,7 +9118,7 @@
               </a:rPr>
               <a:t>Results Summary </a:t>
             </a:r>
-            <a:endParaRPr b="1" sz="1800">
+            <a:endParaRPr sz="1800" b="1">
               <a:solidFill>
                 <a:srgbClr val="616161"/>
               </a:solidFill>
@@ -8230,17 +9147,17 @@
           <a:solidFill>
             <a:srgbClr val="03192E"/>
           </a:solidFill>
-          <a:ln cap="flat" cmpd="sng" w="9525">
+          <a:ln w="9525" cap="flat" cmpd="sng">
             <a:solidFill>
               <a:schemeClr val="dk2"/>
             </a:solidFill>
             <a:prstDash val="solid"/>
             <a:round/>
-            <a:headEnd len="sm" w="sm" type="none"/>
-            <a:tailEnd len="sm" w="sm" type="none"/>
+            <a:headEnd type="none" w="sm" len="sm"/>
+            <a:tailEnd type="none" w="sm" len="sm"/>
           </a:ln>
           <a:effectLst>
-            <a:outerShdw blurRad="57150" rotWithShape="0" algn="bl" dir="5400000" dist="19050">
+            <a:outerShdw blurRad="57150" dist="19050" dir="5400000" algn="bl" rotWithShape="0">
               <a:schemeClr val="lt1">
                 <a:alpha val="50000"/>
               </a:schemeClr>
@@ -8248,12 +9165,12 @@
           </a:effectLst>
         </p:spPr>
         <p:txBody>
-          <a:bodyPr anchorCtr="0" anchor="ctr" bIns="91425" lIns="91425" spcFirstLastPara="1" rIns="91425" wrap="square" tIns="91425">
+          <a:bodyPr spcFirstLastPara="1" wrap="square" lIns="91425" tIns="91425" rIns="91425" bIns="91425" anchor="ctr" anchorCtr="0">
             <a:noAutofit/>
           </a:bodyPr>
           <a:lstStyle/>
           <a:p>
-            <a:pPr indent="0" lvl="0" marL="0" rtl="0" algn="l">
+            <a:pPr marL="0" lvl="0" indent="0" algn="l" rtl="0">
               <a:spcBef>
                 <a:spcPts val="0"/>
               </a:spcBef>
@@ -8262,9 +9179,6 @@
               </a:spcAft>
               <a:buNone/>
             </a:pPr>
-            <a:r>
-              <a:t/>
-            </a:r>
             <a:endParaRPr/>
           </a:p>
         </p:txBody>
@@ -8279,7 +9193,7 @@
           <a:blip r:embed="rId4">
             <a:alphaModFix/>
           </a:blip>
-          <a:srcRect b="86591" l="0" r="0" t="0"/>
+          <a:srcRect b="86591"/>
           <a:stretch/>
         </p:blipFill>
         <p:spPr>
@@ -8304,12 +9218,12 @@
 </p:sld>
 </file>
 
-<file path=ppt/slides/slide15.xml><?xml version="1.0" encoding="utf-8"?>
-<p:sld xmlns:a="http://schemas.openxmlformats.org/drawingml/2006/main" xmlns:r="http://schemas.openxmlformats.org/officeDocument/2006/relationships" xmlns:mc="http://schemas.openxmlformats.org/markup-compatibility/2006" xmlns:mv="urn:schemas-microsoft-com:mac:vml" xmlns:p="http://schemas.openxmlformats.org/presentationml/2006/main" xmlns:c="http://schemas.openxmlformats.org/drawingml/2006/chart" xmlns:dgm="http://schemas.openxmlformats.org/drawingml/2006/diagram" xmlns:o="urn:schemas-microsoft-com:office:office" xmlns:v="urn:schemas-microsoft-com:vml" xmlns:pvml="urn:schemas-microsoft-com:office:powerpoint" xmlns:com="http://schemas.openxmlformats.org/drawingml/2006/compatibility" xmlns:p14="http://schemas.microsoft.com/office/powerpoint/2010/main" xmlns:p15="http://schemas.microsoft.com/office/powerpoint/2012/main" xmlns:ahyp="http://schemas.microsoft.com/office/drawing/2018/hyperlinkcolor">
+<file path=ppt/slides/slide17.xml><?xml version="1.0" encoding="utf-8"?>
+<p:sld xmlns:a="http://schemas.openxmlformats.org/drawingml/2006/main" xmlns:r="http://schemas.openxmlformats.org/officeDocument/2006/relationships" xmlns:p="http://schemas.openxmlformats.org/presentationml/2006/main">
   <p:cSld>
     <p:spTree>
       <p:nvGrpSpPr>
-        <p:cNvPr id="159" name="Shape 159"/>
+        <p:cNvPr id="1" name="Shape 159"/>
         <p:cNvGrpSpPr/>
         <p:nvPr/>
       </p:nvGrpSpPr>
@@ -8358,11 +9272,11 @@
 </file>
 
 <file path=ppt/slides/slide2.xml><?xml version="1.0" encoding="utf-8"?>
-<p:sld xmlns:a="http://schemas.openxmlformats.org/drawingml/2006/main" xmlns:r="http://schemas.openxmlformats.org/officeDocument/2006/relationships" xmlns:mc="http://schemas.openxmlformats.org/markup-compatibility/2006" xmlns:mv="urn:schemas-microsoft-com:mac:vml" xmlns:p="http://schemas.openxmlformats.org/presentationml/2006/main" xmlns:c="http://schemas.openxmlformats.org/drawingml/2006/chart" xmlns:dgm="http://schemas.openxmlformats.org/drawingml/2006/diagram" xmlns:o="urn:schemas-microsoft-com:office:office" xmlns:v="urn:schemas-microsoft-com:vml" xmlns:pvml="urn:schemas-microsoft-com:office:powerpoint" xmlns:com="http://schemas.openxmlformats.org/drawingml/2006/compatibility" xmlns:p14="http://schemas.microsoft.com/office/powerpoint/2010/main" xmlns:p15="http://schemas.microsoft.com/office/powerpoint/2012/main" xmlns:ahyp="http://schemas.microsoft.com/office/drawing/2018/hyperlinkcolor">
+<p:sld xmlns:a="http://schemas.openxmlformats.org/drawingml/2006/main" xmlns:r="http://schemas.openxmlformats.org/officeDocument/2006/relationships" xmlns:p="http://schemas.openxmlformats.org/presentationml/2006/main">
   <p:cSld>
     <p:spTree>
       <p:nvGrpSpPr>
-        <p:cNvPr id="60" name="Shape 60"/>
+        <p:cNvPr id="1" name="Shape 60"/>
         <p:cNvGrpSpPr/>
         <p:nvPr/>
       </p:nvGrpSpPr>
@@ -8422,12 +9336,12 @@
           </a:ln>
         </p:spPr>
         <p:txBody>
-          <a:bodyPr anchorCtr="0" anchor="t" bIns="91425" lIns="91425" spcFirstLastPara="1" rIns="91425" wrap="square" tIns="91425">
-            <a:normAutofit lnSpcReduction="10000"/>
+          <a:bodyPr spcFirstLastPara="1" wrap="square" lIns="91425" tIns="91425" rIns="91425" bIns="91425" anchor="t" anchorCtr="0">
+            <a:normAutofit/>
           </a:bodyPr>
           <a:lstStyle/>
           <a:p>
-            <a:pPr indent="0" lvl="0" marL="0" rtl="0" algn="l">
+            <a:pPr marL="0" lvl="0" indent="0" algn="l" rtl="0">
               <a:spcBef>
                 <a:spcPts val="0"/>
               </a:spcBef>
@@ -8437,7 +9351,7 @@
               <a:buNone/>
             </a:pPr>
             <a:r>
-              <a:rPr lang="en-GB" sz="2800">
+              <a:rPr lang="en-GB" sz="2000" dirty="0">
                 <a:solidFill>
                   <a:srgbClr val="202729"/>
                 </a:solidFill>
@@ -8446,9 +9360,9 @@
                 <a:cs typeface="Proxima Nova"/>
                 <a:sym typeface="Proxima Nova"/>
               </a:rPr>
-              <a:t>Team Name :</a:t>
+              <a:t>Team Name :BMSIT MCA</a:t>
             </a:r>
-            <a:endParaRPr sz="2800">
+            <a:endParaRPr sz="2000" dirty="0">
               <a:solidFill>
                 <a:srgbClr val="202729"/>
               </a:solidFill>
@@ -8480,22 +9394,13 @@
           </a:ln>
         </p:spPr>
         <p:txBody>
-          <a:bodyPr anchorCtr="0" anchor="t" bIns="91425" lIns="91425" spcFirstLastPara="1" rIns="91425" wrap="square" tIns="91425">
-            <a:normAutofit lnSpcReduction="10000"/>
+          <a:bodyPr spcFirstLastPara="1" wrap="square" lIns="91425" tIns="91425" rIns="91425" bIns="91425" anchor="t" anchorCtr="0">
+            <a:normAutofit fontScale="25000" lnSpcReduction="20000"/>
           </a:bodyPr>
           <a:lstStyle/>
           <a:p>
-            <a:pPr indent="0" lvl="0" marL="0" rtl="0" algn="l">
-              <a:spcBef>
-                <a:spcPts val="0"/>
-              </a:spcBef>
-              <a:spcAft>
-                <a:spcPts val="0"/>
-              </a:spcAft>
-              <a:buNone/>
-            </a:pPr>
             <a:r>
-              <a:rPr lang="en-GB" sz="2800">
+              <a:rPr lang="en-GB" sz="8000" dirty="0">
                 <a:solidFill>
                   <a:srgbClr val="202729"/>
                 </a:solidFill>
@@ -8506,7 +9411,28 @@
               </a:rPr>
               <a:t>Problem Statement :</a:t>
             </a:r>
-            <a:endParaRPr sz="2800">
+            <a:r>
+              <a:rPr lang="en-US" sz="8000" b="1" i="0" dirty="0">
+                <a:solidFill>
+                  <a:srgbClr val="212529"/>
+                </a:solidFill>
+                <a:effectLst/>
+                <a:latin typeface="Archivo"/>
+              </a:rPr>
+              <a:t>Financial Inclusion in Remote Areas: Digital Financial Services for Unconnected Regions</a:t>
+            </a:r>
+          </a:p>
+          <a:p>
+            <a:pPr marL="0" lvl="0" indent="0" algn="l" rtl="0">
+              <a:spcBef>
+                <a:spcPts val="0"/>
+              </a:spcBef>
+              <a:spcAft>
+                <a:spcPts val="0"/>
+              </a:spcAft>
+              <a:buNone/>
+            </a:pPr>
+            <a:endParaRPr sz="2800" dirty="0">
               <a:solidFill>
                 <a:srgbClr val="202729"/>
               </a:solidFill>
@@ -8527,11 +9453,11 @@
 </file>
 
 <file path=ppt/slides/slide3.xml><?xml version="1.0" encoding="utf-8"?>
-<p:sld xmlns:a="http://schemas.openxmlformats.org/drawingml/2006/main" xmlns:r="http://schemas.openxmlformats.org/officeDocument/2006/relationships" xmlns:mc="http://schemas.openxmlformats.org/markup-compatibility/2006" xmlns:mv="urn:schemas-microsoft-com:mac:vml" xmlns:p="http://schemas.openxmlformats.org/presentationml/2006/main" xmlns:c="http://schemas.openxmlformats.org/drawingml/2006/chart" xmlns:dgm="http://schemas.openxmlformats.org/drawingml/2006/diagram" xmlns:o="urn:schemas-microsoft-com:office:office" xmlns:v="urn:schemas-microsoft-com:vml" xmlns:pvml="urn:schemas-microsoft-com:office:powerpoint" xmlns:com="http://schemas.openxmlformats.org/drawingml/2006/compatibility" xmlns:p14="http://schemas.microsoft.com/office/powerpoint/2010/main" xmlns:p15="http://schemas.microsoft.com/office/powerpoint/2012/main" xmlns:ahyp="http://schemas.microsoft.com/office/drawing/2018/hyperlinkcolor">
+<p:sld xmlns:a="http://schemas.openxmlformats.org/drawingml/2006/main" xmlns:r="http://schemas.openxmlformats.org/officeDocument/2006/relationships" xmlns:p="http://schemas.openxmlformats.org/presentationml/2006/main">
   <p:cSld>
     <p:spTree>
       <p:nvGrpSpPr>
-        <p:cNvPr id="67" name="Shape 67"/>
+        <p:cNvPr id="1" name="Shape 67"/>
         <p:cNvGrpSpPr/>
         <p:nvPr/>
       </p:nvGrpSpPr>
@@ -8563,12 +9489,12 @@
           </a:ln>
         </p:spPr>
         <p:txBody>
-          <a:bodyPr anchorCtr="0" anchor="t" bIns="91425" lIns="91425" spcFirstLastPara="1" rIns="91425" wrap="square" tIns="91425">
-            <a:normAutofit/>
+          <a:bodyPr spcFirstLastPara="1" wrap="square" lIns="91425" tIns="91425" rIns="91425" bIns="91425" anchor="t" anchorCtr="0">
+            <a:noAutofit/>
           </a:bodyPr>
           <a:lstStyle/>
           <a:p>
-            <a:pPr indent="0" lvl="0" marL="0" rtl="0" algn="l">
+            <a:pPr marL="0" lvl="0" indent="0" algn="l" rtl="0">
               <a:lnSpc>
                 <a:spcPct val="115000"/>
               </a:lnSpc>
@@ -8586,7 +9512,7 @@
               <a:buNone/>
             </a:pPr>
             <a:r>
-              <a:rPr b="1" lang="en-GB" sz="2200">
+              <a:rPr lang="en-GB" sz="1200" b="1" dirty="0">
                 <a:solidFill>
                   <a:srgbClr val="001466"/>
                 </a:solidFill>
@@ -8597,7 +9523,7 @@
               </a:rPr>
               <a:t>Brief about the Idea</a:t>
             </a:r>
-            <a:endParaRPr b="1" sz="2200">
+            <a:endParaRPr sz="1200" b="1" dirty="0">
               <a:solidFill>
                 <a:srgbClr val="001466"/>
               </a:solidFill>
@@ -8608,7 +9534,7 @@
             </a:endParaRPr>
           </a:p>
           <a:p>
-            <a:pPr indent="0" lvl="0" marL="0" rtl="0" algn="l">
+            <a:pPr marL="285750" lvl="0" indent="-285750" algn="l" rtl="0">
               <a:lnSpc>
                 <a:spcPct val="115000"/>
               </a:lnSpc>
@@ -8618,12 +9544,189 @@
               <a:spcAft>
                 <a:spcPts val="1200"/>
               </a:spcAft>
-              <a:buNone/>
+              <a:buFont typeface="Arial" panose="020B0604020202020204" pitchFamily="34" charset="0"/>
+              <a:buChar char="•"/>
             </a:pPr>
             <a:r>
-              <a:t/>
+              <a:rPr lang="en-US" sz="1200" b="1" dirty="0">
+                <a:solidFill>
+                  <a:srgbClr val="616161"/>
+                </a:solidFill>
+                <a:latin typeface="Proxima Nova"/>
+                <a:ea typeface="Proxima Nova"/>
+                <a:cs typeface="Proxima Nova"/>
+                <a:sym typeface="Proxima Nova"/>
+              </a:rPr>
+              <a:t>The Idea is to create a mobile application which is based on both internet and SMS communication. </a:t>
             </a:r>
-            <a:endParaRPr b="1" sz="1800">
+          </a:p>
+          <a:p>
+            <a:pPr marL="285750" lvl="0" indent="-285750" algn="l" rtl="0">
+              <a:lnSpc>
+                <a:spcPct val="115000"/>
+              </a:lnSpc>
+              <a:spcBef>
+                <a:spcPts val="0"/>
+              </a:spcBef>
+              <a:spcAft>
+                <a:spcPts val="1200"/>
+              </a:spcAft>
+              <a:buFont typeface="Arial" panose="020B0604020202020204" pitchFamily="34" charset="0"/>
+              <a:buChar char="•"/>
+            </a:pPr>
+            <a:r>
+              <a:rPr lang="en-US" sz="1200" b="1" dirty="0">
+                <a:solidFill>
+                  <a:srgbClr val="616161"/>
+                </a:solidFill>
+                <a:latin typeface="Proxima Nova"/>
+                <a:ea typeface="Proxima Nova"/>
+                <a:cs typeface="Proxima Nova"/>
+                <a:sym typeface="Proxima Nova"/>
+              </a:rPr>
+              <a:t>The main goal is to create a user friendly Mobile Application which can be useful for the people from rural areas to perform financial transactions.</a:t>
+            </a:r>
+          </a:p>
+          <a:p>
+            <a:pPr marL="285750" lvl="0" indent="-285750" algn="l" rtl="0">
+              <a:lnSpc>
+                <a:spcPct val="115000"/>
+              </a:lnSpc>
+              <a:spcBef>
+                <a:spcPts val="0"/>
+              </a:spcBef>
+              <a:spcAft>
+                <a:spcPts val="1200"/>
+              </a:spcAft>
+              <a:buFont typeface="Arial" panose="020B0604020202020204" pitchFamily="34" charset="0"/>
+              <a:buChar char="•"/>
+            </a:pPr>
+            <a:r>
+              <a:rPr lang="en-US" sz="1200" b="1" dirty="0">
+                <a:solidFill>
+                  <a:srgbClr val="616161"/>
+                </a:solidFill>
+                <a:latin typeface="Proxima Nova"/>
+                <a:ea typeface="Proxima Nova"/>
+                <a:cs typeface="Proxima Nova"/>
+                <a:sym typeface="Proxima Nova"/>
+              </a:rPr>
+              <a:t>The User Interface is simple yet self explanatory which even people without literacy can easily access.</a:t>
+            </a:r>
+          </a:p>
+          <a:p>
+            <a:pPr marL="285750" lvl="0" indent="-285750" algn="l" rtl="0">
+              <a:lnSpc>
+                <a:spcPct val="115000"/>
+              </a:lnSpc>
+              <a:spcBef>
+                <a:spcPts val="0"/>
+              </a:spcBef>
+              <a:spcAft>
+                <a:spcPts val="1200"/>
+              </a:spcAft>
+              <a:buFont typeface="Arial" panose="020B0604020202020204" pitchFamily="34" charset="0"/>
+              <a:buChar char="•"/>
+            </a:pPr>
+            <a:r>
+              <a:rPr lang="en-US" sz="1200" b="1" dirty="0">
+                <a:solidFill>
+                  <a:srgbClr val="616161"/>
+                </a:solidFill>
+                <a:latin typeface="Proxima Nova"/>
+                <a:ea typeface="Proxima Nova"/>
+                <a:cs typeface="Proxima Nova"/>
+                <a:sym typeface="Proxima Nova"/>
+              </a:rPr>
+              <a:t>The remote villages will be divided into nodal points and each point will have it’s own database. This database will be used to update the transactions on an </a:t>
+            </a:r>
+            <a:r>
+              <a:rPr lang="en-US" sz="1200" b="1">
+                <a:solidFill>
+                  <a:srgbClr val="616161"/>
+                </a:solidFill>
+                <a:latin typeface="Proxima Nova"/>
+                <a:ea typeface="Proxima Nova"/>
+                <a:cs typeface="Proxima Nova"/>
+                <a:sym typeface="Proxima Nova"/>
+              </a:rPr>
+              <a:t>hourly basis.</a:t>
+            </a:r>
+            <a:endParaRPr lang="en-US" sz="1200" b="1" dirty="0">
+              <a:solidFill>
+                <a:srgbClr val="616161"/>
+              </a:solidFill>
+              <a:latin typeface="Proxima Nova"/>
+              <a:ea typeface="Proxima Nova"/>
+              <a:cs typeface="Proxima Nova"/>
+              <a:sym typeface="Proxima Nova"/>
+            </a:endParaRPr>
+          </a:p>
+          <a:p>
+            <a:pPr marL="285750" lvl="0" indent="-285750" algn="l" rtl="0">
+              <a:lnSpc>
+                <a:spcPct val="115000"/>
+              </a:lnSpc>
+              <a:spcBef>
+                <a:spcPts val="0"/>
+              </a:spcBef>
+              <a:spcAft>
+                <a:spcPts val="1200"/>
+              </a:spcAft>
+              <a:buFont typeface="Arial" panose="020B0604020202020204" pitchFamily="34" charset="0"/>
+              <a:buChar char="•"/>
+            </a:pPr>
+            <a:r>
+              <a:rPr lang="en-US" sz="1200" b="1" dirty="0">
+                <a:solidFill>
+                  <a:srgbClr val="616161"/>
+                </a:solidFill>
+                <a:latin typeface="Proxima Nova"/>
+                <a:ea typeface="Proxima Nova"/>
+                <a:cs typeface="Proxima Nova"/>
+                <a:sym typeface="Proxima Nova"/>
+              </a:rPr>
+              <a:t>The Mobile Application will be able to update the transaction history every hour assuming that 15 minutes of internet might be available at that certain point in time since there are connectivity issues in rural areas.</a:t>
+            </a:r>
+          </a:p>
+          <a:p>
+            <a:pPr marL="285750" lvl="0" indent="-285750" algn="l" rtl="0">
+              <a:lnSpc>
+                <a:spcPct val="115000"/>
+              </a:lnSpc>
+              <a:spcBef>
+                <a:spcPts val="0"/>
+              </a:spcBef>
+              <a:spcAft>
+                <a:spcPts val="1200"/>
+              </a:spcAft>
+              <a:buFont typeface="Arial" panose="020B0604020202020204" pitchFamily="34" charset="0"/>
+              <a:buChar char="•"/>
+            </a:pPr>
+            <a:r>
+              <a:rPr lang="en-US" sz="1200" b="1" dirty="0">
+                <a:solidFill>
+                  <a:srgbClr val="616161"/>
+                </a:solidFill>
+                <a:latin typeface="Proxima Nova"/>
+                <a:ea typeface="Proxima Nova"/>
+                <a:cs typeface="Proxima Nova"/>
+                <a:sym typeface="Proxima Nova"/>
+              </a:rPr>
+              <a:t>If we are not able to access internet over a period of time(say 2 hours) the Mobile Application will be updating the transaction details through the SMS feature available in the application</a:t>
+            </a:r>
+            <a:br>
+              <a:rPr lang="en-US" sz="1200" b="1" dirty="0">
+                <a:solidFill>
+                  <a:srgbClr val="616161"/>
+                </a:solidFill>
+                <a:latin typeface="Proxima Nova"/>
+                <a:ea typeface="Proxima Nova"/>
+                <a:cs typeface="Proxima Nova"/>
+                <a:sym typeface="Proxima Nova"/>
+              </a:rPr>
+            </a:br>
+            <a:endParaRPr sz="1200" b="1" dirty="0">
               <a:solidFill>
                 <a:srgbClr val="616161"/>
               </a:solidFill>
@@ -8652,23 +9755,23 @@
           <a:solidFill>
             <a:srgbClr val="03192E"/>
           </a:solidFill>
-          <a:ln cap="flat" cmpd="sng" w="9525">
+          <a:ln w="9525" cap="flat" cmpd="sng">
             <a:solidFill>
               <a:schemeClr val="dk2"/>
             </a:solidFill>
             <a:prstDash val="solid"/>
             <a:round/>
-            <a:headEnd len="sm" w="sm" type="none"/>
-            <a:tailEnd len="sm" w="sm" type="none"/>
+            <a:headEnd type="none" w="sm" len="sm"/>
+            <a:tailEnd type="none" w="sm" len="sm"/>
           </a:ln>
         </p:spPr>
         <p:txBody>
-          <a:bodyPr anchorCtr="0" anchor="ctr" bIns="91425" lIns="91425" spcFirstLastPara="1" rIns="91425" wrap="square" tIns="91425">
+          <a:bodyPr spcFirstLastPara="1" wrap="square" lIns="91425" tIns="91425" rIns="91425" bIns="91425" anchor="ctr" anchorCtr="0">
             <a:noAutofit/>
           </a:bodyPr>
           <a:lstStyle/>
           <a:p>
-            <a:pPr indent="0" lvl="0" marL="0" rtl="0" algn="l">
+            <a:pPr marL="0" lvl="0" indent="0" algn="l" rtl="0">
               <a:spcBef>
                 <a:spcPts val="0"/>
               </a:spcBef>
@@ -8677,9 +9780,6 @@
               </a:spcAft>
               <a:buNone/>
             </a:pPr>
-            <a:r>
-              <a:t/>
-            </a:r>
             <a:endParaRPr/>
           </a:p>
         </p:txBody>
@@ -8694,7 +9794,7 @@
           <a:blip r:embed="rId3">
             <a:alphaModFix/>
           </a:blip>
-          <a:srcRect b="86591" l="0" r="0" t="0"/>
+          <a:srcRect b="86591"/>
           <a:stretch/>
         </p:blipFill>
         <p:spPr>
@@ -8720,11 +9820,11 @@
 </file>
 
 <file path=ppt/slides/slide4.xml><?xml version="1.0" encoding="utf-8"?>
-<p:sld xmlns:a="http://schemas.openxmlformats.org/drawingml/2006/main" xmlns:r="http://schemas.openxmlformats.org/officeDocument/2006/relationships" xmlns:mc="http://schemas.openxmlformats.org/markup-compatibility/2006" xmlns:mv="urn:schemas-microsoft-com:mac:vml" xmlns:p="http://schemas.openxmlformats.org/presentationml/2006/main" xmlns:c="http://schemas.openxmlformats.org/drawingml/2006/chart" xmlns:dgm="http://schemas.openxmlformats.org/drawingml/2006/diagram" xmlns:o="urn:schemas-microsoft-com:office:office" xmlns:v="urn:schemas-microsoft-com:vml" xmlns:pvml="urn:schemas-microsoft-com:office:powerpoint" xmlns:com="http://schemas.openxmlformats.org/drawingml/2006/compatibility" xmlns:p14="http://schemas.microsoft.com/office/powerpoint/2010/main" xmlns:p15="http://schemas.microsoft.com/office/powerpoint/2012/main" xmlns:ahyp="http://schemas.microsoft.com/office/drawing/2018/hyperlinkcolor">
+<p:sld xmlns:a="http://schemas.openxmlformats.org/drawingml/2006/main" xmlns:r="http://schemas.openxmlformats.org/officeDocument/2006/relationships" xmlns:p="http://schemas.openxmlformats.org/presentationml/2006/main">
   <p:cSld>
     <p:spTree>
       <p:nvGrpSpPr>
-        <p:cNvPr id="74" name="Shape 74"/>
+        <p:cNvPr id="1" name="Shape 74"/>
         <p:cNvGrpSpPr/>
         <p:nvPr/>
       </p:nvGrpSpPr>
@@ -8756,12 +9856,12 @@
           </a:ln>
         </p:spPr>
         <p:txBody>
-          <a:bodyPr anchorCtr="0" anchor="t" bIns="91425" lIns="91425" spcFirstLastPara="1" rIns="91425" wrap="square" tIns="91425">
+          <a:bodyPr spcFirstLastPara="1" wrap="square" lIns="91425" tIns="91425" rIns="91425" bIns="91425" anchor="t" anchorCtr="0">
             <a:normAutofit/>
           </a:bodyPr>
           <a:lstStyle/>
           <a:p>
-            <a:pPr indent="0" lvl="0" marL="0" rtl="0" algn="l">
+            <a:pPr marL="0" lvl="0" indent="0" algn="l" rtl="0">
               <a:lnSpc>
                 <a:spcPct val="115000"/>
               </a:lnSpc>
@@ -8779,7 +9879,7 @@
               <a:buNone/>
             </a:pPr>
             <a:r>
-              <a:rPr b="1" lang="en-GB" sz="2200">
+              <a:rPr lang="en-GB" sz="2200" b="1" dirty="0">
                 <a:solidFill>
                   <a:srgbClr val="001466"/>
                 </a:solidFill>
@@ -8790,18 +9890,9 @@
               </a:rPr>
               <a:t>Opportunity :</a:t>
             </a:r>
-            <a:endParaRPr b="1" sz="2200">
-              <a:solidFill>
-                <a:srgbClr val="001466"/>
-              </a:solidFill>
-              <a:latin typeface="Montserrat"/>
-              <a:ea typeface="Montserrat"/>
-              <a:cs typeface="Montserrat"/>
-              <a:sym typeface="Montserrat"/>
-            </a:endParaRPr>
           </a:p>
           <a:p>
-            <a:pPr indent="0" lvl="0" marL="0" rtl="0" algn="l">
+            <a:pPr marL="285750" lvl="0" indent="-285750" algn="l" rtl="0">
               <a:lnSpc>
                 <a:spcPct val="115000"/>
               </a:lnSpc>
@@ -8815,11 +9906,11 @@
                 <a:schemeClr val="dk1"/>
               </a:buClr>
               <a:buSzPts val="1100"/>
-              <a:buFont typeface="Arial"/>
-              <a:buNone/>
+              <a:buFont typeface="Arial" panose="020B0604020202020204" pitchFamily="34" charset="0"/>
+              <a:buChar char="•"/>
             </a:pPr>
             <a:r>
-              <a:rPr lang="en-GB">
+              <a:rPr lang="en-US" dirty="0">
                 <a:solidFill>
                   <a:srgbClr val="202729"/>
                 </a:solidFill>
@@ -8828,20 +9919,11 @@
                 <a:cs typeface="Montserrat"/>
                 <a:sym typeface="Montserrat"/>
               </a:rPr>
-              <a:t>Opportunity should be able to explain the following:</a:t>
+              <a:t>Our project aims at the problem of connectivity in rural areas through two paths.</a:t>
             </a:r>
-            <a:endParaRPr>
-              <a:solidFill>
-                <a:srgbClr val="202729"/>
-              </a:solidFill>
-              <a:latin typeface="Montserrat"/>
-              <a:ea typeface="Montserrat"/>
-              <a:cs typeface="Montserrat"/>
-              <a:sym typeface="Montserrat"/>
-            </a:endParaRPr>
           </a:p>
           <a:p>
-            <a:pPr indent="0" lvl="0" marL="0" rtl="0" algn="l">
+            <a:pPr marL="285750" lvl="0" indent="-285750" algn="l" rtl="0">
               <a:lnSpc>
                 <a:spcPct val="115000"/>
               </a:lnSpc>
@@ -8855,11 +9937,11 @@
                 <a:schemeClr val="dk1"/>
               </a:buClr>
               <a:buSzPts val="1100"/>
-              <a:buFont typeface="Arial"/>
-              <a:buNone/>
+              <a:buFont typeface="Arial" panose="020B0604020202020204" pitchFamily="34" charset="0"/>
+              <a:buChar char="•"/>
             </a:pPr>
             <a:r>
-              <a:rPr lang="en-GB">
+              <a:rPr lang="en-US" dirty="0">
                 <a:solidFill>
                   <a:srgbClr val="202729"/>
                 </a:solidFill>
@@ -8868,20 +9950,11 @@
                 <a:cs typeface="Montserrat"/>
                 <a:sym typeface="Montserrat"/>
               </a:rPr>
-              <a:t>How different is it from any other existing ideas out there?</a:t>
+              <a:t>Internet communication is utilized when there is availability of network.</a:t>
             </a:r>
-            <a:endParaRPr>
-              <a:solidFill>
-                <a:srgbClr val="202729"/>
-              </a:solidFill>
-              <a:latin typeface="Montserrat"/>
-              <a:ea typeface="Montserrat"/>
-              <a:cs typeface="Montserrat"/>
-              <a:sym typeface="Montserrat"/>
-            </a:endParaRPr>
           </a:p>
           <a:p>
-            <a:pPr indent="0" lvl="0" marL="0" rtl="0" algn="l">
+            <a:pPr marL="285750" lvl="0" indent="-285750" algn="l" rtl="0">
               <a:lnSpc>
                 <a:spcPct val="115000"/>
               </a:lnSpc>
@@ -8895,11 +9968,11 @@
                 <a:schemeClr val="dk1"/>
               </a:buClr>
               <a:buSzPts val="1100"/>
-              <a:buFont typeface="Arial"/>
-              <a:buNone/>
+              <a:buFont typeface="Arial" panose="020B0604020202020204" pitchFamily="34" charset="0"/>
+              <a:buChar char="•"/>
             </a:pPr>
             <a:r>
-              <a:rPr lang="en-GB">
+              <a:rPr lang="en-US" dirty="0">
                 <a:solidFill>
                   <a:srgbClr val="202729"/>
                 </a:solidFill>
@@ -8908,17 +9981,70 @@
                 <a:cs typeface="Montserrat"/>
                 <a:sym typeface="Montserrat"/>
               </a:rPr>
-              <a:t>How will it be able to solve the problem?</a:t>
+              <a:t>SMS communication is used when Internet Communication is not available for a prolongated period of time.</a:t>
             </a:r>
-            <a:endParaRPr b="1" sz="1800">
-              <a:solidFill>
-                <a:srgbClr val="616161"/>
-              </a:solidFill>
-              <a:latin typeface="Proxima Nova"/>
-              <a:ea typeface="Proxima Nova"/>
-              <a:cs typeface="Proxima Nova"/>
-              <a:sym typeface="Proxima Nova"/>
-            </a:endParaRPr>
+          </a:p>
+          <a:p>
+            <a:pPr marL="285750" lvl="0" indent="-285750" algn="l" rtl="0">
+              <a:lnSpc>
+                <a:spcPct val="115000"/>
+              </a:lnSpc>
+              <a:spcBef>
+                <a:spcPts val="0"/>
+              </a:spcBef>
+              <a:spcAft>
+                <a:spcPts val="0"/>
+              </a:spcAft>
+              <a:buClr>
+                <a:schemeClr val="dk1"/>
+              </a:buClr>
+              <a:buSzPts val="1100"/>
+              <a:buFont typeface="Arial" panose="020B0604020202020204" pitchFamily="34" charset="0"/>
+              <a:buChar char="•"/>
+            </a:pPr>
+            <a:r>
+              <a:rPr lang="en-US" dirty="0">
+                <a:solidFill>
+                  <a:srgbClr val="202729"/>
+                </a:solidFill>
+                <a:latin typeface="Montserrat"/>
+                <a:ea typeface="Montserrat"/>
+                <a:cs typeface="Montserrat"/>
+                <a:sym typeface="Montserrat"/>
+              </a:rPr>
+              <a:t>When it comes to useability, a user friendly UI with simple symbols that represent the functionalities offered in a simple and easy to understand manner.</a:t>
+            </a:r>
+          </a:p>
+          <a:p>
+            <a:pPr marL="285750" lvl="0" indent="-285750" algn="l" rtl="0">
+              <a:lnSpc>
+                <a:spcPct val="115000"/>
+              </a:lnSpc>
+              <a:spcBef>
+                <a:spcPts val="0"/>
+              </a:spcBef>
+              <a:spcAft>
+                <a:spcPts val="0"/>
+              </a:spcAft>
+              <a:buClr>
+                <a:schemeClr val="dk1"/>
+              </a:buClr>
+              <a:buSzPts val="1100"/>
+              <a:buFont typeface="Arial" panose="020B0604020202020204" pitchFamily="34" charset="0"/>
+              <a:buChar char="•"/>
+            </a:pPr>
+            <a:r>
+              <a:rPr lang="en-US" dirty="0">
+                <a:solidFill>
+                  <a:srgbClr val="202729"/>
+                </a:solidFill>
+                <a:latin typeface="Montserrat"/>
+                <a:ea typeface="Montserrat"/>
+                <a:cs typeface="Montserrat"/>
+                <a:sym typeface="Montserrat"/>
+              </a:rPr>
+              <a:t>Although Internet Communication and SMS Communication exists on their own, we are trying to bring the two worlds together in order to increase efficiency.</a:t>
+            </a:r>
           </a:p>
         </p:txBody>
       </p:sp>
@@ -8939,23 +10065,23 @@
           <a:solidFill>
             <a:srgbClr val="03192E"/>
           </a:solidFill>
-          <a:ln cap="flat" cmpd="sng" w="9525">
+          <a:ln w="9525" cap="flat" cmpd="sng">
             <a:solidFill>
               <a:schemeClr val="dk2"/>
             </a:solidFill>
             <a:prstDash val="solid"/>
             <a:round/>
-            <a:headEnd len="sm" w="sm" type="none"/>
-            <a:tailEnd len="sm" w="sm" type="none"/>
+            <a:headEnd type="none" w="sm" len="sm"/>
+            <a:tailEnd type="none" w="sm" len="sm"/>
           </a:ln>
         </p:spPr>
         <p:txBody>
-          <a:bodyPr anchorCtr="0" anchor="ctr" bIns="91425" lIns="91425" spcFirstLastPara="1" rIns="91425" wrap="square" tIns="91425">
+          <a:bodyPr spcFirstLastPara="1" wrap="square" lIns="91425" tIns="91425" rIns="91425" bIns="91425" anchor="ctr" anchorCtr="0">
             <a:noAutofit/>
           </a:bodyPr>
           <a:lstStyle/>
           <a:p>
-            <a:pPr indent="0" lvl="0" marL="0" rtl="0" algn="l">
+            <a:pPr marL="0" lvl="0" indent="0" algn="l" rtl="0">
               <a:spcBef>
                 <a:spcPts val="0"/>
               </a:spcBef>
@@ -8964,9 +10090,6 @@
               </a:spcAft>
               <a:buNone/>
             </a:pPr>
-            <a:r>
-              <a:t/>
-            </a:r>
             <a:endParaRPr/>
           </a:p>
         </p:txBody>
@@ -8981,7 +10104,7 @@
           <a:blip r:embed="rId3">
             <a:alphaModFix/>
           </a:blip>
-          <a:srcRect b="86591" l="0" r="0" t="0"/>
+          <a:srcRect b="86591"/>
           <a:stretch/>
         </p:blipFill>
         <p:spPr>
@@ -9007,11 +10130,11 @@
 </file>
 
 <file path=ppt/slides/slide5.xml><?xml version="1.0" encoding="utf-8"?>
-<p:sld xmlns:a="http://schemas.openxmlformats.org/drawingml/2006/main" xmlns:r="http://schemas.openxmlformats.org/officeDocument/2006/relationships" xmlns:mc="http://schemas.openxmlformats.org/markup-compatibility/2006" xmlns:mv="urn:schemas-microsoft-com:mac:vml" xmlns:p="http://schemas.openxmlformats.org/presentationml/2006/main" xmlns:c="http://schemas.openxmlformats.org/drawingml/2006/chart" xmlns:dgm="http://schemas.openxmlformats.org/drawingml/2006/diagram" xmlns:o="urn:schemas-microsoft-com:office:office" xmlns:v="urn:schemas-microsoft-com:vml" xmlns:pvml="urn:schemas-microsoft-com:office:powerpoint" xmlns:com="http://schemas.openxmlformats.org/drawingml/2006/compatibility" xmlns:p14="http://schemas.microsoft.com/office/powerpoint/2010/main" xmlns:p15="http://schemas.microsoft.com/office/powerpoint/2012/main" xmlns:ahyp="http://schemas.microsoft.com/office/drawing/2018/hyperlinkcolor">
+<p:sld xmlns:a="http://schemas.openxmlformats.org/drawingml/2006/main" xmlns:r="http://schemas.openxmlformats.org/officeDocument/2006/relationships" xmlns:p="http://schemas.openxmlformats.org/presentationml/2006/main">
   <p:cSld>
     <p:spTree>
       <p:nvGrpSpPr>
-        <p:cNvPr id="81" name="Shape 81"/>
+        <p:cNvPr id="1" name="Shape 81"/>
         <p:cNvGrpSpPr/>
         <p:nvPr/>
       </p:nvGrpSpPr>
@@ -9043,12 +10166,12 @@
           </a:ln>
         </p:spPr>
         <p:txBody>
-          <a:bodyPr anchorCtr="0" anchor="t" bIns="91425" lIns="91425" spcFirstLastPara="1" rIns="91425" wrap="square" tIns="91425">
+          <a:bodyPr spcFirstLastPara="1" wrap="square" lIns="91425" tIns="91425" rIns="91425" bIns="91425" anchor="t" anchorCtr="0">
             <a:normAutofit/>
           </a:bodyPr>
           <a:lstStyle/>
           <a:p>
-            <a:pPr indent="0" lvl="0" marL="0" rtl="0" algn="l">
+            <a:pPr marL="0" lvl="0" indent="0" algn="l" rtl="0">
               <a:lnSpc>
                 <a:spcPct val="115000"/>
               </a:lnSpc>
@@ -9066,7 +10189,7 @@
               <a:buNone/>
             </a:pPr>
             <a:r>
-              <a:rPr b="1" lang="en-GB" sz="2200">
+              <a:rPr lang="en-GB" sz="2200" b="1" dirty="0">
                 <a:solidFill>
                   <a:srgbClr val="001466"/>
                 </a:solidFill>
@@ -9077,7 +10200,7 @@
               </a:rPr>
               <a:t>List of features offered by the solution :</a:t>
             </a:r>
-            <a:endParaRPr b="1" sz="2200">
+            <a:endParaRPr sz="2200" b="1" dirty="0">
               <a:solidFill>
                 <a:srgbClr val="001466"/>
               </a:solidFill>
@@ -9088,7 +10211,7 @@
             </a:endParaRPr>
           </a:p>
           <a:p>
-            <a:pPr indent="0" lvl="0" marL="0" rtl="0" algn="l">
+            <a:pPr marL="285750" lvl="0" indent="-285750" algn="l" rtl="0">
               <a:lnSpc>
                 <a:spcPct val="115000"/>
               </a:lnSpc>
@@ -9102,22 +10225,115 @@
                 <a:schemeClr val="dk1"/>
               </a:buClr>
               <a:buSzPts val="1100"/>
-              <a:buFont typeface="Arial"/>
-              <a:buNone/>
+              <a:buFont typeface="Arial" panose="020B0604020202020204" pitchFamily="34" charset="0"/>
+              <a:buChar char="•"/>
             </a:pPr>
             <a:r>
-              <a:rPr lang="en-GB" sz="1800">
+              <a:rPr lang="en-GB" sz="1800" b="1" dirty="0">
                 <a:solidFill>
                   <a:srgbClr val="616161"/>
                 </a:solidFill>
                 <a:latin typeface="Proxima Nova"/>
-                <a:ea typeface="Proxima Nova"/>
-                <a:cs typeface="Proxima Nova"/>
+                <a:ea typeface="Montserrat"/>
+                <a:cs typeface="Montserrat"/>
                 <a:sym typeface="Proxima Nova"/>
               </a:rPr>
-              <a:t>It is always better to add a few visual representations (drawings/sketches/illustrations etc.) to your presentation, it adds to the power through which it reaches the audience.</a:t>
+              <a:t>Internet Connectivity</a:t>
             </a:r>
-            <a:endParaRPr b="1" sz="2200">
+          </a:p>
+          <a:p>
+            <a:pPr marL="285750" lvl="0" indent="-285750" algn="l" rtl="0">
+              <a:lnSpc>
+                <a:spcPct val="115000"/>
+              </a:lnSpc>
+              <a:spcBef>
+                <a:spcPts val="1200"/>
+              </a:spcBef>
+              <a:spcAft>
+                <a:spcPts val="1200"/>
+              </a:spcAft>
+              <a:buClr>
+                <a:schemeClr val="dk1"/>
+              </a:buClr>
+              <a:buSzPts val="1100"/>
+              <a:buFont typeface="Arial" panose="020B0604020202020204" pitchFamily="34" charset="0"/>
+              <a:buChar char="•"/>
+            </a:pPr>
+            <a:r>
+              <a:rPr lang="en-GB" sz="1800" b="1" dirty="0">
+                <a:solidFill>
+                  <a:srgbClr val="616161"/>
+                </a:solidFill>
+                <a:latin typeface="Proxima Nova"/>
+                <a:ea typeface="Montserrat"/>
+                <a:cs typeface="Montserrat"/>
+                <a:sym typeface="Proxima Nova"/>
+              </a:rPr>
+              <a:t>SMS Connectivity</a:t>
+            </a:r>
+          </a:p>
+          <a:p>
+            <a:pPr marL="285750" lvl="0" indent="-285750" algn="l" rtl="0">
+              <a:lnSpc>
+                <a:spcPct val="115000"/>
+              </a:lnSpc>
+              <a:spcBef>
+                <a:spcPts val="1200"/>
+              </a:spcBef>
+              <a:spcAft>
+                <a:spcPts val="1200"/>
+              </a:spcAft>
+              <a:buClr>
+                <a:schemeClr val="dk1"/>
+              </a:buClr>
+              <a:buSzPts val="1100"/>
+              <a:buFont typeface="Arial" panose="020B0604020202020204" pitchFamily="34" charset="0"/>
+              <a:buChar char="•"/>
+            </a:pPr>
+            <a:r>
+              <a:rPr lang="en-GB" sz="1800" b="1" dirty="0">
+                <a:solidFill>
+                  <a:srgbClr val="616161"/>
+                </a:solidFill>
+                <a:latin typeface="Proxima Nova"/>
+                <a:ea typeface="Montserrat"/>
+                <a:cs typeface="Montserrat"/>
+                <a:sym typeface="Proxima Nova"/>
+              </a:rPr>
+              <a:t>Nodal databases</a:t>
+            </a:r>
+          </a:p>
+          <a:p>
+            <a:pPr marL="285750" lvl="0" indent="-285750" algn="l" rtl="0">
+              <a:lnSpc>
+                <a:spcPct val="115000"/>
+              </a:lnSpc>
+              <a:spcBef>
+                <a:spcPts val="1200"/>
+              </a:spcBef>
+              <a:spcAft>
+                <a:spcPts val="1200"/>
+              </a:spcAft>
+              <a:buClr>
+                <a:schemeClr val="dk1"/>
+              </a:buClr>
+              <a:buSzPts val="1100"/>
+              <a:buFont typeface="Arial" panose="020B0604020202020204" pitchFamily="34" charset="0"/>
+              <a:buChar char="•"/>
+            </a:pPr>
+            <a:r>
+              <a:rPr lang="en-GB" sz="1800" b="1">
+                <a:solidFill>
+                  <a:srgbClr val="616161"/>
+                </a:solidFill>
+                <a:latin typeface="Proxima Nova"/>
+                <a:ea typeface="Montserrat"/>
+                <a:cs typeface="Montserrat"/>
+                <a:sym typeface="Proxima Nova"/>
+              </a:rPr>
+              <a:t>User friendly UI</a:t>
+            </a:r>
+            <a:endParaRPr sz="2200" b="1" dirty="0">
               <a:solidFill>
                 <a:srgbClr val="001466"/>
               </a:solidFill>
@@ -9146,23 +10362,23 @@
           <a:solidFill>
             <a:srgbClr val="03192E"/>
           </a:solidFill>
-          <a:ln cap="flat" cmpd="sng" w="9525">
+          <a:ln w="9525" cap="flat" cmpd="sng">
             <a:solidFill>
               <a:schemeClr val="dk2"/>
             </a:solidFill>
             <a:prstDash val="solid"/>
             <a:round/>
-            <a:headEnd len="sm" w="sm" type="none"/>
-            <a:tailEnd len="sm" w="sm" type="none"/>
+            <a:headEnd type="none" w="sm" len="sm"/>
+            <a:tailEnd type="none" w="sm" len="sm"/>
           </a:ln>
         </p:spPr>
         <p:txBody>
-          <a:bodyPr anchorCtr="0" anchor="ctr" bIns="91425" lIns="91425" spcFirstLastPara="1" rIns="91425" wrap="square" tIns="91425">
+          <a:bodyPr spcFirstLastPara="1" wrap="square" lIns="91425" tIns="91425" rIns="91425" bIns="91425" anchor="ctr" anchorCtr="0">
             <a:noAutofit/>
           </a:bodyPr>
           <a:lstStyle/>
           <a:p>
-            <a:pPr indent="0" lvl="0" marL="0" rtl="0" algn="l">
+            <a:pPr marL="0" lvl="0" indent="0" algn="l" rtl="0">
               <a:spcBef>
                 <a:spcPts val="0"/>
               </a:spcBef>
@@ -9171,9 +10387,6 @@
               </a:spcAft>
               <a:buNone/>
             </a:pPr>
-            <a:r>
-              <a:t/>
-            </a:r>
             <a:endParaRPr/>
           </a:p>
         </p:txBody>
@@ -9188,7 +10401,7 @@
           <a:blip r:embed="rId3">
             <a:alphaModFix/>
           </a:blip>
-          <a:srcRect b="86591" l="0" r="0" t="0"/>
+          <a:srcRect b="86591"/>
           <a:stretch/>
         </p:blipFill>
         <p:spPr>
@@ -9214,11 +10427,11 @@
 </file>
 
 <file path=ppt/slides/slide6.xml><?xml version="1.0" encoding="utf-8"?>
-<p:sld xmlns:a="http://schemas.openxmlformats.org/drawingml/2006/main" xmlns:r="http://schemas.openxmlformats.org/officeDocument/2006/relationships" xmlns:mc="http://schemas.openxmlformats.org/markup-compatibility/2006" xmlns:mv="urn:schemas-microsoft-com:mac:vml" xmlns:p="http://schemas.openxmlformats.org/presentationml/2006/main" xmlns:c="http://schemas.openxmlformats.org/drawingml/2006/chart" xmlns:dgm="http://schemas.openxmlformats.org/drawingml/2006/diagram" xmlns:o="urn:schemas-microsoft-com:office:office" xmlns:v="urn:schemas-microsoft-com:vml" xmlns:pvml="urn:schemas-microsoft-com:office:powerpoint" xmlns:com="http://schemas.openxmlformats.org/drawingml/2006/compatibility" xmlns:p14="http://schemas.microsoft.com/office/powerpoint/2010/main" xmlns:p15="http://schemas.microsoft.com/office/powerpoint/2012/main" xmlns:ahyp="http://schemas.microsoft.com/office/drawing/2018/hyperlinkcolor">
+<p:sld xmlns:a="http://schemas.openxmlformats.org/drawingml/2006/main" xmlns:r="http://schemas.openxmlformats.org/officeDocument/2006/relationships" xmlns:p="http://schemas.openxmlformats.org/presentationml/2006/main">
   <p:cSld>
     <p:spTree>
       <p:nvGrpSpPr>
-        <p:cNvPr id="88" name="Shape 88"/>
+        <p:cNvPr id="1" name="Shape 88"/>
         <p:cNvGrpSpPr/>
         <p:nvPr/>
       </p:nvGrpSpPr>
@@ -9250,12 +10463,12 @@
           </a:ln>
         </p:spPr>
         <p:txBody>
-          <a:bodyPr anchorCtr="0" anchor="t" bIns="91425" lIns="91425" spcFirstLastPara="1" rIns="91425" wrap="square" tIns="91425">
+          <a:bodyPr spcFirstLastPara="1" wrap="square" lIns="91425" tIns="91425" rIns="91425" bIns="91425" anchor="t" anchorCtr="0">
             <a:normAutofit/>
           </a:bodyPr>
           <a:lstStyle/>
           <a:p>
-            <a:pPr indent="0" lvl="0" marL="0" rtl="0" algn="l">
+            <a:pPr marL="0" lvl="0" indent="0" algn="l" rtl="0">
               <a:lnSpc>
                 <a:spcPct val="115000"/>
               </a:lnSpc>
@@ -9273,7 +10486,7 @@
               <a:buNone/>
             </a:pPr>
             <a:r>
-              <a:rPr b="1" lang="en-GB" sz="2200">
+              <a:rPr lang="en-GB" sz="2200" b="1">
                 <a:solidFill>
                   <a:srgbClr val="001466"/>
                 </a:solidFill>
@@ -9284,7 +10497,7 @@
               </a:rPr>
               <a:t>Proposed Solution</a:t>
             </a:r>
-            <a:endParaRPr b="1" sz="2200">
+            <a:endParaRPr sz="2200" b="1">
               <a:solidFill>
                 <a:srgbClr val="001466"/>
               </a:solidFill>
@@ -9295,7 +10508,7 @@
             </a:endParaRPr>
           </a:p>
           <a:p>
-            <a:pPr indent="0" lvl="0" marL="0" rtl="0" algn="l">
+            <a:pPr marL="0" lvl="0" indent="0" algn="l" rtl="0">
               <a:lnSpc>
                 <a:spcPct val="115000"/>
               </a:lnSpc>
@@ -9307,10 +10520,7 @@
               </a:spcAft>
               <a:buNone/>
             </a:pPr>
-            <a:r>
-              <a:t/>
-            </a:r>
-            <a:endParaRPr b="1" sz="1800">
+            <a:endParaRPr sz="1800" b="1">
               <a:solidFill>
                 <a:srgbClr val="616161"/>
               </a:solidFill>
@@ -9339,23 +10549,23 @@
           <a:solidFill>
             <a:srgbClr val="03192E"/>
           </a:solidFill>
-          <a:ln cap="flat" cmpd="sng" w="9525">
+          <a:ln w="9525" cap="flat" cmpd="sng">
             <a:solidFill>
               <a:schemeClr val="dk2"/>
             </a:solidFill>
             <a:prstDash val="solid"/>
             <a:round/>
-            <a:headEnd len="sm" w="sm" type="none"/>
-            <a:tailEnd len="sm" w="sm" type="none"/>
+            <a:headEnd type="none" w="sm" len="sm"/>
+            <a:tailEnd type="none" w="sm" len="sm"/>
           </a:ln>
         </p:spPr>
         <p:txBody>
-          <a:bodyPr anchorCtr="0" anchor="ctr" bIns="91425" lIns="91425" spcFirstLastPara="1" rIns="91425" wrap="square" tIns="91425">
+          <a:bodyPr spcFirstLastPara="1" wrap="square" lIns="91425" tIns="91425" rIns="91425" bIns="91425" anchor="ctr" anchorCtr="0">
             <a:noAutofit/>
           </a:bodyPr>
           <a:lstStyle/>
           <a:p>
-            <a:pPr indent="0" lvl="0" marL="0" rtl="0" algn="l">
+            <a:pPr marL="0" lvl="0" indent="0" algn="l" rtl="0">
               <a:spcBef>
                 <a:spcPts val="0"/>
               </a:spcBef>
@@ -9364,9 +10574,6 @@
               </a:spcAft>
               <a:buNone/>
             </a:pPr>
-            <a:r>
-              <a:t/>
-            </a:r>
             <a:endParaRPr/>
           </a:p>
         </p:txBody>
@@ -9381,7 +10588,7 @@
           <a:blip r:embed="rId3">
             <a:alphaModFix/>
           </a:blip>
-          <a:srcRect b="86591" l="0" r="0" t="0"/>
+          <a:srcRect b="86591"/>
           <a:stretch/>
         </p:blipFill>
         <p:spPr>
@@ -9407,11 +10614,11 @@
 </file>
 
 <file path=ppt/slides/slide7.xml><?xml version="1.0" encoding="utf-8"?>
-<p:sld xmlns:a="http://schemas.openxmlformats.org/drawingml/2006/main" xmlns:r="http://schemas.openxmlformats.org/officeDocument/2006/relationships" xmlns:mc="http://schemas.openxmlformats.org/markup-compatibility/2006" xmlns:mv="urn:schemas-microsoft-com:mac:vml" xmlns:p="http://schemas.openxmlformats.org/presentationml/2006/main" xmlns:c="http://schemas.openxmlformats.org/drawingml/2006/chart" xmlns:dgm="http://schemas.openxmlformats.org/drawingml/2006/diagram" xmlns:o="urn:schemas-microsoft-com:office:office" xmlns:v="urn:schemas-microsoft-com:vml" xmlns:pvml="urn:schemas-microsoft-com:office:powerpoint" xmlns:com="http://schemas.openxmlformats.org/drawingml/2006/compatibility" xmlns:p14="http://schemas.microsoft.com/office/powerpoint/2010/main" xmlns:p15="http://schemas.microsoft.com/office/powerpoint/2012/main" xmlns:ahyp="http://schemas.microsoft.com/office/drawing/2018/hyperlinkcolor">
+<p:sld xmlns:a="http://schemas.openxmlformats.org/drawingml/2006/main" xmlns:r="http://schemas.openxmlformats.org/officeDocument/2006/relationships" xmlns:p="http://schemas.openxmlformats.org/presentationml/2006/main">
   <p:cSld>
     <p:spTree>
       <p:nvGrpSpPr>
-        <p:cNvPr id="95" name="Shape 95"/>
+        <p:cNvPr id="1" name="Shape 95"/>
         <p:cNvGrpSpPr/>
         <p:nvPr/>
       </p:nvGrpSpPr>
@@ -9433,7 +10640,7 @@
           <a:blip r:embed="rId3">
             <a:alphaModFix/>
           </a:blip>
-          <a:srcRect b="0" l="0" r="0" t="94924"/>
+          <a:srcRect t="94924"/>
           <a:stretch/>
         </p:blipFill>
         <p:spPr>
@@ -9470,12 +10677,12 @@
           </a:ln>
         </p:spPr>
         <p:txBody>
-          <a:bodyPr anchorCtr="0" anchor="t" bIns="91425" lIns="91425" spcFirstLastPara="1" rIns="91425" wrap="square" tIns="91425">
+          <a:bodyPr spcFirstLastPara="1" wrap="square" lIns="91425" tIns="91425" rIns="91425" bIns="91425" anchor="t" anchorCtr="0">
             <a:normAutofit/>
           </a:bodyPr>
           <a:lstStyle/>
           <a:p>
-            <a:pPr indent="0" lvl="0" marL="0" rtl="0" algn="l">
+            <a:pPr marL="0" lvl="0" indent="0" algn="l" rtl="0">
               <a:lnSpc>
                 <a:spcPct val="115000"/>
               </a:lnSpc>
@@ -9493,7 +10700,7 @@
               <a:buNone/>
             </a:pPr>
             <a:r>
-              <a:rPr b="1" lang="en-GB" sz="2100">
+              <a:rPr lang="en-US" sz="2100" b="1" dirty="0">
                 <a:solidFill>
                   <a:srgbClr val="001466"/>
                 </a:solidFill>
@@ -9502,21 +10709,28 @@
                 <a:cs typeface="Montserrat"/>
                 <a:sym typeface="Montserrat"/>
               </a:rPr>
-              <a:t>Process Flow Diagram/Usecase Diagram</a:t>
+              <a:t>Class Diagram</a:t>
             </a:r>
-            <a:r>
-              <a:rPr b="1" lang="en-GB" sz="2100">
-                <a:solidFill>
-                  <a:srgbClr val="001466"/>
-                </a:solidFill>
-                <a:latin typeface="Montserrat"/>
-                <a:ea typeface="Montserrat"/>
-                <a:cs typeface="Montserrat"/>
-                <a:sym typeface="Montserrat"/>
-              </a:rPr>
-              <a:t> </a:t>
-            </a:r>
-            <a:endParaRPr b="1" sz="2200">
+          </a:p>
+          <a:p>
+            <a:pPr marL="0" lvl="0" indent="0" algn="l" rtl="0">
+              <a:lnSpc>
+                <a:spcPct val="115000"/>
+              </a:lnSpc>
+              <a:spcBef>
+                <a:spcPts val="0"/>
+              </a:spcBef>
+              <a:spcAft>
+                <a:spcPts val="0"/>
+              </a:spcAft>
+              <a:buClr>
+                <a:schemeClr val="dk1"/>
+              </a:buClr>
+              <a:buSzPts val="1100"/>
+              <a:buFont typeface="Arial"/>
+              <a:buNone/>
+            </a:pPr>
+            <a:endParaRPr sz="2200" b="1" dirty="0">
               <a:solidFill>
                 <a:srgbClr val="001466"/>
               </a:solidFill>
@@ -9527,7 +10741,7 @@
             </a:endParaRPr>
           </a:p>
           <a:p>
-            <a:pPr indent="0" lvl="0" marL="0" rtl="0" algn="l">
+            <a:pPr marL="0" lvl="0" indent="0" algn="l" rtl="0">
               <a:lnSpc>
                 <a:spcPct val="115000"/>
               </a:lnSpc>
@@ -9539,10 +10753,7 @@
               </a:spcAft>
               <a:buNone/>
             </a:pPr>
-            <a:r>
-              <a:t/>
-            </a:r>
-            <a:endParaRPr b="1" sz="1800">
+            <a:endParaRPr sz="1800" b="1" dirty="0">
               <a:solidFill>
                 <a:srgbClr val="616161"/>
               </a:solidFill>
@@ -9571,17 +10782,17 @@
           <a:solidFill>
             <a:srgbClr val="03192E"/>
           </a:solidFill>
-          <a:ln cap="flat" cmpd="sng" w="9525">
+          <a:ln w="9525" cap="flat" cmpd="sng">
             <a:solidFill>
               <a:schemeClr val="dk2"/>
             </a:solidFill>
             <a:prstDash val="solid"/>
             <a:round/>
-            <a:headEnd len="sm" w="sm" type="none"/>
-            <a:tailEnd len="sm" w="sm" type="none"/>
+            <a:headEnd type="none" w="sm" len="sm"/>
+            <a:tailEnd type="none" w="sm" len="sm"/>
           </a:ln>
           <a:effectLst>
-            <a:outerShdw blurRad="57150" rotWithShape="0" algn="bl" dir="5400000" dist="19050">
+            <a:outerShdw blurRad="57150" dist="19050" dir="5400000" algn="bl" rotWithShape="0">
               <a:schemeClr val="lt1">
                 <a:alpha val="50000"/>
               </a:schemeClr>
@@ -9589,12 +10800,12 @@
           </a:effectLst>
         </p:spPr>
         <p:txBody>
-          <a:bodyPr anchorCtr="0" anchor="ctr" bIns="91425" lIns="91425" spcFirstLastPara="1" rIns="91425" wrap="square" tIns="91425">
+          <a:bodyPr spcFirstLastPara="1" wrap="square" lIns="91425" tIns="91425" rIns="91425" bIns="91425" anchor="ctr" anchorCtr="0">
             <a:noAutofit/>
           </a:bodyPr>
           <a:lstStyle/>
           <a:p>
-            <a:pPr indent="0" lvl="0" marL="0" rtl="0" algn="l">
+            <a:pPr marL="0" lvl="0" indent="0" algn="l" rtl="0">
               <a:spcBef>
                 <a:spcPts val="0"/>
               </a:spcBef>
@@ -9603,9 +10814,6 @@
               </a:spcAft>
               <a:buNone/>
             </a:pPr>
-            <a:r>
-              <a:t/>
-            </a:r>
             <a:endParaRPr/>
           </a:p>
         </p:txBody>
@@ -9620,7 +10828,7 @@
           <a:blip r:embed="rId4">
             <a:alphaModFix/>
           </a:blip>
-          <a:srcRect b="86591" l="0" r="0" t="0"/>
+          <a:srcRect b="86591"/>
           <a:stretch/>
         </p:blipFill>
         <p:spPr>
@@ -9635,6 +10843,36 @@
           <a:ln>
             <a:noFill/>
           </a:ln>
+        </p:spPr>
+      </p:pic>
+      <p:pic>
+        <p:nvPicPr>
+          <p:cNvPr id="3" name="Picture 2">
+            <a:extLst>
+              <a:ext uri="{FF2B5EF4-FFF2-40B4-BE49-F238E27FC236}">
+                <a16:creationId xmlns:a16="http://schemas.microsoft.com/office/drawing/2014/main" id="{259538FD-338D-B093-53C5-FB9AD811FD5E}"/>
+              </a:ext>
+            </a:extLst>
+          </p:cNvPr>
+          <p:cNvPicPr>
+            <a:picLocks noChangeAspect="1"/>
+          </p:cNvPicPr>
+          <p:nvPr/>
+        </p:nvPicPr>
+        <p:blipFill>
+          <a:blip r:embed="rId5"/>
+          <a:stretch>
+            <a:fillRect/>
+          </a:stretch>
+        </p:blipFill>
+        <p:spPr>
+          <a:xfrm>
+            <a:off x="2580166" y="753898"/>
+            <a:ext cx="4363147" cy="4176002"/>
+          </a:xfrm>
+          <a:prstGeom prst="rect">
+            <a:avLst/>
+          </a:prstGeom>
         </p:spPr>
       </p:pic>
     </p:spTree>
@@ -9646,11 +10884,11 @@
 </file>
 
 <file path=ppt/slides/slide8.xml><?xml version="1.0" encoding="utf-8"?>
-<p:sld xmlns:a="http://schemas.openxmlformats.org/drawingml/2006/main" xmlns:r="http://schemas.openxmlformats.org/officeDocument/2006/relationships" xmlns:mc="http://schemas.openxmlformats.org/markup-compatibility/2006" xmlns:mv="urn:schemas-microsoft-com:mac:vml" xmlns:p="http://schemas.openxmlformats.org/presentationml/2006/main" xmlns:c="http://schemas.openxmlformats.org/drawingml/2006/chart" xmlns:dgm="http://schemas.openxmlformats.org/drawingml/2006/diagram" xmlns:o="urn:schemas-microsoft-com:office:office" xmlns:v="urn:schemas-microsoft-com:vml" xmlns:pvml="urn:schemas-microsoft-com:office:powerpoint" xmlns:com="http://schemas.openxmlformats.org/drawingml/2006/compatibility" xmlns:p14="http://schemas.microsoft.com/office/powerpoint/2010/main" xmlns:p15="http://schemas.microsoft.com/office/powerpoint/2012/main" xmlns:ahyp="http://schemas.microsoft.com/office/drawing/2018/hyperlinkcolor">
+<p:sld xmlns:a="http://schemas.openxmlformats.org/drawingml/2006/main" xmlns:r="http://schemas.openxmlformats.org/officeDocument/2006/relationships" xmlns:p="http://schemas.openxmlformats.org/presentationml/2006/main">
   <p:cSld>
     <p:spTree>
       <p:nvGrpSpPr>
-        <p:cNvPr id="103" name="Shape 103"/>
+        <p:cNvPr id="1" name="Shape 95"/>
         <p:cNvGrpSpPr/>
         <p:nvPr/>
       </p:nvGrpSpPr>
@@ -9664,7 +10902,7 @@
       </p:grpSpPr>
       <p:pic>
         <p:nvPicPr>
-          <p:cNvPr id="104" name="Google Shape;104;p20"/>
+          <p:cNvPr id="96" name="Google Shape;96;p19"/>
           <p:cNvPicPr preferRelativeResize="0"/>
           <p:nvPr/>
         </p:nvPicPr>
@@ -9672,7 +10910,7 @@
           <a:blip r:embed="rId3">
             <a:alphaModFix/>
           </a:blip>
-          <a:srcRect b="0" l="0" r="0" t="94924"/>
+          <a:srcRect t="94924"/>
           <a:stretch/>
         </p:blipFill>
         <p:spPr>
@@ -9691,7 +10929,7 @@
       </p:pic>
       <p:sp>
         <p:nvSpPr>
-          <p:cNvPr id="105" name="Google Shape;105;p20"/>
+          <p:cNvPr id="97" name="Google Shape;97;p19"/>
           <p:cNvSpPr txBox="1"/>
           <p:nvPr/>
         </p:nvSpPr>
@@ -9709,12 +10947,12 @@
           </a:ln>
         </p:spPr>
         <p:txBody>
-          <a:bodyPr anchorCtr="0" anchor="t" bIns="91425" lIns="91425" spcFirstLastPara="1" rIns="91425" wrap="square" tIns="91425">
+          <a:bodyPr spcFirstLastPara="1" wrap="square" lIns="91425" tIns="91425" rIns="91425" bIns="91425" anchor="t" anchorCtr="0">
             <a:normAutofit/>
           </a:bodyPr>
           <a:lstStyle/>
           <a:p>
-            <a:pPr indent="0" lvl="0" marL="0" rtl="0" algn="l">
+            <a:pPr marL="0" lvl="0" indent="0" algn="l" rtl="0">
               <a:lnSpc>
                 <a:spcPct val="115000"/>
               </a:lnSpc>
@@ -9732,7 +10970,7 @@
               <a:buNone/>
             </a:pPr>
             <a:r>
-              <a:rPr b="1" lang="en-GB" sz="2100">
+              <a:rPr lang="en-GB" sz="2100" b="1">
                 <a:solidFill>
                   <a:srgbClr val="001466"/>
                 </a:solidFill>
@@ -9741,9 +10979,21 @@
                 <a:cs typeface="Montserrat"/>
                 <a:sym typeface="Montserrat"/>
               </a:rPr>
-              <a:t>Architecture</a:t>
+              <a:t>Use case </a:t>
             </a:r>
-            <a:endParaRPr b="1" sz="2200">
+            <a:r>
+              <a:rPr lang="en-GB" sz="2100" b="1" dirty="0">
+                <a:solidFill>
+                  <a:srgbClr val="001466"/>
+                </a:solidFill>
+                <a:latin typeface="Montserrat"/>
+                <a:ea typeface="Montserrat"/>
+                <a:cs typeface="Montserrat"/>
+                <a:sym typeface="Montserrat"/>
+              </a:rPr>
+              <a:t>Diagram </a:t>
+            </a:r>
+            <a:endParaRPr sz="2200" b="1" dirty="0">
               <a:solidFill>
                 <a:srgbClr val="001466"/>
               </a:solidFill>
@@ -9754,7 +11004,7 @@
             </a:endParaRPr>
           </a:p>
           <a:p>
-            <a:pPr indent="0" lvl="0" marL="0" rtl="0" algn="l">
+            <a:pPr marL="0" lvl="0" indent="0" algn="l" rtl="0">
               <a:lnSpc>
                 <a:spcPct val="115000"/>
               </a:lnSpc>
@@ -9766,10 +11016,7 @@
               </a:spcAft>
               <a:buNone/>
             </a:pPr>
-            <a:r>
-              <a:t/>
-            </a:r>
-            <a:endParaRPr b="1" sz="1800">
+            <a:endParaRPr sz="1800" b="1" dirty="0">
               <a:solidFill>
                 <a:srgbClr val="616161"/>
               </a:solidFill>
@@ -9783,7 +11030,7 @@
       </p:sp>
       <p:sp>
         <p:nvSpPr>
-          <p:cNvPr id="106" name="Google Shape;106;p20"/>
+          <p:cNvPr id="98" name="Google Shape;98;p19"/>
           <p:cNvSpPr/>
           <p:nvPr/>
         </p:nvSpPr>
@@ -9798,17 +11045,17 @@
           <a:solidFill>
             <a:srgbClr val="03192E"/>
           </a:solidFill>
-          <a:ln cap="flat" cmpd="sng" w="9525">
+          <a:ln w="9525" cap="flat" cmpd="sng">
             <a:solidFill>
               <a:schemeClr val="dk2"/>
             </a:solidFill>
             <a:prstDash val="solid"/>
             <a:round/>
-            <a:headEnd len="sm" w="sm" type="none"/>
-            <a:tailEnd len="sm" w="sm" type="none"/>
+            <a:headEnd type="none" w="sm" len="sm"/>
+            <a:tailEnd type="none" w="sm" len="sm"/>
           </a:ln>
           <a:effectLst>
-            <a:outerShdw blurRad="57150" rotWithShape="0" algn="bl" dir="5400000" dist="19050">
+            <a:outerShdw blurRad="57150" dist="19050" dir="5400000" algn="bl" rotWithShape="0">
               <a:schemeClr val="lt1">
                 <a:alpha val="50000"/>
               </a:schemeClr>
@@ -9816,12 +11063,12 @@
           </a:effectLst>
         </p:spPr>
         <p:txBody>
-          <a:bodyPr anchorCtr="0" anchor="ctr" bIns="91425" lIns="91425" spcFirstLastPara="1" rIns="91425" wrap="square" tIns="91425">
+          <a:bodyPr spcFirstLastPara="1" wrap="square" lIns="91425" tIns="91425" rIns="91425" bIns="91425" anchor="ctr" anchorCtr="0">
             <a:noAutofit/>
           </a:bodyPr>
           <a:lstStyle/>
           <a:p>
-            <a:pPr indent="0" lvl="0" marL="0" rtl="0" algn="l">
+            <a:pPr marL="0" lvl="0" indent="0" algn="l" rtl="0">
               <a:spcBef>
                 <a:spcPts val="0"/>
               </a:spcBef>
@@ -9830,16 +11077,13 @@
               </a:spcAft>
               <a:buNone/>
             </a:pPr>
-            <a:r>
-              <a:t/>
-            </a:r>
             <a:endParaRPr/>
           </a:p>
         </p:txBody>
       </p:sp>
       <p:pic>
         <p:nvPicPr>
-          <p:cNvPr id="107" name="Google Shape;107;p20"/>
+          <p:cNvPr id="99" name="Google Shape;99;p19"/>
           <p:cNvPicPr preferRelativeResize="0"/>
           <p:nvPr/>
         </p:nvPicPr>
@@ -9847,7 +11091,7 @@
           <a:blip r:embed="rId4">
             <a:alphaModFix/>
           </a:blip>
-          <a:srcRect b="86591" l="0" r="0" t="0"/>
+          <a:srcRect b="86591"/>
           <a:stretch/>
         </p:blipFill>
         <p:spPr>
@@ -9864,7 +11108,42 @@
           </a:ln>
         </p:spPr>
       </p:pic>
+      <p:pic>
+        <p:nvPicPr>
+          <p:cNvPr id="3" name="Picture 2">
+            <a:extLst>
+              <a:ext uri="{FF2B5EF4-FFF2-40B4-BE49-F238E27FC236}">
+                <a16:creationId xmlns:a16="http://schemas.microsoft.com/office/drawing/2014/main" id="{F2A151DC-2BA8-4BA6-715A-2E4F3A134348}"/>
+              </a:ext>
+            </a:extLst>
+          </p:cNvPr>
+          <p:cNvPicPr>
+            <a:picLocks noChangeAspect="1"/>
+          </p:cNvPicPr>
+          <p:nvPr/>
+        </p:nvPicPr>
+        <p:blipFill>
+          <a:blip r:embed="rId5"/>
+          <a:stretch>
+            <a:fillRect/>
+          </a:stretch>
+        </p:blipFill>
+        <p:spPr>
+          <a:xfrm>
+            <a:off x="1470838" y="1356669"/>
+            <a:ext cx="6202324" cy="3430544"/>
+          </a:xfrm>
+          <a:prstGeom prst="rect">
+            <a:avLst/>
+          </a:prstGeom>
+        </p:spPr>
+      </p:pic>
     </p:spTree>
+    <p:extLst>
+      <p:ext uri="{BB962C8B-B14F-4D97-AF65-F5344CB8AC3E}">
+        <p14:creationId xmlns:p14="http://schemas.microsoft.com/office/powerpoint/2010/main" val="1226248483"/>
+      </p:ext>
+    </p:extLst>
   </p:cSld>
   <p:clrMapOvr>
     <a:masterClrMapping/>
@@ -9873,11 +11152,11 @@
 </file>
 
 <file path=ppt/slides/slide9.xml><?xml version="1.0" encoding="utf-8"?>
-<p:sld xmlns:a="http://schemas.openxmlformats.org/drawingml/2006/main" xmlns:r="http://schemas.openxmlformats.org/officeDocument/2006/relationships" xmlns:mc="http://schemas.openxmlformats.org/markup-compatibility/2006" xmlns:mv="urn:schemas-microsoft-com:mac:vml" xmlns:p="http://schemas.openxmlformats.org/presentationml/2006/main" xmlns:c="http://schemas.openxmlformats.org/drawingml/2006/chart" xmlns:dgm="http://schemas.openxmlformats.org/drawingml/2006/diagram" xmlns:o="urn:schemas-microsoft-com:office:office" xmlns:v="urn:schemas-microsoft-com:vml" xmlns:pvml="urn:schemas-microsoft-com:office:powerpoint" xmlns:com="http://schemas.openxmlformats.org/drawingml/2006/compatibility" xmlns:p14="http://schemas.microsoft.com/office/powerpoint/2010/main" xmlns:p15="http://schemas.microsoft.com/office/powerpoint/2012/main" xmlns:ahyp="http://schemas.microsoft.com/office/drawing/2018/hyperlinkcolor">
+<p:sld xmlns:a="http://schemas.openxmlformats.org/drawingml/2006/main" xmlns:r="http://schemas.openxmlformats.org/officeDocument/2006/relationships" xmlns:p="http://schemas.openxmlformats.org/presentationml/2006/main">
   <p:cSld>
     <p:spTree>
       <p:nvGrpSpPr>
-        <p:cNvPr id="111" name="Shape 111"/>
+        <p:cNvPr id="1" name="Shape 95"/>
         <p:cNvGrpSpPr/>
         <p:nvPr/>
       </p:nvGrpSpPr>
@@ -9891,7 +11170,7 @@
       </p:grpSpPr>
       <p:pic>
         <p:nvPicPr>
-          <p:cNvPr id="112" name="Google Shape;112;p21"/>
+          <p:cNvPr id="96" name="Google Shape;96;p19"/>
           <p:cNvPicPr preferRelativeResize="0"/>
           <p:nvPr/>
         </p:nvPicPr>
@@ -9899,7 +11178,7 @@
           <a:blip r:embed="rId3">
             <a:alphaModFix/>
           </a:blip>
-          <a:srcRect b="0" l="0" r="0" t="94924"/>
+          <a:srcRect t="94924"/>
           <a:stretch/>
         </p:blipFill>
         <p:spPr>
@@ -9918,7 +11197,7 @@
       </p:pic>
       <p:sp>
         <p:nvSpPr>
-          <p:cNvPr id="113" name="Google Shape;113;p21"/>
+          <p:cNvPr id="97" name="Google Shape;97;p19"/>
           <p:cNvSpPr txBox="1"/>
           <p:nvPr/>
         </p:nvSpPr>
@@ -9936,12 +11215,12 @@
           </a:ln>
         </p:spPr>
         <p:txBody>
-          <a:bodyPr anchorCtr="0" anchor="t" bIns="91425" lIns="91425" spcFirstLastPara="1" rIns="91425" wrap="square" tIns="91425">
+          <a:bodyPr spcFirstLastPara="1" wrap="square" lIns="91425" tIns="91425" rIns="91425" bIns="91425" anchor="t" anchorCtr="0">
             <a:normAutofit/>
           </a:bodyPr>
           <a:lstStyle/>
           <a:p>
-            <a:pPr indent="0" lvl="0" marL="0" rtl="0" algn="l">
+            <a:pPr marL="0" lvl="0" indent="0" algn="l" rtl="0">
               <a:lnSpc>
                 <a:spcPct val="115000"/>
               </a:lnSpc>
@@ -9959,7 +11238,7 @@
               <a:buNone/>
             </a:pPr>
             <a:r>
-              <a:rPr b="1" lang="en-GB" sz="2100">
+              <a:rPr lang="en-US" sz="2100" b="1" dirty="0">
                 <a:solidFill>
                   <a:srgbClr val="001466"/>
                 </a:solidFill>
@@ -9968,49 +11247,14 @@
                 <a:cs typeface="Montserrat"/>
                 <a:sym typeface="Montserrat"/>
               </a:rPr>
-              <a:t>Business Logic of the solution :</a:t>
+              <a:t>Flow chart of process</a:t>
             </a:r>
-            <a:endParaRPr b="1" sz="2100">
-              <a:solidFill>
-                <a:srgbClr val="001466"/>
-              </a:solidFill>
-              <a:latin typeface="Montserrat"/>
-              <a:ea typeface="Montserrat"/>
-              <a:cs typeface="Montserrat"/>
-              <a:sym typeface="Montserrat"/>
-            </a:endParaRPr>
-          </a:p>
-          <a:p>
-            <a:pPr indent="0" lvl="0" marL="0" rtl="0" algn="l">
-              <a:lnSpc>
-                <a:spcPct val="115000"/>
-              </a:lnSpc>
-              <a:spcBef>
-                <a:spcPts val="1200"/>
-              </a:spcBef>
-              <a:spcAft>
-                <a:spcPts val="1200"/>
-              </a:spcAft>
-              <a:buNone/>
-            </a:pPr>
-            <a:r>
-              <a:t/>
-            </a:r>
-            <a:endParaRPr b="1" sz="1800">
-              <a:solidFill>
-                <a:srgbClr val="616161"/>
-              </a:solidFill>
-              <a:latin typeface="Proxima Nova"/>
-              <a:ea typeface="Proxima Nova"/>
-              <a:cs typeface="Proxima Nova"/>
-              <a:sym typeface="Proxima Nova"/>
-            </a:endParaRPr>
           </a:p>
         </p:txBody>
       </p:sp>
       <p:sp>
         <p:nvSpPr>
-          <p:cNvPr id="114" name="Google Shape;114;p21"/>
+          <p:cNvPr id="98" name="Google Shape;98;p19"/>
           <p:cNvSpPr/>
           <p:nvPr/>
         </p:nvSpPr>
@@ -10025,17 +11269,17 @@
           <a:solidFill>
             <a:srgbClr val="03192E"/>
           </a:solidFill>
-          <a:ln cap="flat" cmpd="sng" w="9525">
+          <a:ln w="9525" cap="flat" cmpd="sng">
             <a:solidFill>
               <a:schemeClr val="dk2"/>
             </a:solidFill>
             <a:prstDash val="solid"/>
             <a:round/>
-            <a:headEnd len="sm" w="sm" type="none"/>
-            <a:tailEnd len="sm" w="sm" type="none"/>
+            <a:headEnd type="none" w="sm" len="sm"/>
+            <a:tailEnd type="none" w="sm" len="sm"/>
           </a:ln>
           <a:effectLst>
-            <a:outerShdw blurRad="57150" rotWithShape="0" algn="bl" dir="5400000" dist="19050">
+            <a:outerShdw blurRad="57150" dist="19050" dir="5400000" algn="bl" rotWithShape="0">
               <a:schemeClr val="lt1">
                 <a:alpha val="50000"/>
               </a:schemeClr>
@@ -10043,12 +11287,12 @@
           </a:effectLst>
         </p:spPr>
         <p:txBody>
-          <a:bodyPr anchorCtr="0" anchor="ctr" bIns="91425" lIns="91425" spcFirstLastPara="1" rIns="91425" wrap="square" tIns="91425">
+          <a:bodyPr spcFirstLastPara="1" wrap="square" lIns="91425" tIns="91425" rIns="91425" bIns="91425" anchor="ctr" anchorCtr="0">
             <a:noAutofit/>
           </a:bodyPr>
           <a:lstStyle/>
           <a:p>
-            <a:pPr indent="0" lvl="0" marL="0" rtl="0" algn="l">
+            <a:pPr marL="0" lvl="0" indent="0" algn="l" rtl="0">
               <a:spcBef>
                 <a:spcPts val="0"/>
               </a:spcBef>
@@ -10057,16 +11301,13 @@
               </a:spcAft>
               <a:buNone/>
             </a:pPr>
-            <a:r>
-              <a:t/>
-            </a:r>
             <a:endParaRPr/>
           </a:p>
         </p:txBody>
       </p:sp>
       <p:pic>
         <p:nvPicPr>
-          <p:cNvPr id="115" name="Google Shape;115;p21"/>
+          <p:cNvPr id="99" name="Google Shape;99;p19"/>
           <p:cNvPicPr preferRelativeResize="0"/>
           <p:nvPr/>
         </p:nvPicPr>
@@ -10074,7 +11315,7 @@
           <a:blip r:embed="rId4">
             <a:alphaModFix/>
           </a:blip>
-          <a:srcRect b="86591" l="0" r="0" t="0"/>
+          <a:srcRect b="86591"/>
           <a:stretch/>
         </p:blipFill>
         <p:spPr>
@@ -10091,7 +11332,42 @@
           </a:ln>
         </p:spPr>
       </p:pic>
+      <p:pic>
+        <p:nvPicPr>
+          <p:cNvPr id="5" name="Picture 4">
+            <a:extLst>
+              <a:ext uri="{FF2B5EF4-FFF2-40B4-BE49-F238E27FC236}">
+                <a16:creationId xmlns:a16="http://schemas.microsoft.com/office/drawing/2014/main" id="{0A4AB583-A28D-2555-B450-178606A20D24}"/>
+              </a:ext>
+            </a:extLst>
+          </p:cNvPr>
+          <p:cNvPicPr>
+            <a:picLocks noChangeAspect="1"/>
+          </p:cNvPicPr>
+          <p:nvPr/>
+        </p:nvPicPr>
+        <p:blipFill>
+          <a:blip r:embed="rId5"/>
+          <a:stretch>
+            <a:fillRect/>
+          </a:stretch>
+        </p:blipFill>
+        <p:spPr>
+          <a:xfrm>
+            <a:off x="2324986" y="1103188"/>
+            <a:ext cx="5277846" cy="3911261"/>
+          </a:xfrm>
+          <a:prstGeom prst="rect">
+            <a:avLst/>
+          </a:prstGeom>
+        </p:spPr>
+      </p:pic>
     </p:spTree>
+    <p:extLst>
+      <p:ext uri="{BB962C8B-B14F-4D97-AF65-F5344CB8AC3E}">
+        <p14:creationId xmlns:p14="http://schemas.microsoft.com/office/powerpoint/2010/main" val="72017671"/>
+      </p:ext>
+    </p:extLst>
   </p:cSld>
   <p:clrMapOvr>
     <a:masterClrMapping/>
@@ -10100,7 +11376,7 @@
 </file>
 
 <file path=ppt/theme/theme1.xml><?xml version="1.0" encoding="utf-8"?>
-<a:theme xmlns:a="http://schemas.openxmlformats.org/drawingml/2006/main" xmlns:r="http://schemas.openxmlformats.org/officeDocument/2006/relationships" name="Simple Light">
+<a:theme xmlns:a="http://schemas.openxmlformats.org/drawingml/2006/main" name="Simple Light">
   <a:themeElements>
     <a:clrScheme name="Simple Light">
       <a:dk1>
@@ -10375,11 +11651,13 @@
       </a:bgFillStyleLst>
     </a:fmtScheme>
   </a:themeElements>
+  <a:objectDefaults/>
+  <a:extraClrSchemeLst/>
 </a:theme>
 </file>
 
 <file path=ppt/theme/theme2.xml><?xml version="1.0" encoding="utf-8"?>
-<a:theme xmlns:a="http://schemas.openxmlformats.org/drawingml/2006/main" xmlns:r="http://schemas.openxmlformats.org/officeDocument/2006/relationships">
+<a:theme xmlns:a="http://schemas.openxmlformats.org/drawingml/2006/main">
   <a:themeElements>
     <a:clrScheme name="Default">
       <a:dk1>
@@ -10654,5 +11932,7 @@
       </a:bgFillStyleLst>
     </a:fmtScheme>
   </a:themeElements>
+  <a:objectDefaults/>
+  <a:extraClrSchemeLst/>
 </a:theme>
 </file>
--- a/main.pptx
+++ b/main.pptx
@@ -11334,10 +11334,10 @@
       </p:pic>
       <p:pic>
         <p:nvPicPr>
-          <p:cNvPr id="5" name="Picture 4">
+          <p:cNvPr id="3" name="Picture 2">
             <a:extLst>
               <a:ext uri="{FF2B5EF4-FFF2-40B4-BE49-F238E27FC236}">
-                <a16:creationId xmlns:a16="http://schemas.microsoft.com/office/drawing/2014/main" id="{0A4AB583-A28D-2555-B450-178606A20D24}"/>
+                <a16:creationId xmlns:a16="http://schemas.microsoft.com/office/drawing/2014/main" id="{546EF680-9BB3-6E0F-C1E2-5724945A4F30}"/>
               </a:ext>
             </a:extLst>
           </p:cNvPr>
@@ -11354,8 +11354,8 @@
         </p:blipFill>
         <p:spPr>
           <a:xfrm>
-            <a:off x="2324986" y="1103188"/>
-            <a:ext cx="5277846" cy="3911261"/>
+            <a:off x="2544726" y="821647"/>
+            <a:ext cx="5334555" cy="3953286"/>
           </a:xfrm>
           <a:prstGeom prst="rect">
             <a:avLst/>
